--- a/slides/04_ML_K-Means.pptx
+++ b/slides/04_ML_K-Means.pptx
@@ -5,7 +5,7 @@
     <p:sldMasterId id="2147483648" r:id="rId1"/>
   </p:sldMasterIdLst>
   <p:notesMasterIdLst>
-    <p:notesMasterId r:id="rId36"/>
+    <p:notesMasterId r:id="rId37"/>
   </p:notesMasterIdLst>
   <p:sldIdLst>
     <p:sldId id="281" r:id="rId2"/>
@@ -37,11 +37,12 @@
     <p:sldId id="298" r:id="rId28"/>
     <p:sldId id="299" r:id="rId29"/>
     <p:sldId id="303" r:id="rId30"/>
-    <p:sldId id="300" r:id="rId31"/>
-    <p:sldId id="301" r:id="rId32"/>
-    <p:sldId id="306" r:id="rId33"/>
-    <p:sldId id="304" r:id="rId34"/>
-    <p:sldId id="305" r:id="rId35"/>
+    <p:sldId id="307" r:id="rId31"/>
+    <p:sldId id="300" r:id="rId32"/>
+    <p:sldId id="301" r:id="rId33"/>
+    <p:sldId id="306" r:id="rId34"/>
+    <p:sldId id="304" r:id="rId35"/>
+    <p:sldId id="305" r:id="rId36"/>
   </p:sldIdLst>
   <p:sldSz cx="12192000" cy="6858000"/>
   <p:notesSz cx="6858000" cy="9144000"/>
@@ -867,6 +868,105 @@
     <p:extLst>
       <p:ext uri="{BB962C8B-B14F-4D97-AF65-F5344CB8AC3E}">
         <p14:creationId xmlns:p14="http://schemas.microsoft.com/office/powerpoint/2010/main" val="1446730153"/>
+      </p:ext>
+    </p:extLst>
+  </p:cSld>
+  <p:clrMapOvr>
+    <a:masterClrMapping/>
+  </p:clrMapOvr>
+</p:notes>
+</file>
+
+<file path=ppt/notesSlides/notesSlide11.xml><?xml version="1.0" encoding="utf-8"?>
+<p:notes xmlns:a="http://schemas.openxmlformats.org/drawingml/2006/main" xmlns:r="http://schemas.openxmlformats.org/officeDocument/2006/relationships" xmlns:p="http://schemas.openxmlformats.org/presentationml/2006/main">
+  <p:cSld>
+    <p:spTree>
+      <p:nvGrpSpPr>
+        <p:cNvPr id="1" name=""/>
+        <p:cNvGrpSpPr/>
+        <p:nvPr/>
+      </p:nvGrpSpPr>
+      <p:grpSpPr>
+        <a:xfrm>
+          <a:off x="0" y="0"/>
+          <a:ext cx="0" cy="0"/>
+          <a:chOff x="0" y="0"/>
+          <a:chExt cx="0" cy="0"/>
+        </a:xfrm>
+      </p:grpSpPr>
+      <p:sp>
+        <p:nvSpPr>
+          <p:cNvPr id="2" name="Slide Image Placeholder 1"/>
+          <p:cNvSpPr>
+            <a:spLocks noGrp="1" noRot="1" noChangeAspect="1"/>
+          </p:cNvSpPr>
+          <p:nvPr>
+            <p:ph type="sldImg"/>
+          </p:nvPr>
+        </p:nvSpPr>
+        <p:spPr/>
+      </p:sp>
+      <p:sp>
+        <p:nvSpPr>
+          <p:cNvPr id="3" name="Notes Placeholder 2"/>
+          <p:cNvSpPr>
+            <a:spLocks noGrp="1"/>
+          </p:cNvSpPr>
+          <p:nvPr>
+            <p:ph type="body" idx="1"/>
+          </p:nvPr>
+        </p:nvSpPr>
+        <p:spPr/>
+        <p:txBody>
+          <a:bodyPr/>
+          <a:lstStyle/>
+          <a:p>
+            <a:r>
+              <a:rPr lang="en-US" dirty="0" err="1"/>
+              <a:t>Lantuejoul</a:t>
+            </a:r>
+            <a:r>
+              <a:rPr lang="en-US" dirty="0"/>
+              <a:t> sec. 5.3 </a:t>
+            </a:r>
+            <a:r>
+              <a:rPr lang="en-US" dirty="0" err="1"/>
+              <a:t>Hausdorff</a:t>
+            </a:r>
+            <a:r>
+              <a:rPr lang="en-US" dirty="0"/>
+              <a:t> distance</a:t>
+            </a:r>
+          </a:p>
+        </p:txBody>
+      </p:sp>
+      <p:sp>
+        <p:nvSpPr>
+          <p:cNvPr id="4" name="Slide Number Placeholder 3"/>
+          <p:cNvSpPr>
+            <a:spLocks noGrp="1"/>
+          </p:cNvSpPr>
+          <p:nvPr>
+            <p:ph type="sldNum" sz="quarter" idx="5"/>
+          </p:nvPr>
+        </p:nvSpPr>
+        <p:spPr/>
+        <p:txBody>
+          <a:bodyPr/>
+          <a:lstStyle/>
+          <a:p>
+            <a:fld id="{72A85226-FE62-4B77-BD7D-7A686E774C30}" type="slidenum">
+              <a:rPr lang="en-US" smtClean="0"/>
+              <a:t>30</a:t>
+            </a:fld>
+            <a:endParaRPr lang="en-US"/>
+          </a:p>
+        </p:txBody>
+      </p:sp>
+    </p:spTree>
+    <p:extLst>
+      <p:ext uri="{BB962C8B-B14F-4D97-AF65-F5344CB8AC3E}">
+        <p14:creationId xmlns:p14="http://schemas.microsoft.com/office/powerpoint/2010/main" val="1521840432"/>
       </p:ext>
     </p:extLst>
   </p:cSld>
@@ -2125,8 +2225,8 @@
         </p:nvSpPr>
         <p:spPr/>
       </p:sp>
-      <mc:AlternateContent xmlns:mc="http://schemas.openxmlformats.org/markup-compatibility/2006">
-        <mc:Choice xmlns:a14="http://schemas.microsoft.com/office/drawing/2010/main" Requires="a14">
+      <mc:AlternateContent xmlns:mc="http://schemas.openxmlformats.org/markup-compatibility/2006" xmlns:a14="http://schemas.microsoft.com/office/drawing/2010/main">
+        <mc:Choice Requires="a14">
           <p:sp>
             <p:nvSpPr>
               <p:cNvPr id="3" name="Notes Placeholder 2"/>
@@ -2383,7 +2483,7 @@
             </p:txBody>
           </p:sp>
         </mc:Choice>
-        <mc:Fallback>
+        <mc:Fallback xmlns="">
           <p:sp>
             <p:nvSpPr>
               <p:cNvPr id="3" name="Notes Placeholder 2"/>
@@ -2501,7 +2601,7 @@
               <a:p>
                 <a:r>
                   <a:rPr lang="en-US" dirty="0">
-                    <a:hlinkClick r:id="rId3"/>
+                    <a:hlinkClick r:id="rId4"/>
                   </a:rPr>
                   <a:t>https://en.wikipedia.org/wiki/Silhouette_(clustering)</a:t>
                 </a:r>
@@ -9446,51 +9546,114 @@
           </a:p>
         </p:txBody>
       </p:sp>
-      <p:sp>
-        <p:nvSpPr>
-          <p:cNvPr id="3" name="Content Placeholder 2">
-            <a:extLst>
-              <a:ext uri="{FF2B5EF4-FFF2-40B4-BE49-F238E27FC236}">
-                <a16:creationId xmlns:a16="http://schemas.microsoft.com/office/drawing/2014/main" id="{D35823D0-C437-4D3D-B063-A1FB2AAE6F09}"/>
-              </a:ext>
-            </a:extLst>
-          </p:cNvPr>
-          <p:cNvSpPr>
-            <a:spLocks noGrp="1"/>
-          </p:cNvSpPr>
-          <p:nvPr>
-            <p:ph idx="1"/>
-          </p:nvPr>
-        </p:nvSpPr>
-        <p:spPr/>
-        <p:txBody>
-          <a:bodyPr/>
-          <a:lstStyle/>
-          <a:p>
-            <a:r>
-              <a:rPr lang="en-US" dirty="0"/>
-              <a:t>Generate a bivariate dataset with 3 groups and then use      </a:t>
-            </a:r>
-            <a:r>
-              <a:rPr lang="en-US" dirty="0" err="1"/>
-              <a:t>sklearn.cluster.Kmeans</a:t>
-            </a:r>
-            <a:r>
-              <a:rPr lang="en-US" dirty="0"/>
-              <a:t>()       to get clusters of the dataset.</a:t>
-            </a:r>
-          </a:p>
-          <a:p>
-            <a:endParaRPr lang="en-US" dirty="0"/>
-          </a:p>
-          <a:p>
-            <a:r>
-              <a:rPr lang="en-US" dirty="0"/>
-              <a:t>Plot the scatterplot identifying each cluster with a different color</a:t>
-            </a:r>
-          </a:p>
-        </p:txBody>
-      </p:sp>
+      <mc:AlternateContent xmlns:mc="http://schemas.openxmlformats.org/markup-compatibility/2006">
+        <mc:Choice xmlns:a14="http://schemas.microsoft.com/office/drawing/2010/main" Requires="a14">
+          <p:sp>
+            <p:nvSpPr>
+              <p:cNvPr id="3" name="Content Placeholder 2">
+                <a:extLst>
+                  <a:ext uri="{FF2B5EF4-FFF2-40B4-BE49-F238E27FC236}">
+                    <a16:creationId xmlns:a16="http://schemas.microsoft.com/office/drawing/2014/main" id="{D35823D0-C437-4D3D-B063-A1FB2AAE6F09}"/>
+                  </a:ext>
+                </a:extLst>
+              </p:cNvPr>
+              <p:cNvSpPr>
+                <a:spLocks noGrp="1"/>
+              </p:cNvSpPr>
+              <p:nvPr>
+                <p:ph idx="1"/>
+              </p:nvPr>
+            </p:nvSpPr>
+            <p:spPr/>
+            <p:txBody>
+              <a:bodyPr/>
+              <a:lstStyle/>
+              <a:p>
+                <a:r>
+                  <a:rPr lang="en-US" dirty="0"/>
+                  <a:t>Generate a bivariate dataset with </a:t>
+                </a:r>
+                <a14:m>
+                  <m:oMath xmlns:m="http://schemas.openxmlformats.org/officeDocument/2006/math">
+                    <m:r>
+                      <a:rPr lang="en-US" b="0" i="1" smtClean="0">
+                        <a:latin typeface="Cambria Math" panose="02040503050406030204" pitchFamily="18" charset="0"/>
+                      </a:rPr>
+                      <m:t>𝐾</m:t>
+                    </m:r>
+                    <m:r>
+                      <a:rPr lang="en-US" b="0" i="1" smtClean="0">
+                        <a:latin typeface="Cambria Math" panose="02040503050406030204" pitchFamily="18" charset="0"/>
+                      </a:rPr>
+                      <m:t>=</m:t>
+                    </m:r>
+                  </m:oMath>
+                </a14:m>
+                <a:r>
+                  <a:rPr lang="en-US" dirty="0"/>
+                  <a:t>3 groups and then use      </a:t>
+                </a:r>
+                <a:r>
+                  <a:rPr lang="en-US" dirty="0" err="1"/>
+                  <a:t>sklearn.cluster.Kmeans</a:t>
+                </a:r>
+                <a:r>
+                  <a:rPr lang="en-US" dirty="0"/>
+                  <a:t>()       to get clusters of the dataset</a:t>
+                </a:r>
+              </a:p>
+              <a:p>
+                <a:endParaRPr lang="en-US" dirty="0"/>
+              </a:p>
+              <a:p>
+                <a:r>
+                  <a:rPr lang="en-US" dirty="0"/>
+                  <a:t>Plot the scatterplot identifying each cluster with a different color</a:t>
+                </a:r>
+              </a:p>
+            </p:txBody>
+          </p:sp>
+        </mc:Choice>
+        <mc:Fallback>
+          <p:sp>
+            <p:nvSpPr>
+              <p:cNvPr id="3" name="Content Placeholder 2">
+                <a:extLst>
+                  <a:ext uri="{FF2B5EF4-FFF2-40B4-BE49-F238E27FC236}">
+                    <a16:creationId xmlns:a16="http://schemas.microsoft.com/office/drawing/2014/main" id="{D35823D0-C437-4D3D-B063-A1FB2AAE6F09}"/>
+                  </a:ext>
+                </a:extLst>
+              </p:cNvPr>
+              <p:cNvSpPr>
+                <a:spLocks noGrp="1" noRot="1" noChangeAspect="1" noMove="1" noResize="1" noEditPoints="1" noAdjustHandles="1" noChangeArrowheads="1" noChangeShapeType="1" noTextEdit="1"/>
+              </p:cNvSpPr>
+              <p:nvPr>
+                <p:ph idx="1"/>
+              </p:nvPr>
+            </p:nvSpPr>
+            <p:spPr>
+              <a:blipFill>
+                <a:blip r:embed="rId2"/>
+                <a:stretch>
+                  <a:fillRect l="-1043" t="-2241"/>
+                </a:stretch>
+              </a:blipFill>
+            </p:spPr>
+            <p:txBody>
+              <a:bodyPr/>
+              <a:lstStyle/>
+              <a:p>
+                <a:r>
+                  <a:rPr lang="en-US">
+                    <a:noFill/>
+                  </a:rPr>
+                  <a:t> </a:t>
+                </a:r>
+              </a:p>
+            </p:txBody>
+          </p:sp>
+        </mc:Fallback>
+      </mc:AlternateContent>
       <p:sp>
         <p:nvSpPr>
           <p:cNvPr id="4" name="Rectangle 3">
@@ -9520,11 +9683,28 @@
           <a:p>
             <a:r>
               <a:rPr lang="en-US" dirty="0">
-                <a:hlinkClick r:id="rId2"/>
+                <a:solidFill>
+                  <a:schemeClr val="bg1">
+                    <a:lumMod val="50000"/>
+                  </a:schemeClr>
+                </a:solidFill>
+                <a:hlinkClick r:id="rId3">
+                  <a:extLst>
+                    <a:ext uri="{A12FA001-AC4F-418D-AE19-62706E023703}">
+                      <ahyp:hlinkClr xmlns:ahyp="http://schemas.microsoft.com/office/drawing/2018/hyperlinkcolor" val="tx"/>
+                    </a:ext>
+                  </a:extLst>
+                </a:hlinkClick>
               </a:rPr>
               <a:t>https://blog.floydhub.com/introduction-to-k-means-clustering-in-python-with-scikit-learn/</a:t>
             </a:r>
-            <a:endParaRPr lang="en-US" dirty="0"/>
+            <a:endParaRPr lang="en-US" dirty="0">
+              <a:solidFill>
+                <a:schemeClr val="bg1">
+                  <a:lumMod val="50000"/>
+                </a:schemeClr>
+              </a:solidFill>
+            </a:endParaRPr>
           </a:p>
         </p:txBody>
       </p:sp>
@@ -9610,8 +9790,8 @@
           <a:chExt cx="0" cy="0"/>
         </a:xfrm>
       </p:grpSpPr>
-      <mc:AlternateContent xmlns:mc="http://schemas.openxmlformats.org/markup-compatibility/2006">
-        <mc:Choice xmlns:a14="http://schemas.microsoft.com/office/drawing/2010/main" Requires="a14">
+      <mc:AlternateContent xmlns:mc="http://schemas.openxmlformats.org/markup-compatibility/2006" xmlns:a14="http://schemas.microsoft.com/office/drawing/2010/main">
+        <mc:Choice Requires="a14">
           <p:sp>
             <p:nvSpPr>
               <p:cNvPr id="2" name="Title 1">
@@ -9655,7 +9835,7 @@
             </p:txBody>
           </p:sp>
         </mc:Choice>
-        <mc:Fallback>
+        <mc:Fallback xmlns="">
           <p:sp>
             <p:nvSpPr>
               <p:cNvPr id="2" name="Title 1">
@@ -9771,11 +9951,28 @@
           <a:p>
             <a:r>
               <a:rPr lang="en-US" dirty="0">
-                <a:hlinkClick r:id="rId5"/>
+                <a:solidFill>
+                  <a:schemeClr val="bg1">
+                    <a:lumMod val="50000"/>
+                  </a:schemeClr>
+                </a:solidFill>
+                <a:hlinkClick r:id="rId5">
+                  <a:extLst>
+                    <a:ext uri="{A12FA001-AC4F-418D-AE19-62706E023703}">
+                      <ahyp:hlinkClr xmlns:ahyp="http://schemas.microsoft.com/office/drawing/2018/hyperlinkcolor" val="tx"/>
+                    </a:ext>
+                  </a:extLst>
+                </a:hlinkClick>
               </a:rPr>
               <a:t>https://visibledata.wordpress.com/visible-data/cluster-analysis/</a:t>
             </a:r>
-            <a:endParaRPr lang="en-US" dirty="0"/>
+            <a:endParaRPr lang="en-US" dirty="0">
+              <a:solidFill>
+                <a:schemeClr val="bg1">
+                  <a:lumMod val="50000"/>
+                </a:schemeClr>
+              </a:solidFill>
+            </a:endParaRPr>
           </a:p>
         </p:txBody>
       </p:sp>
@@ -12515,8 +12712,8 @@
           <a:chExt cx="0" cy="0"/>
         </a:xfrm>
       </p:grpSpPr>
-      <mc:AlternateContent xmlns:mc="http://schemas.openxmlformats.org/markup-compatibility/2006">
-        <mc:Choice xmlns:a14="http://schemas.microsoft.com/office/drawing/2010/main" Requires="a14">
+      <mc:AlternateContent xmlns:mc="http://schemas.openxmlformats.org/markup-compatibility/2006" xmlns:a14="http://schemas.microsoft.com/office/drawing/2010/main">
+        <mc:Choice Requires="a14">
           <p:sp>
             <p:nvSpPr>
               <p:cNvPr id="2" name="Title 1">
@@ -12560,7 +12757,7 @@
             </p:txBody>
           </p:sp>
         </mc:Choice>
-        <mc:Fallback>
+        <mc:Fallback xmlns="">
           <p:sp>
             <p:nvSpPr>
               <p:cNvPr id="2" name="Title 1">
@@ -17091,192 +17288,6 @@
           </a:p>
         </p:txBody>
       </p:sp>
-      <p:sp>
-        <p:nvSpPr>
-          <p:cNvPr id="4" name="Footer Placeholder 3"/>
-          <p:cNvSpPr>
-            <a:spLocks noGrp="1"/>
-          </p:cNvSpPr>
-          <p:nvPr>
-            <p:ph type="ftr" sz="quarter" idx="10"/>
-          </p:nvPr>
-        </p:nvSpPr>
-        <p:spPr/>
-        <p:txBody>
-          <a:bodyPr/>
-          <a:lstStyle/>
-          <a:p>
-            <a:pPr>
-              <a:defRPr/>
-            </a:pPr>
-            <a:r>
-              <a:rPr lang="en-US"/>
-              <a:t>Cluster Analysis</a:t>
-            </a:r>
-            <a:endParaRPr lang="en-US" dirty="0">
-              <a:latin typeface="Times New Roman" charset="0"/>
-            </a:endParaRPr>
-          </a:p>
-        </p:txBody>
-      </p:sp>
-      <p:sp>
-        <p:nvSpPr>
-          <p:cNvPr id="5" name="Slide Number Placeholder 4"/>
-          <p:cNvSpPr>
-            <a:spLocks noGrp="1"/>
-          </p:cNvSpPr>
-          <p:nvPr>
-            <p:ph type="sldNum" sz="quarter" idx="4"/>
-          </p:nvPr>
-        </p:nvSpPr>
-        <p:spPr>
-          <a:xfrm>
-            <a:off x="6553200" y="6324600"/>
-            <a:ext cx="2133600" cy="365125"/>
-          </a:xfrm>
-          <a:prstGeom prst="rect">
-            <a:avLst/>
-          </a:prstGeom>
-        </p:spPr>
-        <p:txBody>
-          <a:bodyPr vert="horz" lIns="91440" tIns="45720" rIns="91440" bIns="45720" rtlCol="0" anchor="ctr"/>
-          <a:lstStyle>
-            <a:defPPr>
-              <a:defRPr lang="en-US"/>
-            </a:defPPr>
-            <a:lvl1pPr algn="r" rtl="0" fontAlgn="base">
-              <a:spcBef>
-                <a:spcPct val="0"/>
-              </a:spcBef>
-              <a:spcAft>
-                <a:spcPct val="0"/>
-              </a:spcAft>
-              <a:defRPr sz="1200" kern="1200">
-                <a:solidFill>
-                  <a:schemeClr val="tx1">
-                    <a:tint val="75000"/>
-                  </a:schemeClr>
-                </a:solidFill>
-                <a:latin typeface="Comic Sans MS" charset="0"/>
-                <a:ea typeface="+mn-ea"/>
-                <a:cs typeface="+mn-cs"/>
-              </a:defRPr>
-            </a:lvl1pPr>
-            <a:lvl2pPr marL="457200" algn="l" rtl="0" fontAlgn="base">
-              <a:spcBef>
-                <a:spcPct val="0"/>
-              </a:spcBef>
-              <a:spcAft>
-                <a:spcPct val="0"/>
-              </a:spcAft>
-              <a:defRPr sz="2400" kern="1200">
-                <a:solidFill>
-                  <a:schemeClr val="tx1"/>
-                </a:solidFill>
-                <a:latin typeface="Comic Sans MS" charset="0"/>
-                <a:ea typeface="+mn-ea"/>
-                <a:cs typeface="+mn-cs"/>
-              </a:defRPr>
-            </a:lvl2pPr>
-            <a:lvl3pPr marL="914400" algn="l" rtl="0" fontAlgn="base">
-              <a:spcBef>
-                <a:spcPct val="0"/>
-              </a:spcBef>
-              <a:spcAft>
-                <a:spcPct val="0"/>
-              </a:spcAft>
-              <a:defRPr sz="2400" kern="1200">
-                <a:solidFill>
-                  <a:schemeClr val="tx1"/>
-                </a:solidFill>
-                <a:latin typeface="Comic Sans MS" charset="0"/>
-                <a:ea typeface="+mn-ea"/>
-                <a:cs typeface="+mn-cs"/>
-              </a:defRPr>
-            </a:lvl3pPr>
-            <a:lvl4pPr marL="1371600" algn="l" rtl="0" fontAlgn="base">
-              <a:spcBef>
-                <a:spcPct val="0"/>
-              </a:spcBef>
-              <a:spcAft>
-                <a:spcPct val="0"/>
-              </a:spcAft>
-              <a:defRPr sz="2400" kern="1200">
-                <a:solidFill>
-                  <a:schemeClr val="tx1"/>
-                </a:solidFill>
-                <a:latin typeface="Comic Sans MS" charset="0"/>
-                <a:ea typeface="+mn-ea"/>
-                <a:cs typeface="+mn-cs"/>
-              </a:defRPr>
-            </a:lvl4pPr>
-            <a:lvl5pPr marL="1828800" algn="l" rtl="0" fontAlgn="base">
-              <a:spcBef>
-                <a:spcPct val="0"/>
-              </a:spcBef>
-              <a:spcAft>
-                <a:spcPct val="0"/>
-              </a:spcAft>
-              <a:defRPr sz="2400" kern="1200">
-                <a:solidFill>
-                  <a:schemeClr val="tx1"/>
-                </a:solidFill>
-                <a:latin typeface="Comic Sans MS" charset="0"/>
-                <a:ea typeface="+mn-ea"/>
-                <a:cs typeface="+mn-cs"/>
-              </a:defRPr>
-            </a:lvl5pPr>
-            <a:lvl6pPr marL="2286000" algn="l" defTabSz="457200" rtl="0" eaLnBrk="1" latinLnBrk="0" hangingPunct="1">
-              <a:defRPr sz="2400" kern="1200">
-                <a:solidFill>
-                  <a:schemeClr val="tx1"/>
-                </a:solidFill>
-                <a:latin typeface="Comic Sans MS" charset="0"/>
-                <a:ea typeface="+mn-ea"/>
-                <a:cs typeface="+mn-cs"/>
-              </a:defRPr>
-            </a:lvl6pPr>
-            <a:lvl7pPr marL="2743200" algn="l" defTabSz="457200" rtl="0" eaLnBrk="1" latinLnBrk="0" hangingPunct="1">
-              <a:defRPr sz="2400" kern="1200">
-                <a:solidFill>
-                  <a:schemeClr val="tx1"/>
-                </a:solidFill>
-                <a:latin typeface="Comic Sans MS" charset="0"/>
-                <a:ea typeface="+mn-ea"/>
-                <a:cs typeface="+mn-cs"/>
-              </a:defRPr>
-            </a:lvl7pPr>
-            <a:lvl8pPr marL="3200400" algn="l" defTabSz="457200" rtl="0" eaLnBrk="1" latinLnBrk="0" hangingPunct="1">
-              <a:defRPr sz="2400" kern="1200">
-                <a:solidFill>
-                  <a:schemeClr val="tx1"/>
-                </a:solidFill>
-                <a:latin typeface="Comic Sans MS" charset="0"/>
-                <a:ea typeface="+mn-ea"/>
-                <a:cs typeface="+mn-cs"/>
-              </a:defRPr>
-            </a:lvl8pPr>
-            <a:lvl9pPr marL="3657600" algn="l" defTabSz="457200" rtl="0" eaLnBrk="1" latinLnBrk="0" hangingPunct="1">
-              <a:defRPr sz="2400" kern="1200">
-                <a:solidFill>
-                  <a:schemeClr val="tx1"/>
-                </a:solidFill>
-                <a:latin typeface="Comic Sans MS" charset="0"/>
-                <a:ea typeface="+mn-ea"/>
-                <a:cs typeface="+mn-cs"/>
-              </a:defRPr>
-            </a:lvl9pPr>
-          </a:lstStyle>
-          <a:p>
-            <a:fld id="{E4131050-4FF2-0646-B549-420EB1446C49}" type="slidenum">
-              <a:rPr lang="en-US" smtClean="0"/>
-              <a:pPr/>
-              <a:t>25</a:t>
-            </a:fld>
-            <a:endParaRPr lang="en-US"/>
-          </a:p>
-        </p:txBody>
-      </p:sp>
       <p:pic>
         <p:nvPicPr>
           <p:cNvPr id="1026" name="Picture 2" descr="Cluster Analysis: see it 1st | Data Visualization">
@@ -17371,8 +17382,8 @@
           </a:p>
         </p:txBody>
       </p:sp>
-      <mc:AlternateContent xmlns:mc="http://schemas.openxmlformats.org/markup-compatibility/2006">
-        <mc:Choice xmlns:a14="http://schemas.microsoft.com/office/drawing/2010/main" Requires="a14">
+      <mc:AlternateContent xmlns:mc="http://schemas.openxmlformats.org/markup-compatibility/2006" xmlns:a14="http://schemas.microsoft.com/office/drawing/2010/main">
+        <mc:Choice Requires="a14">
           <p:sp>
             <p:nvSpPr>
               <p:cNvPr id="3" name="Content Placeholder 2"/>
@@ -17583,7 +17594,7 @@
             </p:txBody>
           </p:sp>
         </mc:Choice>
-        <mc:Fallback>
+        <mc:Fallback xmlns="">
           <p:sp>
             <p:nvSpPr>
               <p:cNvPr id="3" name="Content Placeholder 2"/>
@@ -18007,8 +18018,8 @@
           </a:p>
         </p:txBody>
       </p:sp>
-      <mc:AlternateContent xmlns:mc="http://schemas.openxmlformats.org/markup-compatibility/2006">
-        <mc:Choice xmlns:a14="http://schemas.microsoft.com/office/drawing/2010/main" Requires="a14">
+      <mc:AlternateContent xmlns:mc="http://schemas.openxmlformats.org/markup-compatibility/2006" xmlns:a14="http://schemas.microsoft.com/office/drawing/2010/main">
+        <mc:Choice Requires="a14">
           <p:sp>
             <p:nvSpPr>
               <p:cNvPr id="3" name="Content Placeholder 2"/>
@@ -18118,7 +18129,7 @@
             </p:txBody>
           </p:sp>
         </mc:Choice>
-        <mc:Fallback>
+        <mc:Fallback xmlns="">
           <p:sp>
             <p:nvSpPr>
               <p:cNvPr id="3" name="Content Placeholder 2"/>
@@ -18294,8 +18305,8 @@
           </a:p>
         </p:txBody>
       </p:sp>
-      <mc:AlternateContent xmlns:mc="http://schemas.openxmlformats.org/markup-compatibility/2006">
-        <mc:Choice xmlns:a14="http://schemas.microsoft.com/office/drawing/2010/main" Requires="a14">
+      <mc:AlternateContent xmlns:mc="http://schemas.openxmlformats.org/markup-compatibility/2006" xmlns:a14="http://schemas.microsoft.com/office/drawing/2010/main">
+        <mc:Choice Requires="a14">
           <p:sp>
             <p:nvSpPr>
               <p:cNvPr id="6" name="TextBox 5">
@@ -18324,6 +18335,7 @@
               </a:bodyPr>
               <a:lstStyle/>
               <a:p>
+                <a:pPr/>
                 <a14:m>
                   <m:oMathPara xmlns:m="http://schemas.openxmlformats.org/officeDocument/2006/math">
                     <m:oMathParaPr>
@@ -18542,7 +18554,7 @@
             </p:txBody>
           </p:sp>
         </mc:Choice>
-        <mc:Fallback>
+        <mc:Fallback xmlns="">
           <p:sp>
             <p:nvSpPr>
               <p:cNvPr id="6" name="TextBox 5">
@@ -18587,6 +18599,58 @@
           </p:sp>
         </mc:Fallback>
       </mc:AlternateContent>
+      <p:sp>
+        <p:nvSpPr>
+          <p:cNvPr id="9" name="Oval 8">
+            <a:extLst>
+              <a:ext uri="{FF2B5EF4-FFF2-40B4-BE49-F238E27FC236}">
+                <a16:creationId xmlns:a16="http://schemas.microsoft.com/office/drawing/2014/main" id="{C21AE4E5-B1B2-4A46-A1AC-01770127C856}"/>
+              </a:ext>
+            </a:extLst>
+          </p:cNvPr>
+          <p:cNvSpPr/>
+          <p:nvPr/>
+        </p:nvSpPr>
+        <p:spPr>
+          <a:xfrm>
+            <a:off x="197204" y="3016074"/>
+            <a:ext cx="172776" cy="236767"/>
+          </a:xfrm>
+          <a:prstGeom prst="ellipse">
+            <a:avLst/>
+          </a:prstGeom>
+          <a:solidFill>
+            <a:schemeClr val="tx1"/>
+          </a:solidFill>
+          <a:ln>
+            <a:solidFill>
+              <a:schemeClr val="tx1"/>
+            </a:solidFill>
+          </a:ln>
+        </p:spPr>
+        <p:style>
+          <a:lnRef idx="1">
+            <a:schemeClr val="accent1"/>
+          </a:lnRef>
+          <a:fillRef idx="3">
+            <a:schemeClr val="accent1"/>
+          </a:fillRef>
+          <a:effectRef idx="2">
+            <a:schemeClr val="accent1"/>
+          </a:effectRef>
+          <a:fontRef idx="minor">
+            <a:schemeClr val="lt1"/>
+          </a:fontRef>
+        </p:style>
+        <p:txBody>
+          <a:bodyPr rtlCol="0" anchor="ctr"/>
+          <a:lstStyle/>
+          <a:p>
+            <a:pPr algn="ctr"/>
+            <a:endParaRPr lang="en-US"/>
+          </a:p>
+        </p:txBody>
+      </p:sp>
     </p:spTree>
   </p:cSld>
   <p:clrMapOvr>
@@ -19081,7 +19145,7 @@
             </p:nvSpPr>
             <p:spPr>
               <a:xfrm>
-                <a:off x="6367858" y="1666143"/>
+                <a:off x="6657562" y="1731799"/>
                 <a:ext cx="1754543" cy="461665"/>
               </a:xfrm>
               <a:prstGeom prst="rect">
@@ -19095,6 +19159,7 @@
               </a:bodyPr>
               <a:lstStyle/>
               <a:p>
+                <a:pPr/>
                 <a14:m>
                   <m:oMathPara xmlns:m="http://schemas.openxmlformats.org/officeDocument/2006/math">
                     <m:oMathParaPr>
@@ -19167,7 +19232,7 @@
             </p:nvSpPr>
             <p:spPr>
               <a:xfrm>
-                <a:off x="6367858" y="1666143"/>
+                <a:off x="6657562" y="1731799"/>
                 <a:ext cx="1754543" cy="461665"/>
               </a:xfrm>
               <a:prstGeom prst="rect">
@@ -19227,7 +19292,21 @@
               <a:p>
                 <a:r>
                   <a:rPr lang="en-US" sz="2400" dirty="0"/>
-                  <a:t>Distance from a point </a:t>
+                  <a:t>Distance </a:t>
+                </a:r>
+                <a14:m>
+                  <m:oMath xmlns:m="http://schemas.openxmlformats.org/officeDocument/2006/math">
+                    <m:r>
+                      <a:rPr lang="en-US" sz="2400" i="1">
+                        <a:latin typeface="Cambria Math" panose="02040503050406030204" pitchFamily="18" charset="0"/>
+                      </a:rPr>
+                      <m:t>𝑑</m:t>
+                    </m:r>
+                  </m:oMath>
+                </a14:m>
+                <a:r>
+                  <a:rPr lang="en-US" sz="2400" dirty="0"/>
+                  <a:t> from a point </a:t>
                 </a:r>
                 <a14:m>
                   <m:oMath xmlns:m="http://schemas.openxmlformats.org/officeDocument/2006/math">
@@ -19287,7 +19366,7 @@
               <a:blipFill>
                 <a:blip r:embed="rId4"/>
                 <a:stretch>
-                  <a:fillRect l="-1471" t="-10526" b="-28947"/>
+                  <a:fillRect l="-1471" t="-10526" r="-980" b="-28947"/>
                 </a:stretch>
               </a:blipFill>
             </p:spPr>
@@ -19306,8 +19385,8 @@
           </p:sp>
         </mc:Fallback>
       </mc:AlternateContent>
-      <mc:AlternateContent xmlns:mc="http://schemas.openxmlformats.org/markup-compatibility/2006">
-        <mc:Choice xmlns:a14="http://schemas.microsoft.com/office/drawing/2010/main" Requires="a14">
+      <mc:AlternateContent xmlns:mc="http://schemas.openxmlformats.org/markup-compatibility/2006" xmlns:a14="http://schemas.microsoft.com/office/drawing/2010/main">
+        <mc:Choice Requires="a14">
           <p:sp>
             <p:nvSpPr>
               <p:cNvPr id="29" name="TextBox 28">
@@ -19336,6 +19415,7 @@
               </a:bodyPr>
               <a:lstStyle/>
               <a:p>
+                <a:pPr/>
                 <a14:m>
                   <m:oMathPara xmlns:m="http://schemas.openxmlformats.org/officeDocument/2006/math">
                     <m:oMathParaPr>
@@ -19356,7 +19436,7 @@
             </p:txBody>
           </p:sp>
         </mc:Choice>
-        <mc:Fallback>
+        <mc:Fallback xmlns="">
           <p:sp>
             <p:nvSpPr>
               <p:cNvPr id="29" name="TextBox 28">
@@ -19401,8 +19481,8 @@
           </p:sp>
         </mc:Fallback>
       </mc:AlternateContent>
-      <mc:AlternateContent xmlns:mc="http://schemas.openxmlformats.org/markup-compatibility/2006">
-        <mc:Choice xmlns:a14="http://schemas.microsoft.com/office/drawing/2010/main" Requires="a14">
+      <mc:AlternateContent xmlns:mc="http://schemas.openxmlformats.org/markup-compatibility/2006" xmlns:a14="http://schemas.microsoft.com/office/drawing/2010/main">
+        <mc:Choice Requires="a14">
           <p:sp>
             <p:nvSpPr>
               <p:cNvPr id="31" name="TextBox 30">
@@ -19431,6 +19511,7 @@
               </a:bodyPr>
               <a:lstStyle/>
               <a:p>
+                <a:pPr/>
                 <a14:m>
                   <m:oMathPara xmlns:m="http://schemas.openxmlformats.org/officeDocument/2006/math">
                     <m:oMathParaPr>
@@ -19451,7 +19532,7 @@
             </p:txBody>
           </p:sp>
         </mc:Choice>
-        <mc:Fallback>
+        <mc:Fallback xmlns="">
           <p:sp>
             <p:nvSpPr>
               <p:cNvPr id="31" name="TextBox 30">
@@ -20359,8 +20440,8 @@
           </a:fontRef>
         </p:style>
       </p:cxnSp>
-      <mc:AlternateContent xmlns:mc="http://schemas.openxmlformats.org/markup-compatibility/2006">
-        <mc:Choice xmlns:a14="http://schemas.microsoft.com/office/drawing/2010/main" Requires="a14">
+      <mc:AlternateContent xmlns:mc="http://schemas.openxmlformats.org/markup-compatibility/2006" xmlns:a14="http://schemas.microsoft.com/office/drawing/2010/main">
+        <mc:Choice Requires="a14">
           <p:sp>
             <p:nvSpPr>
               <p:cNvPr id="24" name="TextBox 23">
@@ -20389,6 +20470,7 @@
               </a:bodyPr>
               <a:lstStyle/>
               <a:p>
+                <a:pPr/>
                 <a14:m>
                   <m:oMathPara xmlns:m="http://schemas.openxmlformats.org/officeDocument/2006/math">
                     <m:oMathParaPr>
@@ -20630,7 +20712,7 @@
             </p:txBody>
           </p:sp>
         </mc:Choice>
-        <mc:Fallback>
+        <mc:Fallback xmlns="">
           <p:sp>
             <p:nvSpPr>
               <p:cNvPr id="24" name="TextBox 23">
@@ -20657,6 +20739,285 @@
                 <a:blip r:embed="rId3"/>
                 <a:stretch>
                   <a:fillRect/>
+                </a:stretch>
+              </a:blipFill>
+            </p:spPr>
+            <p:txBody>
+              <a:bodyPr/>
+              <a:lstStyle/>
+              <a:p>
+                <a:r>
+                  <a:rPr lang="en-US">
+                    <a:noFill/>
+                  </a:rPr>
+                  <a:t> </a:t>
+                </a:r>
+              </a:p>
+            </p:txBody>
+          </p:sp>
+        </mc:Fallback>
+      </mc:AlternateContent>
+      <mc:AlternateContent xmlns:mc="http://schemas.openxmlformats.org/markup-compatibility/2006">
+        <mc:Choice xmlns:a14="http://schemas.microsoft.com/office/drawing/2010/main" Requires="a14">
+          <p:sp>
+            <p:nvSpPr>
+              <p:cNvPr id="3" name="TextBox 2">
+                <a:extLst>
+                  <a:ext uri="{FF2B5EF4-FFF2-40B4-BE49-F238E27FC236}">
+                    <a16:creationId xmlns:a16="http://schemas.microsoft.com/office/drawing/2014/main" id="{D87499D7-9033-43C1-9767-AA00B9F2F76E}"/>
+                  </a:ext>
+                </a:extLst>
+              </p:cNvPr>
+              <p:cNvSpPr txBox="1"/>
+              <p:nvPr/>
+            </p:nvSpPr>
+            <p:spPr>
+              <a:xfrm>
+                <a:off x="2485927" y="1911866"/>
+                <a:ext cx="1337505" cy="461665"/>
+              </a:xfrm>
+              <a:prstGeom prst="rect">
+                <a:avLst/>
+              </a:prstGeom>
+              <a:noFill/>
+            </p:spPr>
+            <p:txBody>
+              <a:bodyPr wrap="square" rtlCol="0">
+                <a:spAutoFit/>
+              </a:bodyPr>
+              <a:lstStyle/>
+              <a:p>
+                <a14:m>
+                  <m:oMath xmlns:m="http://schemas.openxmlformats.org/officeDocument/2006/math">
+                    <m:r>
+                      <a:rPr lang="en-US" sz="2400" b="0" i="1" smtClean="0">
+                        <a:latin typeface="Cambria Math" panose="02040503050406030204" pitchFamily="18" charset="0"/>
+                      </a:rPr>
+                      <m:t>𝑖</m:t>
+                    </m:r>
+                  </m:oMath>
+                </a14:m>
+                <a:r>
+                  <a:rPr lang="en-US" sz="2400" dirty="0"/>
+                  <a:t> = 1</a:t>
+                </a:r>
+              </a:p>
+            </p:txBody>
+          </p:sp>
+        </mc:Choice>
+        <mc:Fallback>
+          <p:sp>
+            <p:nvSpPr>
+              <p:cNvPr id="3" name="TextBox 2">
+                <a:extLst>
+                  <a:ext uri="{FF2B5EF4-FFF2-40B4-BE49-F238E27FC236}">
+                    <a16:creationId xmlns:a16="http://schemas.microsoft.com/office/drawing/2014/main" id="{D87499D7-9033-43C1-9767-AA00B9F2F76E}"/>
+                  </a:ext>
+                </a:extLst>
+              </p:cNvPr>
+              <p:cNvSpPr txBox="1">
+                <a:spLocks noRot="1" noChangeAspect="1" noMove="1" noResize="1" noEditPoints="1" noAdjustHandles="1" noChangeArrowheads="1" noChangeShapeType="1" noTextEdit="1"/>
+              </p:cNvSpPr>
+              <p:nvPr/>
+            </p:nvSpPr>
+            <p:spPr>
+              <a:xfrm>
+                <a:off x="2485927" y="1911866"/>
+                <a:ext cx="1337505" cy="461665"/>
+              </a:xfrm>
+              <a:prstGeom prst="rect">
+                <a:avLst/>
+              </a:prstGeom>
+              <a:blipFill>
+                <a:blip r:embed="rId4"/>
+                <a:stretch>
+                  <a:fillRect l="-1370" t="-10667" b="-30667"/>
+                </a:stretch>
+              </a:blipFill>
+            </p:spPr>
+            <p:txBody>
+              <a:bodyPr/>
+              <a:lstStyle/>
+              <a:p>
+                <a:r>
+                  <a:rPr lang="en-US">
+                    <a:noFill/>
+                  </a:rPr>
+                  <a:t> </a:t>
+                </a:r>
+              </a:p>
+            </p:txBody>
+          </p:sp>
+        </mc:Fallback>
+      </mc:AlternateContent>
+      <mc:AlternateContent xmlns:mc="http://schemas.openxmlformats.org/markup-compatibility/2006">
+        <mc:Choice xmlns:a14="http://schemas.microsoft.com/office/drawing/2010/main" Requires="a14">
+          <p:sp>
+            <p:nvSpPr>
+              <p:cNvPr id="20" name="TextBox 19">
+                <a:extLst>
+                  <a:ext uri="{FF2B5EF4-FFF2-40B4-BE49-F238E27FC236}">
+                    <a16:creationId xmlns:a16="http://schemas.microsoft.com/office/drawing/2014/main" id="{6EE04C5E-B4C7-4812-976A-79C60784016B}"/>
+                  </a:ext>
+                </a:extLst>
+              </p:cNvPr>
+              <p:cNvSpPr txBox="1"/>
+              <p:nvPr/>
+            </p:nvSpPr>
+            <p:spPr>
+              <a:xfrm>
+                <a:off x="7969693" y="1642720"/>
+                <a:ext cx="1337505" cy="461665"/>
+              </a:xfrm>
+              <a:prstGeom prst="rect">
+                <a:avLst/>
+              </a:prstGeom>
+              <a:noFill/>
+            </p:spPr>
+            <p:txBody>
+              <a:bodyPr wrap="square" rtlCol="0">
+                <a:spAutoFit/>
+              </a:bodyPr>
+              <a:lstStyle/>
+              <a:p>
+                <a14:m>
+                  <m:oMath xmlns:m="http://schemas.openxmlformats.org/officeDocument/2006/math">
+                    <m:r>
+                      <a:rPr lang="en-US" sz="2400" b="0" i="1" smtClean="0">
+                        <a:latin typeface="Cambria Math" panose="02040503050406030204" pitchFamily="18" charset="0"/>
+                      </a:rPr>
+                      <m:t>𝑘</m:t>
+                    </m:r>
+                  </m:oMath>
+                </a14:m>
+                <a:r>
+                  <a:rPr lang="en-US" sz="2400" dirty="0"/>
+                  <a:t> = 2</a:t>
+                </a:r>
+              </a:p>
+            </p:txBody>
+          </p:sp>
+        </mc:Choice>
+        <mc:Fallback>
+          <p:sp>
+            <p:nvSpPr>
+              <p:cNvPr id="20" name="TextBox 19">
+                <a:extLst>
+                  <a:ext uri="{FF2B5EF4-FFF2-40B4-BE49-F238E27FC236}">
+                    <a16:creationId xmlns:a16="http://schemas.microsoft.com/office/drawing/2014/main" id="{6EE04C5E-B4C7-4812-976A-79C60784016B}"/>
+                  </a:ext>
+                </a:extLst>
+              </p:cNvPr>
+              <p:cNvSpPr txBox="1">
+                <a:spLocks noRot="1" noChangeAspect="1" noMove="1" noResize="1" noEditPoints="1" noAdjustHandles="1" noChangeArrowheads="1" noChangeShapeType="1" noTextEdit="1"/>
+              </p:cNvSpPr>
+              <p:nvPr/>
+            </p:nvSpPr>
+            <p:spPr>
+              <a:xfrm>
+                <a:off x="7969693" y="1642720"/>
+                <a:ext cx="1337505" cy="461665"/>
+              </a:xfrm>
+              <a:prstGeom prst="rect">
+                <a:avLst/>
+              </a:prstGeom>
+              <a:blipFill>
+                <a:blip r:embed="rId5"/>
+                <a:stretch>
+                  <a:fillRect l="-1364" t="-10526" b="-28947"/>
+                </a:stretch>
+              </a:blipFill>
+            </p:spPr>
+            <p:txBody>
+              <a:bodyPr/>
+              <a:lstStyle/>
+              <a:p>
+                <a:r>
+                  <a:rPr lang="en-US">
+                    <a:noFill/>
+                  </a:rPr>
+                  <a:t> </a:t>
+                </a:r>
+              </a:p>
+            </p:txBody>
+          </p:sp>
+        </mc:Fallback>
+      </mc:AlternateContent>
+      <mc:AlternateContent xmlns:mc="http://schemas.openxmlformats.org/markup-compatibility/2006">
+        <mc:Choice xmlns:a14="http://schemas.microsoft.com/office/drawing/2010/main" Requires="a14">
+          <p:sp>
+            <p:nvSpPr>
+              <p:cNvPr id="21" name="TextBox 20">
+                <a:extLst>
+                  <a:ext uri="{FF2B5EF4-FFF2-40B4-BE49-F238E27FC236}">
+                    <a16:creationId xmlns:a16="http://schemas.microsoft.com/office/drawing/2014/main" id="{3224926C-0842-4221-B0A1-73A04ACC07CE}"/>
+                  </a:ext>
+                </a:extLst>
+              </p:cNvPr>
+              <p:cNvSpPr txBox="1"/>
+              <p:nvPr/>
+            </p:nvSpPr>
+            <p:spPr>
+              <a:xfrm>
+                <a:off x="9764626" y="430768"/>
+                <a:ext cx="1337505" cy="400110"/>
+              </a:xfrm>
+              <a:prstGeom prst="rect">
+                <a:avLst/>
+              </a:prstGeom>
+              <a:noFill/>
+            </p:spPr>
+            <p:txBody>
+              <a:bodyPr wrap="square" rtlCol="0">
+                <a:spAutoFit/>
+              </a:bodyPr>
+              <a:lstStyle/>
+              <a:p>
+                <a14:m>
+                  <m:oMath xmlns:m="http://schemas.openxmlformats.org/officeDocument/2006/math">
+                    <m:r>
+                      <a:rPr lang="en-US" sz="2000" b="0" i="1" smtClean="0">
+                        <a:latin typeface="Cambria Math" panose="02040503050406030204" pitchFamily="18" charset="0"/>
+                      </a:rPr>
+                      <m:t>𝐾</m:t>
+                    </m:r>
+                  </m:oMath>
+                </a14:m>
+                <a:r>
+                  <a:rPr lang="en-US" sz="2000" dirty="0"/>
+                  <a:t> = 2</a:t>
+                </a:r>
+              </a:p>
+            </p:txBody>
+          </p:sp>
+        </mc:Choice>
+        <mc:Fallback>
+          <p:sp>
+            <p:nvSpPr>
+              <p:cNvPr id="21" name="TextBox 20">
+                <a:extLst>
+                  <a:ext uri="{FF2B5EF4-FFF2-40B4-BE49-F238E27FC236}">
+                    <a16:creationId xmlns:a16="http://schemas.microsoft.com/office/drawing/2014/main" id="{3224926C-0842-4221-B0A1-73A04ACC07CE}"/>
+                  </a:ext>
+                </a:extLst>
+              </p:cNvPr>
+              <p:cNvSpPr txBox="1">
+                <a:spLocks noRot="1" noChangeAspect="1" noMove="1" noResize="1" noEditPoints="1" noAdjustHandles="1" noChangeArrowheads="1" noChangeShapeType="1" noTextEdit="1"/>
+              </p:cNvSpPr>
+              <p:nvPr/>
+            </p:nvSpPr>
+            <p:spPr>
+              <a:xfrm>
+                <a:off x="9764626" y="430768"/>
+                <a:ext cx="1337505" cy="400110"/>
+              </a:xfrm>
+              <a:prstGeom prst="rect">
+                <a:avLst/>
+              </a:prstGeom>
+              <a:blipFill>
+                <a:blip r:embed="rId6"/>
+                <a:stretch>
+                  <a:fillRect t="-9231" b="-27692"/>
                 </a:stretch>
               </a:blipFill>
             </p:spPr>
@@ -20831,6 +21192,1906 @@
       </p:grpSpPr>
       <p:sp>
         <p:nvSpPr>
+          <p:cNvPr id="4" name="Rectangle 3">
+            <a:extLst>
+              <a:ext uri="{FF2B5EF4-FFF2-40B4-BE49-F238E27FC236}">
+                <a16:creationId xmlns:a16="http://schemas.microsoft.com/office/drawing/2014/main" id="{83767390-03E7-4586-A347-6DA8A1BFE63A}"/>
+              </a:ext>
+            </a:extLst>
+          </p:cNvPr>
+          <p:cNvSpPr/>
+          <p:nvPr/>
+        </p:nvSpPr>
+        <p:spPr>
+          <a:xfrm>
+            <a:off x="6299200" y="5295786"/>
+            <a:ext cx="2074331" cy="1333614"/>
+          </a:xfrm>
+          <a:prstGeom prst="rect">
+            <a:avLst/>
+          </a:prstGeom>
+        </p:spPr>
+        <p:style>
+          <a:lnRef idx="2">
+            <a:schemeClr val="accent1">
+              <a:shade val="50000"/>
+            </a:schemeClr>
+          </a:lnRef>
+          <a:fillRef idx="1">
+            <a:schemeClr val="accent1"/>
+          </a:fillRef>
+          <a:effectRef idx="0">
+            <a:schemeClr val="accent1"/>
+          </a:effectRef>
+          <a:fontRef idx="minor">
+            <a:schemeClr val="lt1"/>
+          </a:fontRef>
+        </p:style>
+        <p:txBody>
+          <a:bodyPr rtlCol="0" anchor="ctr"/>
+          <a:lstStyle/>
+          <a:p>
+            <a:pPr algn="ctr"/>
+            <a:endParaRPr lang="en-US"/>
+          </a:p>
+        </p:txBody>
+      </p:sp>
+      <p:sp>
+        <p:nvSpPr>
+          <p:cNvPr id="29" name="Freeform 33">
+            <a:extLst>
+              <a:ext uri="{FF2B5EF4-FFF2-40B4-BE49-F238E27FC236}">
+                <a16:creationId xmlns:a16="http://schemas.microsoft.com/office/drawing/2014/main" id="{D7F593E7-C6EC-43E1-8A61-0C405F868A16}"/>
+              </a:ext>
+            </a:extLst>
+          </p:cNvPr>
+          <p:cNvSpPr/>
+          <p:nvPr/>
+        </p:nvSpPr>
+        <p:spPr>
+          <a:xfrm>
+            <a:off x="9244409" y="2127989"/>
+            <a:ext cx="3041870" cy="3093555"/>
+          </a:xfrm>
+          <a:custGeom>
+            <a:avLst/>
+            <a:gdLst>
+              <a:gd name="connsiteX0" fmla="*/ 374078 w 1752262"/>
+              <a:gd name="connsiteY0" fmla="*/ 167374 h 1782035"/>
+              <a:gd name="connsiteX1" fmla="*/ 713702 w 1752262"/>
+              <a:gd name="connsiteY1" fmla="*/ 4923 h 1782035"/>
+              <a:gd name="connsiteX2" fmla="*/ 1481547 w 1752262"/>
+              <a:gd name="connsiteY2" fmla="*/ 196910 h 1782035"/>
+              <a:gd name="connsiteX3" fmla="*/ 1717807 w 1752262"/>
+              <a:gd name="connsiteY3" fmla="*/ 935322 h 1782035"/>
+              <a:gd name="connsiteX4" fmla="*/ 1274819 w 1752262"/>
+              <a:gd name="connsiteY4" fmla="*/ 1718039 h 1782035"/>
+              <a:gd name="connsiteX5" fmla="*/ 344545 w 1752262"/>
+              <a:gd name="connsiteY5" fmla="*/ 1319296 h 1782035"/>
+              <a:gd name="connsiteX6" fmla="*/ 4922 w 1752262"/>
+              <a:gd name="connsiteY6" fmla="*/ 684262 h 1782035"/>
+              <a:gd name="connsiteX7" fmla="*/ 374078 w 1752262"/>
+              <a:gd name="connsiteY7" fmla="*/ 167374 h 1782035"/>
+            </a:gdLst>
+            <a:ahLst/>
+            <a:cxnLst>
+              <a:cxn ang="0">
+                <a:pos x="connsiteX0" y="connsiteY0"/>
+              </a:cxn>
+              <a:cxn ang="0">
+                <a:pos x="connsiteX1" y="connsiteY1"/>
+              </a:cxn>
+              <a:cxn ang="0">
+                <a:pos x="connsiteX2" y="connsiteY2"/>
+              </a:cxn>
+              <a:cxn ang="0">
+                <a:pos x="connsiteX3" y="connsiteY3"/>
+              </a:cxn>
+              <a:cxn ang="0">
+                <a:pos x="connsiteX4" y="connsiteY4"/>
+              </a:cxn>
+              <a:cxn ang="0">
+                <a:pos x="connsiteX5" y="connsiteY5"/>
+              </a:cxn>
+              <a:cxn ang="0">
+                <a:pos x="connsiteX6" y="connsiteY6"/>
+              </a:cxn>
+              <a:cxn ang="0">
+                <a:pos x="connsiteX7" y="connsiteY7"/>
+              </a:cxn>
+            </a:cxnLst>
+            <a:rect l="l" t="t" r="r" b="b"/>
+            <a:pathLst>
+              <a:path w="1752262" h="1782035">
+                <a:moveTo>
+                  <a:pt x="374078" y="167374"/>
+                </a:moveTo>
+                <a:cubicBezTo>
+                  <a:pt x="492208" y="54151"/>
+                  <a:pt x="529124" y="0"/>
+                  <a:pt x="713702" y="4923"/>
+                </a:cubicBezTo>
+                <a:cubicBezTo>
+                  <a:pt x="898280" y="9846"/>
+                  <a:pt x="1314196" y="41844"/>
+                  <a:pt x="1481547" y="196910"/>
+                </a:cubicBezTo>
+                <a:cubicBezTo>
+                  <a:pt x="1648898" y="351976"/>
+                  <a:pt x="1752262" y="681801"/>
+                  <a:pt x="1717807" y="935322"/>
+                </a:cubicBezTo>
+                <a:cubicBezTo>
+                  <a:pt x="1683352" y="1188844"/>
+                  <a:pt x="1503696" y="1654043"/>
+                  <a:pt x="1274819" y="1718039"/>
+                </a:cubicBezTo>
+                <a:cubicBezTo>
+                  <a:pt x="1045942" y="1782035"/>
+                  <a:pt x="556194" y="1491592"/>
+                  <a:pt x="344545" y="1319296"/>
+                </a:cubicBezTo>
+                <a:cubicBezTo>
+                  <a:pt x="132896" y="1147000"/>
+                  <a:pt x="0" y="873788"/>
+                  <a:pt x="4922" y="684262"/>
+                </a:cubicBezTo>
+                <a:cubicBezTo>
+                  <a:pt x="9844" y="494736"/>
+                  <a:pt x="255948" y="280597"/>
+                  <a:pt x="374078" y="167374"/>
+                </a:cubicBezTo>
+                <a:close/>
+              </a:path>
+            </a:pathLst>
+          </a:custGeom>
+          <a:solidFill>
+            <a:srgbClr val="92D050"/>
+          </a:solidFill>
+          <a:ln>
+            <a:solidFill>
+              <a:srgbClr val="FF0000"/>
+            </a:solidFill>
+          </a:ln>
+        </p:spPr>
+        <p:style>
+          <a:lnRef idx="1">
+            <a:schemeClr val="accent1"/>
+          </a:lnRef>
+          <a:fillRef idx="3">
+            <a:schemeClr val="accent1"/>
+          </a:fillRef>
+          <a:effectRef idx="2">
+            <a:schemeClr val="accent1"/>
+          </a:effectRef>
+          <a:fontRef idx="minor">
+            <a:schemeClr val="lt1"/>
+          </a:fontRef>
+        </p:style>
+        <p:txBody>
+          <a:bodyPr rtlCol="0" anchor="ctr"/>
+          <a:lstStyle/>
+          <a:p>
+            <a:pPr algn="ctr"/>
+            <a:endParaRPr lang="en-US"/>
+          </a:p>
+        </p:txBody>
+      </p:sp>
+      <p:sp>
+        <p:nvSpPr>
+          <p:cNvPr id="2" name="Title 1"/>
+          <p:cNvSpPr>
+            <a:spLocks noGrp="1"/>
+          </p:cNvSpPr>
+          <p:nvPr>
+            <p:ph type="title"/>
+          </p:nvPr>
+        </p:nvSpPr>
+        <p:spPr>
+          <a:xfrm>
+            <a:off x="2209800" y="228600"/>
+            <a:ext cx="7772400" cy="1143000"/>
+          </a:xfrm>
+        </p:spPr>
+        <p:txBody>
+          <a:bodyPr/>
+          <a:lstStyle/>
+          <a:p>
+            <a:r>
+              <a:rPr lang="en-US" dirty="0"/>
+              <a:t>Separation (inter-cluster)</a:t>
+            </a:r>
+          </a:p>
+        </p:txBody>
+      </p:sp>
+      <p:sp>
+        <p:nvSpPr>
+          <p:cNvPr id="6" name="Oval 5"/>
+          <p:cNvSpPr/>
+          <p:nvPr/>
+        </p:nvSpPr>
+        <p:spPr>
+          <a:xfrm>
+            <a:off x="413721" y="3277925"/>
+            <a:ext cx="158737" cy="158737"/>
+          </a:xfrm>
+          <a:prstGeom prst="ellipse">
+            <a:avLst/>
+          </a:prstGeom>
+          <a:solidFill>
+            <a:schemeClr val="tx1"/>
+          </a:solidFill>
+          <a:ln>
+            <a:solidFill>
+              <a:schemeClr val="tx1"/>
+            </a:solidFill>
+          </a:ln>
+        </p:spPr>
+        <p:style>
+          <a:lnRef idx="1">
+            <a:schemeClr val="accent1"/>
+          </a:lnRef>
+          <a:fillRef idx="3">
+            <a:schemeClr val="accent1"/>
+          </a:fillRef>
+          <a:effectRef idx="2">
+            <a:schemeClr val="accent1"/>
+          </a:effectRef>
+          <a:fontRef idx="minor">
+            <a:schemeClr val="lt1"/>
+          </a:fontRef>
+        </p:style>
+        <p:txBody>
+          <a:bodyPr rtlCol="0" anchor="ctr"/>
+          <a:lstStyle/>
+          <a:p>
+            <a:pPr algn="ctr"/>
+            <a:endParaRPr lang="en-US"/>
+          </a:p>
+        </p:txBody>
+      </p:sp>
+      <p:sp>
+        <p:nvSpPr>
+          <p:cNvPr id="7" name="Oval 6"/>
+          <p:cNvSpPr/>
+          <p:nvPr/>
+        </p:nvSpPr>
+        <p:spPr>
+          <a:xfrm>
+            <a:off x="1339687" y="3674767"/>
+            <a:ext cx="158737" cy="158737"/>
+          </a:xfrm>
+          <a:prstGeom prst="ellipse">
+            <a:avLst/>
+          </a:prstGeom>
+          <a:solidFill>
+            <a:srgbClr val="0000FF"/>
+          </a:solidFill>
+          <a:ln>
+            <a:solidFill>
+              <a:srgbClr val="0000FF"/>
+            </a:solidFill>
+          </a:ln>
+        </p:spPr>
+        <p:style>
+          <a:lnRef idx="1">
+            <a:schemeClr val="accent1"/>
+          </a:lnRef>
+          <a:fillRef idx="3">
+            <a:schemeClr val="accent1"/>
+          </a:fillRef>
+          <a:effectRef idx="2">
+            <a:schemeClr val="accent1"/>
+          </a:effectRef>
+          <a:fontRef idx="minor">
+            <a:schemeClr val="lt1"/>
+          </a:fontRef>
+        </p:style>
+        <p:txBody>
+          <a:bodyPr rtlCol="0" anchor="ctr"/>
+          <a:lstStyle/>
+          <a:p>
+            <a:pPr algn="ctr"/>
+            <a:endParaRPr lang="en-US"/>
+          </a:p>
+        </p:txBody>
+      </p:sp>
+      <p:sp>
+        <p:nvSpPr>
+          <p:cNvPr id="8" name="Oval 7"/>
+          <p:cNvSpPr/>
+          <p:nvPr/>
+        </p:nvSpPr>
+        <p:spPr>
+          <a:xfrm>
+            <a:off x="2397932" y="3145644"/>
+            <a:ext cx="158737" cy="158737"/>
+          </a:xfrm>
+          <a:prstGeom prst="ellipse">
+            <a:avLst/>
+          </a:prstGeom>
+          <a:solidFill>
+            <a:schemeClr val="tx1"/>
+          </a:solidFill>
+          <a:ln>
+            <a:solidFill>
+              <a:schemeClr val="tx1"/>
+            </a:solidFill>
+          </a:ln>
+        </p:spPr>
+        <p:style>
+          <a:lnRef idx="1">
+            <a:schemeClr val="accent1"/>
+          </a:lnRef>
+          <a:fillRef idx="3">
+            <a:schemeClr val="accent1"/>
+          </a:fillRef>
+          <a:effectRef idx="2">
+            <a:schemeClr val="accent1"/>
+          </a:effectRef>
+          <a:fontRef idx="minor">
+            <a:schemeClr val="lt1"/>
+          </a:fontRef>
+        </p:style>
+        <p:txBody>
+          <a:bodyPr rtlCol="0" anchor="ctr"/>
+          <a:lstStyle/>
+          <a:p>
+            <a:pPr algn="ctr"/>
+            <a:endParaRPr lang="en-US"/>
+          </a:p>
+        </p:txBody>
+      </p:sp>
+      <p:sp>
+        <p:nvSpPr>
+          <p:cNvPr id="9" name="Oval 8"/>
+          <p:cNvSpPr/>
+          <p:nvPr/>
+        </p:nvSpPr>
+        <p:spPr>
+          <a:xfrm>
+            <a:off x="678283" y="4309715"/>
+            <a:ext cx="158737" cy="158737"/>
+          </a:xfrm>
+          <a:prstGeom prst="ellipse">
+            <a:avLst/>
+          </a:prstGeom>
+          <a:solidFill>
+            <a:schemeClr val="tx1"/>
+          </a:solidFill>
+          <a:ln>
+            <a:solidFill>
+              <a:schemeClr val="tx1"/>
+            </a:solidFill>
+          </a:ln>
+        </p:spPr>
+        <p:style>
+          <a:lnRef idx="1">
+            <a:schemeClr val="accent1"/>
+          </a:lnRef>
+          <a:fillRef idx="3">
+            <a:schemeClr val="accent1"/>
+          </a:fillRef>
+          <a:effectRef idx="2">
+            <a:schemeClr val="accent1"/>
+          </a:effectRef>
+          <a:fontRef idx="minor">
+            <a:schemeClr val="lt1"/>
+          </a:fontRef>
+        </p:style>
+        <p:txBody>
+          <a:bodyPr rtlCol="0" anchor="ctr"/>
+          <a:lstStyle/>
+          <a:p>
+            <a:pPr algn="ctr"/>
+            <a:endParaRPr lang="en-US"/>
+          </a:p>
+        </p:txBody>
+      </p:sp>
+      <p:sp>
+        <p:nvSpPr>
+          <p:cNvPr id="13" name="Freeform 12"/>
+          <p:cNvSpPr/>
+          <p:nvPr/>
+        </p:nvSpPr>
+        <p:spPr>
+          <a:xfrm>
+            <a:off x="-311500" y="2484242"/>
+            <a:ext cx="3370836" cy="2811544"/>
+          </a:xfrm>
+          <a:custGeom>
+            <a:avLst/>
+            <a:gdLst>
+              <a:gd name="connsiteX0" fmla="*/ 172273 w 1941762"/>
+              <a:gd name="connsiteY0" fmla="*/ 369206 h 1619583"/>
+              <a:gd name="connsiteX1" fmla="*/ 881053 w 1941762"/>
+              <a:gd name="connsiteY1" fmla="*/ 44305 h 1619583"/>
+              <a:gd name="connsiteX2" fmla="*/ 1663665 w 1941762"/>
+              <a:gd name="connsiteY2" fmla="*/ 103378 h 1619583"/>
+              <a:gd name="connsiteX3" fmla="*/ 1929457 w 1941762"/>
+              <a:gd name="connsiteY3" fmla="*/ 605498 h 1619583"/>
+              <a:gd name="connsiteX4" fmla="*/ 1737496 w 1941762"/>
+              <a:gd name="connsiteY4" fmla="*/ 1196227 h 1619583"/>
+              <a:gd name="connsiteX5" fmla="*/ 1220677 w 1941762"/>
+              <a:gd name="connsiteY5" fmla="*/ 1521129 h 1619583"/>
+              <a:gd name="connsiteX6" fmla="*/ 615261 w 1941762"/>
+              <a:gd name="connsiteY6" fmla="*/ 1565433 h 1619583"/>
+              <a:gd name="connsiteX7" fmla="*/ 98442 w 1941762"/>
+              <a:gd name="connsiteY7" fmla="*/ 1196227 h 1619583"/>
+              <a:gd name="connsiteX8" fmla="*/ 24611 w 1941762"/>
+              <a:gd name="connsiteY8" fmla="*/ 767949 h 1619583"/>
+              <a:gd name="connsiteX9" fmla="*/ 172273 w 1941762"/>
+              <a:gd name="connsiteY9" fmla="*/ 369206 h 1619583"/>
+            </a:gdLst>
+            <a:ahLst/>
+            <a:cxnLst>
+              <a:cxn ang="0">
+                <a:pos x="connsiteX0" y="connsiteY0"/>
+              </a:cxn>
+              <a:cxn ang="0">
+                <a:pos x="connsiteX1" y="connsiteY1"/>
+              </a:cxn>
+              <a:cxn ang="0">
+                <a:pos x="connsiteX2" y="connsiteY2"/>
+              </a:cxn>
+              <a:cxn ang="0">
+                <a:pos x="connsiteX3" y="connsiteY3"/>
+              </a:cxn>
+              <a:cxn ang="0">
+                <a:pos x="connsiteX4" y="connsiteY4"/>
+              </a:cxn>
+              <a:cxn ang="0">
+                <a:pos x="connsiteX5" y="connsiteY5"/>
+              </a:cxn>
+              <a:cxn ang="0">
+                <a:pos x="connsiteX6" y="connsiteY6"/>
+              </a:cxn>
+              <a:cxn ang="0">
+                <a:pos x="connsiteX7" y="connsiteY7"/>
+              </a:cxn>
+              <a:cxn ang="0">
+                <a:pos x="connsiteX8" y="connsiteY8"/>
+              </a:cxn>
+              <a:cxn ang="0">
+                <a:pos x="connsiteX9" y="connsiteY9"/>
+              </a:cxn>
+            </a:cxnLst>
+            <a:rect l="l" t="t" r="r" b="b"/>
+            <a:pathLst>
+              <a:path w="1941762" h="1619583">
+                <a:moveTo>
+                  <a:pt x="172273" y="369206"/>
+                </a:moveTo>
+                <a:cubicBezTo>
+                  <a:pt x="315013" y="248599"/>
+                  <a:pt x="632488" y="88610"/>
+                  <a:pt x="881053" y="44305"/>
+                </a:cubicBezTo>
+                <a:cubicBezTo>
+                  <a:pt x="1129618" y="0"/>
+                  <a:pt x="1488931" y="9846"/>
+                  <a:pt x="1663665" y="103378"/>
+                </a:cubicBezTo>
+                <a:cubicBezTo>
+                  <a:pt x="1838399" y="196910"/>
+                  <a:pt x="1917152" y="423356"/>
+                  <a:pt x="1929457" y="605498"/>
+                </a:cubicBezTo>
+                <a:cubicBezTo>
+                  <a:pt x="1941762" y="787640"/>
+                  <a:pt x="1855626" y="1043622"/>
+                  <a:pt x="1737496" y="1196227"/>
+                </a:cubicBezTo>
+                <a:cubicBezTo>
+                  <a:pt x="1619366" y="1348832"/>
+                  <a:pt x="1407716" y="1459595"/>
+                  <a:pt x="1220677" y="1521129"/>
+                </a:cubicBezTo>
+                <a:cubicBezTo>
+                  <a:pt x="1033638" y="1582663"/>
+                  <a:pt x="802300" y="1619583"/>
+                  <a:pt x="615261" y="1565433"/>
+                </a:cubicBezTo>
+                <a:cubicBezTo>
+                  <a:pt x="428222" y="1511283"/>
+                  <a:pt x="196884" y="1329141"/>
+                  <a:pt x="98442" y="1196227"/>
+                </a:cubicBezTo>
+                <a:cubicBezTo>
+                  <a:pt x="0" y="1063313"/>
+                  <a:pt x="9845" y="903324"/>
+                  <a:pt x="24611" y="767949"/>
+                </a:cubicBezTo>
+                <a:cubicBezTo>
+                  <a:pt x="39377" y="632574"/>
+                  <a:pt x="29533" y="489813"/>
+                  <a:pt x="172273" y="369206"/>
+                </a:cubicBezTo>
+                <a:close/>
+              </a:path>
+            </a:pathLst>
+          </a:custGeom>
+          <a:solidFill>
+            <a:srgbClr val="3366FF">
+              <a:alpha val="25000"/>
+            </a:srgbClr>
+          </a:solidFill>
+          <a:ln>
+            <a:solidFill>
+              <a:srgbClr val="3366FF"/>
+            </a:solidFill>
+          </a:ln>
+        </p:spPr>
+        <p:style>
+          <a:lnRef idx="1">
+            <a:schemeClr val="accent1"/>
+          </a:lnRef>
+          <a:fillRef idx="3">
+            <a:schemeClr val="accent1"/>
+          </a:fillRef>
+          <a:effectRef idx="2">
+            <a:schemeClr val="accent1"/>
+          </a:effectRef>
+          <a:fontRef idx="minor">
+            <a:schemeClr val="lt1"/>
+          </a:fontRef>
+        </p:style>
+        <p:txBody>
+          <a:bodyPr rtlCol="0" anchor="ctr"/>
+          <a:lstStyle/>
+          <a:p>
+            <a:pPr algn="ctr"/>
+            <a:endParaRPr lang="en-US"/>
+          </a:p>
+        </p:txBody>
+      </p:sp>
+      <p:sp>
+        <p:nvSpPr>
+          <p:cNvPr id="14" name="Oval 13"/>
+          <p:cNvSpPr/>
+          <p:nvPr/>
+        </p:nvSpPr>
+        <p:spPr>
+          <a:xfrm>
+            <a:off x="6472179" y="2914731"/>
+            <a:ext cx="158737" cy="158737"/>
+          </a:xfrm>
+          <a:prstGeom prst="ellipse">
+            <a:avLst/>
+          </a:prstGeom>
+          <a:solidFill>
+            <a:schemeClr val="tx1"/>
+          </a:solidFill>
+          <a:ln>
+            <a:solidFill>
+              <a:schemeClr val="tx1"/>
+            </a:solidFill>
+          </a:ln>
+        </p:spPr>
+        <p:style>
+          <a:lnRef idx="1">
+            <a:schemeClr val="accent1"/>
+          </a:lnRef>
+          <a:fillRef idx="3">
+            <a:schemeClr val="accent1"/>
+          </a:fillRef>
+          <a:effectRef idx="2">
+            <a:schemeClr val="accent1"/>
+          </a:effectRef>
+          <a:fontRef idx="minor">
+            <a:schemeClr val="lt1"/>
+          </a:fontRef>
+        </p:style>
+        <p:txBody>
+          <a:bodyPr rtlCol="0" anchor="ctr"/>
+          <a:lstStyle/>
+          <a:p>
+            <a:pPr algn="ctr"/>
+            <a:endParaRPr lang="en-US"/>
+          </a:p>
+        </p:txBody>
+      </p:sp>
+      <p:sp>
+        <p:nvSpPr>
+          <p:cNvPr id="15" name="Oval 14"/>
+          <p:cNvSpPr/>
+          <p:nvPr/>
+        </p:nvSpPr>
+        <p:spPr>
+          <a:xfrm>
+            <a:off x="7001302" y="3840696"/>
+            <a:ext cx="158737" cy="158737"/>
+          </a:xfrm>
+          <a:prstGeom prst="ellipse">
+            <a:avLst/>
+          </a:prstGeom>
+          <a:solidFill>
+            <a:srgbClr val="FF0000"/>
+          </a:solidFill>
+          <a:ln>
+            <a:solidFill>
+              <a:srgbClr val="FF0000"/>
+            </a:solidFill>
+          </a:ln>
+        </p:spPr>
+        <p:style>
+          <a:lnRef idx="1">
+            <a:schemeClr val="accent1"/>
+          </a:lnRef>
+          <a:fillRef idx="3">
+            <a:schemeClr val="accent1"/>
+          </a:fillRef>
+          <a:effectRef idx="2">
+            <a:schemeClr val="accent1"/>
+          </a:effectRef>
+          <a:fontRef idx="minor">
+            <a:schemeClr val="lt1"/>
+          </a:fontRef>
+        </p:style>
+        <p:txBody>
+          <a:bodyPr rtlCol="0" anchor="ctr"/>
+          <a:lstStyle/>
+          <a:p>
+            <a:pPr algn="ctr"/>
+            <a:endParaRPr lang="en-US"/>
+          </a:p>
+        </p:txBody>
+      </p:sp>
+      <p:sp>
+        <p:nvSpPr>
+          <p:cNvPr id="16" name="Oval 15"/>
+          <p:cNvSpPr/>
+          <p:nvPr/>
+        </p:nvSpPr>
+        <p:spPr>
+          <a:xfrm>
+            <a:off x="7424601" y="3311573"/>
+            <a:ext cx="158737" cy="158737"/>
+          </a:xfrm>
+          <a:prstGeom prst="ellipse">
+            <a:avLst/>
+          </a:prstGeom>
+          <a:solidFill>
+            <a:schemeClr val="tx1"/>
+          </a:solidFill>
+          <a:ln>
+            <a:solidFill>
+              <a:schemeClr val="tx1"/>
+            </a:solidFill>
+          </a:ln>
+        </p:spPr>
+        <p:style>
+          <a:lnRef idx="1">
+            <a:schemeClr val="accent1"/>
+          </a:lnRef>
+          <a:fillRef idx="3">
+            <a:schemeClr val="accent1"/>
+          </a:fillRef>
+          <a:effectRef idx="2">
+            <a:schemeClr val="accent1"/>
+          </a:effectRef>
+          <a:fontRef idx="minor">
+            <a:schemeClr val="lt1"/>
+          </a:fontRef>
+        </p:style>
+        <p:txBody>
+          <a:bodyPr rtlCol="0" anchor="ctr"/>
+          <a:lstStyle/>
+          <a:p>
+            <a:pPr algn="ctr"/>
+            <a:endParaRPr lang="en-US"/>
+          </a:p>
+        </p:txBody>
+      </p:sp>
+      <p:cxnSp>
+        <p:nvCxnSpPr>
+          <p:cNvPr id="26" name="Straight Connector 25"/>
+          <p:cNvCxnSpPr/>
+          <p:nvPr/>
+        </p:nvCxnSpPr>
+        <p:spPr>
+          <a:xfrm rot="10800000" flipV="1">
+            <a:off x="1339687" y="3047012"/>
+            <a:ext cx="5158949" cy="793684"/>
+          </a:xfrm>
+          <a:prstGeom prst="line">
+            <a:avLst/>
+          </a:prstGeom>
+          <a:ln>
+            <a:solidFill>
+              <a:srgbClr val="FFFF00"/>
+            </a:solidFill>
+          </a:ln>
+        </p:spPr>
+        <p:style>
+          <a:lnRef idx="2">
+            <a:schemeClr val="accent1"/>
+          </a:lnRef>
+          <a:fillRef idx="0">
+            <a:schemeClr val="accent1"/>
+          </a:fillRef>
+          <a:effectRef idx="1">
+            <a:schemeClr val="accent1"/>
+          </a:effectRef>
+          <a:fontRef idx="minor">
+            <a:schemeClr val="tx1"/>
+          </a:fontRef>
+        </p:style>
+      </p:cxnSp>
+      <p:cxnSp>
+        <p:nvCxnSpPr>
+          <p:cNvPr id="28" name="Straight Connector 27"/>
+          <p:cNvCxnSpPr/>
+          <p:nvPr/>
+        </p:nvCxnSpPr>
+        <p:spPr>
+          <a:xfrm rot="10800000" flipV="1">
+            <a:off x="1339687" y="3443854"/>
+            <a:ext cx="6217195" cy="396842"/>
+          </a:xfrm>
+          <a:prstGeom prst="line">
+            <a:avLst/>
+          </a:prstGeom>
+          <a:ln>
+            <a:solidFill>
+              <a:srgbClr val="FFFF00"/>
+            </a:solidFill>
+          </a:ln>
+        </p:spPr>
+        <p:style>
+          <a:lnRef idx="2">
+            <a:schemeClr val="accent1"/>
+          </a:lnRef>
+          <a:fillRef idx="0">
+            <a:schemeClr val="accent1"/>
+          </a:fillRef>
+          <a:effectRef idx="1">
+            <a:schemeClr val="accent1"/>
+          </a:effectRef>
+          <a:fontRef idx="minor">
+            <a:schemeClr val="tx1"/>
+          </a:fontRef>
+        </p:style>
+      </p:cxnSp>
+      <p:cxnSp>
+        <p:nvCxnSpPr>
+          <p:cNvPr id="30" name="Straight Connector 29"/>
+          <p:cNvCxnSpPr/>
+          <p:nvPr/>
+        </p:nvCxnSpPr>
+        <p:spPr>
+          <a:xfrm rot="10800000">
+            <a:off x="1339687" y="3840696"/>
+            <a:ext cx="5688072" cy="132281"/>
+          </a:xfrm>
+          <a:prstGeom prst="line">
+            <a:avLst/>
+          </a:prstGeom>
+          <a:ln>
+            <a:solidFill>
+              <a:srgbClr val="FFFF00"/>
+            </a:solidFill>
+          </a:ln>
+        </p:spPr>
+        <p:style>
+          <a:lnRef idx="2">
+            <a:schemeClr val="accent1"/>
+          </a:lnRef>
+          <a:fillRef idx="0">
+            <a:schemeClr val="accent1"/>
+          </a:fillRef>
+          <a:effectRef idx="1">
+            <a:schemeClr val="accent1"/>
+          </a:effectRef>
+          <a:fontRef idx="minor">
+            <a:schemeClr val="tx1"/>
+          </a:fontRef>
+        </p:style>
+      </p:cxnSp>
+      <p:sp>
+        <p:nvSpPr>
+          <p:cNvPr id="34" name="Freeform 33"/>
+          <p:cNvSpPr/>
+          <p:nvPr/>
+        </p:nvSpPr>
+        <p:spPr>
+          <a:xfrm>
+            <a:off x="5331661" y="2060515"/>
+            <a:ext cx="3041870" cy="3093555"/>
+          </a:xfrm>
+          <a:custGeom>
+            <a:avLst/>
+            <a:gdLst>
+              <a:gd name="connsiteX0" fmla="*/ 374078 w 1752262"/>
+              <a:gd name="connsiteY0" fmla="*/ 167374 h 1782035"/>
+              <a:gd name="connsiteX1" fmla="*/ 713702 w 1752262"/>
+              <a:gd name="connsiteY1" fmla="*/ 4923 h 1782035"/>
+              <a:gd name="connsiteX2" fmla="*/ 1481547 w 1752262"/>
+              <a:gd name="connsiteY2" fmla="*/ 196910 h 1782035"/>
+              <a:gd name="connsiteX3" fmla="*/ 1717807 w 1752262"/>
+              <a:gd name="connsiteY3" fmla="*/ 935322 h 1782035"/>
+              <a:gd name="connsiteX4" fmla="*/ 1274819 w 1752262"/>
+              <a:gd name="connsiteY4" fmla="*/ 1718039 h 1782035"/>
+              <a:gd name="connsiteX5" fmla="*/ 344545 w 1752262"/>
+              <a:gd name="connsiteY5" fmla="*/ 1319296 h 1782035"/>
+              <a:gd name="connsiteX6" fmla="*/ 4922 w 1752262"/>
+              <a:gd name="connsiteY6" fmla="*/ 684262 h 1782035"/>
+              <a:gd name="connsiteX7" fmla="*/ 374078 w 1752262"/>
+              <a:gd name="connsiteY7" fmla="*/ 167374 h 1782035"/>
+            </a:gdLst>
+            <a:ahLst/>
+            <a:cxnLst>
+              <a:cxn ang="0">
+                <a:pos x="connsiteX0" y="connsiteY0"/>
+              </a:cxn>
+              <a:cxn ang="0">
+                <a:pos x="connsiteX1" y="connsiteY1"/>
+              </a:cxn>
+              <a:cxn ang="0">
+                <a:pos x="connsiteX2" y="connsiteY2"/>
+              </a:cxn>
+              <a:cxn ang="0">
+                <a:pos x="connsiteX3" y="connsiteY3"/>
+              </a:cxn>
+              <a:cxn ang="0">
+                <a:pos x="connsiteX4" y="connsiteY4"/>
+              </a:cxn>
+              <a:cxn ang="0">
+                <a:pos x="connsiteX5" y="connsiteY5"/>
+              </a:cxn>
+              <a:cxn ang="0">
+                <a:pos x="connsiteX6" y="connsiteY6"/>
+              </a:cxn>
+              <a:cxn ang="0">
+                <a:pos x="connsiteX7" y="connsiteY7"/>
+              </a:cxn>
+            </a:cxnLst>
+            <a:rect l="l" t="t" r="r" b="b"/>
+            <a:pathLst>
+              <a:path w="1752262" h="1782035">
+                <a:moveTo>
+                  <a:pt x="374078" y="167374"/>
+                </a:moveTo>
+                <a:cubicBezTo>
+                  <a:pt x="492208" y="54151"/>
+                  <a:pt x="529124" y="0"/>
+                  <a:pt x="713702" y="4923"/>
+                </a:cubicBezTo>
+                <a:cubicBezTo>
+                  <a:pt x="898280" y="9846"/>
+                  <a:pt x="1314196" y="41844"/>
+                  <a:pt x="1481547" y="196910"/>
+                </a:cubicBezTo>
+                <a:cubicBezTo>
+                  <a:pt x="1648898" y="351976"/>
+                  <a:pt x="1752262" y="681801"/>
+                  <a:pt x="1717807" y="935322"/>
+                </a:cubicBezTo>
+                <a:cubicBezTo>
+                  <a:pt x="1683352" y="1188844"/>
+                  <a:pt x="1503696" y="1654043"/>
+                  <a:pt x="1274819" y="1718039"/>
+                </a:cubicBezTo>
+                <a:cubicBezTo>
+                  <a:pt x="1045942" y="1782035"/>
+                  <a:pt x="556194" y="1491592"/>
+                  <a:pt x="344545" y="1319296"/>
+                </a:cubicBezTo>
+                <a:cubicBezTo>
+                  <a:pt x="132896" y="1147000"/>
+                  <a:pt x="0" y="873788"/>
+                  <a:pt x="4922" y="684262"/>
+                </a:cubicBezTo>
+                <a:cubicBezTo>
+                  <a:pt x="9844" y="494736"/>
+                  <a:pt x="255948" y="280597"/>
+                  <a:pt x="374078" y="167374"/>
+                </a:cubicBezTo>
+                <a:close/>
+              </a:path>
+            </a:pathLst>
+          </a:custGeom>
+          <a:solidFill>
+            <a:srgbClr val="FF0000">
+              <a:alpha val="30000"/>
+            </a:srgbClr>
+          </a:solidFill>
+          <a:ln>
+            <a:solidFill>
+              <a:srgbClr val="FF0000"/>
+            </a:solidFill>
+          </a:ln>
+        </p:spPr>
+        <p:style>
+          <a:lnRef idx="1">
+            <a:schemeClr val="accent1"/>
+          </a:lnRef>
+          <a:fillRef idx="3">
+            <a:schemeClr val="accent1"/>
+          </a:fillRef>
+          <a:effectRef idx="2">
+            <a:schemeClr val="accent1"/>
+          </a:effectRef>
+          <a:fontRef idx="minor">
+            <a:schemeClr val="lt1"/>
+          </a:fontRef>
+        </p:style>
+        <p:txBody>
+          <a:bodyPr rtlCol="0" anchor="ctr"/>
+          <a:lstStyle/>
+          <a:p>
+            <a:pPr algn="ctr"/>
+            <a:endParaRPr lang="en-US"/>
+          </a:p>
+        </p:txBody>
+      </p:sp>
+      <p:cxnSp>
+        <p:nvCxnSpPr>
+          <p:cNvPr id="36" name="Straight Connector 35"/>
+          <p:cNvCxnSpPr/>
+          <p:nvPr/>
+        </p:nvCxnSpPr>
+        <p:spPr>
+          <a:xfrm>
+            <a:off x="2530213" y="3179292"/>
+            <a:ext cx="4497545" cy="793684"/>
+          </a:xfrm>
+          <a:prstGeom prst="line">
+            <a:avLst/>
+          </a:prstGeom>
+        </p:spPr>
+        <p:style>
+          <a:lnRef idx="2">
+            <a:schemeClr val="accent1"/>
+          </a:lnRef>
+          <a:fillRef idx="0">
+            <a:schemeClr val="accent1"/>
+          </a:fillRef>
+          <a:effectRef idx="1">
+            <a:schemeClr val="accent1"/>
+          </a:effectRef>
+          <a:fontRef idx="minor">
+            <a:schemeClr val="tx1"/>
+          </a:fontRef>
+        </p:style>
+      </p:cxnSp>
+      <p:cxnSp>
+        <p:nvCxnSpPr>
+          <p:cNvPr id="40" name="Straight Connector 39"/>
+          <p:cNvCxnSpPr/>
+          <p:nvPr/>
+        </p:nvCxnSpPr>
+        <p:spPr>
+          <a:xfrm>
+            <a:off x="413721" y="3311573"/>
+            <a:ext cx="6746318" cy="661404"/>
+          </a:xfrm>
+          <a:prstGeom prst="line">
+            <a:avLst/>
+          </a:prstGeom>
+        </p:spPr>
+        <p:style>
+          <a:lnRef idx="2">
+            <a:schemeClr val="accent1"/>
+          </a:lnRef>
+          <a:fillRef idx="0">
+            <a:schemeClr val="accent1"/>
+          </a:fillRef>
+          <a:effectRef idx="1">
+            <a:schemeClr val="accent1"/>
+          </a:effectRef>
+          <a:fontRef idx="minor">
+            <a:schemeClr val="tx1"/>
+          </a:fontRef>
+        </p:style>
+      </p:cxnSp>
+      <p:cxnSp>
+        <p:nvCxnSpPr>
+          <p:cNvPr id="42" name="Straight Connector 41"/>
+          <p:cNvCxnSpPr/>
+          <p:nvPr/>
+        </p:nvCxnSpPr>
+        <p:spPr>
+          <a:xfrm flipV="1">
+            <a:off x="810564" y="3972977"/>
+            <a:ext cx="6217195" cy="396842"/>
+          </a:xfrm>
+          <a:prstGeom prst="line">
+            <a:avLst/>
+          </a:prstGeom>
+        </p:spPr>
+        <p:style>
+          <a:lnRef idx="2">
+            <a:schemeClr val="accent1"/>
+          </a:lnRef>
+          <a:fillRef idx="0">
+            <a:schemeClr val="accent1"/>
+          </a:fillRef>
+          <a:effectRef idx="1">
+            <a:schemeClr val="accent1"/>
+          </a:effectRef>
+          <a:fontRef idx="minor">
+            <a:schemeClr val="tx1"/>
+          </a:fontRef>
+        </p:style>
+      </p:cxnSp>
+      <mc:AlternateContent xmlns:mc="http://schemas.openxmlformats.org/markup-compatibility/2006" xmlns:a14="http://schemas.microsoft.com/office/drawing/2010/main">
+        <mc:Choice Requires="a14">
+          <p:sp>
+            <p:nvSpPr>
+              <p:cNvPr id="24" name="TextBox 23">
+                <a:extLst>
+                  <a:ext uri="{FF2B5EF4-FFF2-40B4-BE49-F238E27FC236}">
+                    <a16:creationId xmlns:a16="http://schemas.microsoft.com/office/drawing/2014/main" id="{233CDC5C-8211-4A2B-843A-08317A5581D6}"/>
+                  </a:ext>
+                </a:extLst>
+              </p:cNvPr>
+              <p:cNvSpPr txBox="1"/>
+              <p:nvPr/>
+            </p:nvSpPr>
+            <p:spPr>
+              <a:xfrm>
+                <a:off x="3929257" y="5473157"/>
+                <a:ext cx="5245851" cy="1035155"/>
+              </a:xfrm>
+              <a:prstGeom prst="rect">
+                <a:avLst/>
+              </a:prstGeom>
+              <a:noFill/>
+            </p:spPr>
+            <p:txBody>
+              <a:bodyPr wrap="square" rtlCol="0">
+                <a:spAutoFit/>
+              </a:bodyPr>
+              <a:lstStyle/>
+              <a:p>
+                <a:pPr/>
+                <a14:m>
+                  <m:oMathPara xmlns:m="http://schemas.openxmlformats.org/officeDocument/2006/math">
+                    <m:oMathParaPr>
+                      <m:jc m:val="centerGroup"/>
+                    </m:oMathParaPr>
+                    <m:oMath xmlns:m="http://schemas.openxmlformats.org/officeDocument/2006/math">
+                      <m:r>
+                        <a:rPr lang="en-US" sz="2400" b="0" i="1" smtClean="0">
+                          <a:latin typeface="Cambria Math" panose="02040503050406030204" pitchFamily="18" charset="0"/>
+                        </a:rPr>
+                        <m:t>𝑏</m:t>
+                      </m:r>
+                      <m:d>
+                        <m:dPr>
+                          <m:ctrlPr>
+                            <a:rPr lang="en-US" sz="2400" b="0" i="1" smtClean="0">
+                              <a:latin typeface="Cambria Math" panose="02040503050406030204" pitchFamily="18" charset="0"/>
+                            </a:rPr>
+                          </m:ctrlPr>
+                        </m:dPr>
+                        <m:e>
+                          <m:r>
+                            <a:rPr lang="en-US" sz="2400" b="0" i="1" smtClean="0">
+                              <a:latin typeface="Cambria Math" panose="02040503050406030204" pitchFamily="18" charset="0"/>
+                            </a:rPr>
+                            <m:t>𝑖</m:t>
+                          </m:r>
+                        </m:e>
+                      </m:d>
+                      <m:r>
+                        <a:rPr lang="en-US" sz="2400" b="0" i="1" smtClean="0">
+                          <a:latin typeface="Cambria Math" panose="02040503050406030204" pitchFamily="18" charset="0"/>
+                        </a:rPr>
+                        <m:t>=</m:t>
+                      </m:r>
+                      <m:func>
+                        <m:funcPr>
+                          <m:ctrlPr>
+                            <a:rPr lang="en-US" sz="2400" b="0" i="1" smtClean="0">
+                              <a:latin typeface="Cambria Math" panose="02040503050406030204" pitchFamily="18" charset="0"/>
+                            </a:rPr>
+                          </m:ctrlPr>
+                        </m:funcPr>
+                        <m:fName>
+                          <m:limLow>
+                            <m:limLowPr>
+                              <m:ctrlPr>
+                                <a:rPr lang="en-US" sz="2400" b="0" i="1" smtClean="0">
+                                  <a:latin typeface="Cambria Math" panose="02040503050406030204" pitchFamily="18" charset="0"/>
+                                </a:rPr>
+                              </m:ctrlPr>
+                            </m:limLowPr>
+                            <m:e>
+                              <m:r>
+                                <m:rPr>
+                                  <m:sty m:val="p"/>
+                                </m:rPr>
+                                <a:rPr lang="en-US" sz="2400" b="0" i="0" smtClean="0">
+                                  <a:latin typeface="Cambria Math" panose="02040503050406030204" pitchFamily="18" charset="0"/>
+                                </a:rPr>
+                                <m:t>min</m:t>
+                              </m:r>
+                            </m:e>
+                            <m:lim>
+                              <m:r>
+                                <a:rPr lang="en-US" sz="2400" b="0" i="1" smtClean="0">
+                                  <a:latin typeface="Cambria Math" panose="02040503050406030204" pitchFamily="18" charset="0"/>
+                                </a:rPr>
+                                <m:t>𝑘</m:t>
+                              </m:r>
+                              <m:r>
+                                <a:rPr lang="en-US" sz="2400" b="0" i="1" smtClean="0">
+                                  <a:latin typeface="Cambria Math" panose="02040503050406030204" pitchFamily="18" charset="0"/>
+                                </a:rPr>
+                                <m:t>≠</m:t>
+                              </m:r>
+                              <m:r>
+                                <a:rPr lang="en-US" sz="2400" b="0" i="1" smtClean="0">
+                                  <a:latin typeface="Cambria Math" panose="02040503050406030204" pitchFamily="18" charset="0"/>
+                                </a:rPr>
+                                <m:t>𝑖</m:t>
+                              </m:r>
+                            </m:lim>
+                          </m:limLow>
+                        </m:fName>
+                        <m:e>
+                          <m:f>
+                            <m:fPr>
+                              <m:ctrlPr>
+                                <a:rPr lang="en-US" sz="2400" i="1">
+                                  <a:latin typeface="Cambria Math" panose="02040503050406030204" pitchFamily="18" charset="0"/>
+                                </a:rPr>
+                              </m:ctrlPr>
+                            </m:fPr>
+                            <m:num>
+                              <m:r>
+                                <a:rPr lang="en-US" sz="2400" i="1">
+                                  <a:latin typeface="Cambria Math" panose="02040503050406030204" pitchFamily="18" charset="0"/>
+                                </a:rPr>
+                                <m:t>1</m:t>
+                              </m:r>
+                            </m:num>
+                            <m:den>
+                              <m:d>
+                                <m:dPr>
+                                  <m:begChr m:val="|"/>
+                                  <m:endChr m:val="|"/>
+                                  <m:ctrlPr>
+                                    <a:rPr lang="en-US" sz="2400" i="1">
+                                      <a:latin typeface="Cambria Math" panose="02040503050406030204" pitchFamily="18" charset="0"/>
+                                    </a:rPr>
+                                  </m:ctrlPr>
+                                </m:dPr>
+                                <m:e>
+                                  <m:sSub>
+                                    <m:sSubPr>
+                                      <m:ctrlPr>
+                                        <a:rPr lang="en-US" sz="2400" i="1">
+                                          <a:latin typeface="Cambria Math" panose="02040503050406030204" pitchFamily="18" charset="0"/>
+                                        </a:rPr>
+                                      </m:ctrlPr>
+                                    </m:sSubPr>
+                                    <m:e>
+                                      <m:r>
+                                        <a:rPr lang="en-US" sz="2400" i="1">
+                                          <a:latin typeface="Cambria Math" panose="02040503050406030204" pitchFamily="18" charset="0"/>
+                                        </a:rPr>
+                                        <m:t>𝐶</m:t>
+                                      </m:r>
+                                    </m:e>
+                                    <m:sub>
+                                      <m:r>
+                                        <a:rPr lang="en-US" sz="2400" i="1">
+                                          <a:latin typeface="Cambria Math" panose="02040503050406030204" pitchFamily="18" charset="0"/>
+                                        </a:rPr>
+                                        <m:t>𝑘</m:t>
+                                      </m:r>
+                                    </m:sub>
+                                  </m:sSub>
+                                </m:e>
+                              </m:d>
+                            </m:den>
+                          </m:f>
+                          <m:nary>
+                            <m:naryPr>
+                              <m:chr m:val="∑"/>
+                              <m:supHide m:val="on"/>
+                              <m:ctrlPr>
+                                <a:rPr lang="en-US" sz="2400" i="1">
+                                  <a:latin typeface="Cambria Math" panose="02040503050406030204" pitchFamily="18" charset="0"/>
+                                </a:rPr>
+                              </m:ctrlPr>
+                            </m:naryPr>
+                            <m:sub>
+                              <m:r>
+                                <a:rPr lang="en-US" sz="2400" i="1">
+                                  <a:latin typeface="Cambria Math" panose="02040503050406030204" pitchFamily="18" charset="0"/>
+                                </a:rPr>
+                                <m:t>𝑗</m:t>
+                              </m:r>
+                              <m:r>
+                                <a:rPr lang="en-US" sz="2400" i="1">
+                                  <a:latin typeface="Cambria Math" panose="02040503050406030204" pitchFamily="18" charset="0"/>
+                                </a:rPr>
+                                <m:t>∈</m:t>
+                              </m:r>
+                              <m:sSub>
+                                <m:sSubPr>
+                                  <m:ctrlPr>
+                                    <a:rPr lang="en-US" sz="2400" i="1">
+                                      <a:latin typeface="Cambria Math" panose="02040503050406030204" pitchFamily="18" charset="0"/>
+                                    </a:rPr>
+                                  </m:ctrlPr>
+                                </m:sSubPr>
+                                <m:e>
+                                  <m:r>
+                                    <a:rPr lang="en-US" sz="2400" i="1">
+                                      <a:latin typeface="Cambria Math" panose="02040503050406030204" pitchFamily="18" charset="0"/>
+                                    </a:rPr>
+                                    <m:t>𝐶</m:t>
+                                  </m:r>
+                                </m:e>
+                                <m:sub>
+                                  <m:r>
+                                    <a:rPr lang="en-US" sz="2400" i="1">
+                                      <a:latin typeface="Cambria Math" panose="02040503050406030204" pitchFamily="18" charset="0"/>
+                                    </a:rPr>
+                                    <m:t>𝑘</m:t>
+                                  </m:r>
+                                </m:sub>
+                              </m:sSub>
+                            </m:sub>
+                            <m:sup/>
+                            <m:e>
+                              <m:r>
+                                <a:rPr lang="en-US" sz="2400" i="1">
+                                  <a:latin typeface="Cambria Math" panose="02040503050406030204" pitchFamily="18" charset="0"/>
+                                </a:rPr>
+                                <m:t>𝑑</m:t>
+                              </m:r>
+                              <m:d>
+                                <m:dPr>
+                                  <m:ctrlPr>
+                                    <a:rPr lang="en-US" sz="2400" i="1">
+                                      <a:latin typeface="Cambria Math" panose="02040503050406030204" pitchFamily="18" charset="0"/>
+                                    </a:rPr>
+                                  </m:ctrlPr>
+                                </m:dPr>
+                                <m:e>
+                                  <m:r>
+                                    <a:rPr lang="en-US" sz="2400" i="1">
+                                      <a:latin typeface="Cambria Math" panose="02040503050406030204" pitchFamily="18" charset="0"/>
+                                    </a:rPr>
+                                    <m:t>𝑖</m:t>
+                                  </m:r>
+                                  <m:r>
+                                    <a:rPr lang="en-US" sz="2400" i="1">
+                                      <a:latin typeface="Cambria Math" panose="02040503050406030204" pitchFamily="18" charset="0"/>
+                                    </a:rPr>
+                                    <m:t>,</m:t>
+                                  </m:r>
+                                  <m:r>
+                                    <a:rPr lang="en-US" sz="2400" i="1">
+                                      <a:latin typeface="Cambria Math" panose="02040503050406030204" pitchFamily="18" charset="0"/>
+                                    </a:rPr>
+                                    <m:t>𝑗</m:t>
+                                  </m:r>
+                                </m:e>
+                              </m:d>
+                            </m:e>
+                          </m:nary>
+                        </m:e>
+                      </m:func>
+                    </m:oMath>
+                  </m:oMathPara>
+                </a14:m>
+                <a:endParaRPr lang="en-US" sz="2400" dirty="0"/>
+              </a:p>
+            </p:txBody>
+          </p:sp>
+        </mc:Choice>
+        <mc:Fallback xmlns="">
+          <p:sp>
+            <p:nvSpPr>
+              <p:cNvPr id="24" name="TextBox 23">
+                <a:extLst>
+                  <a:ext uri="{FF2B5EF4-FFF2-40B4-BE49-F238E27FC236}">
+                    <a16:creationId xmlns:a16="http://schemas.microsoft.com/office/drawing/2014/main" id="{233CDC5C-8211-4A2B-843A-08317A5581D6}"/>
+                  </a:ext>
+                </a:extLst>
+              </p:cNvPr>
+              <p:cNvSpPr txBox="1">
+                <a:spLocks noRot="1" noChangeAspect="1" noMove="1" noResize="1" noEditPoints="1" noAdjustHandles="1" noChangeArrowheads="1" noChangeShapeType="1" noTextEdit="1"/>
+              </p:cNvSpPr>
+              <p:nvPr/>
+            </p:nvSpPr>
+            <p:spPr>
+              <a:xfrm>
+                <a:off x="3929257" y="5473157"/>
+                <a:ext cx="5245851" cy="1035155"/>
+              </a:xfrm>
+              <a:prstGeom prst="rect">
+                <a:avLst/>
+              </a:prstGeom>
+              <a:blipFill>
+                <a:blip r:embed="rId3"/>
+                <a:stretch>
+                  <a:fillRect/>
+                </a:stretch>
+              </a:blipFill>
+            </p:spPr>
+            <p:txBody>
+              <a:bodyPr/>
+              <a:lstStyle/>
+              <a:p>
+                <a:r>
+                  <a:rPr lang="en-US">
+                    <a:noFill/>
+                  </a:rPr>
+                  <a:t> </a:t>
+                </a:r>
+              </a:p>
+            </p:txBody>
+          </p:sp>
+        </mc:Fallback>
+      </mc:AlternateContent>
+      <mc:AlternateContent xmlns:mc="http://schemas.openxmlformats.org/markup-compatibility/2006">
+        <mc:Choice xmlns:a14="http://schemas.microsoft.com/office/drawing/2010/main" Requires="a14">
+          <p:sp>
+            <p:nvSpPr>
+              <p:cNvPr id="3" name="TextBox 2">
+                <a:extLst>
+                  <a:ext uri="{FF2B5EF4-FFF2-40B4-BE49-F238E27FC236}">
+                    <a16:creationId xmlns:a16="http://schemas.microsoft.com/office/drawing/2014/main" id="{D87499D7-9033-43C1-9767-AA00B9F2F76E}"/>
+                  </a:ext>
+                </a:extLst>
+              </p:cNvPr>
+              <p:cNvSpPr txBox="1"/>
+              <p:nvPr/>
+            </p:nvSpPr>
+            <p:spPr>
+              <a:xfrm>
+                <a:off x="572458" y="1818117"/>
+                <a:ext cx="1337505" cy="461665"/>
+              </a:xfrm>
+              <a:prstGeom prst="rect">
+                <a:avLst/>
+              </a:prstGeom>
+              <a:noFill/>
+            </p:spPr>
+            <p:txBody>
+              <a:bodyPr wrap="square" rtlCol="0">
+                <a:spAutoFit/>
+              </a:bodyPr>
+              <a:lstStyle/>
+              <a:p>
+                <a14:m>
+                  <m:oMath xmlns:m="http://schemas.openxmlformats.org/officeDocument/2006/math">
+                    <m:r>
+                      <a:rPr lang="en-US" sz="2400" b="0" i="1" smtClean="0">
+                        <a:latin typeface="Cambria Math" panose="02040503050406030204" pitchFamily="18" charset="0"/>
+                      </a:rPr>
+                      <m:t>𝑖</m:t>
+                    </m:r>
+                  </m:oMath>
+                </a14:m>
+                <a:r>
+                  <a:rPr lang="en-US" sz="2400" dirty="0"/>
+                  <a:t> = 1</a:t>
+                </a:r>
+              </a:p>
+            </p:txBody>
+          </p:sp>
+        </mc:Choice>
+        <mc:Fallback>
+          <p:sp>
+            <p:nvSpPr>
+              <p:cNvPr id="3" name="TextBox 2">
+                <a:extLst>
+                  <a:ext uri="{FF2B5EF4-FFF2-40B4-BE49-F238E27FC236}">
+                    <a16:creationId xmlns:a16="http://schemas.microsoft.com/office/drawing/2014/main" id="{D87499D7-9033-43C1-9767-AA00B9F2F76E}"/>
+                  </a:ext>
+                </a:extLst>
+              </p:cNvPr>
+              <p:cNvSpPr txBox="1">
+                <a:spLocks noRot="1" noChangeAspect="1" noMove="1" noResize="1" noEditPoints="1" noAdjustHandles="1" noChangeArrowheads="1" noChangeShapeType="1" noTextEdit="1"/>
+              </p:cNvSpPr>
+              <p:nvPr/>
+            </p:nvSpPr>
+            <p:spPr>
+              <a:xfrm>
+                <a:off x="572458" y="1818117"/>
+                <a:ext cx="1337505" cy="461665"/>
+              </a:xfrm>
+              <a:prstGeom prst="rect">
+                <a:avLst/>
+              </a:prstGeom>
+              <a:blipFill>
+                <a:blip r:embed="rId4"/>
+                <a:stretch>
+                  <a:fillRect l="-1370" t="-10526" b="-28947"/>
+                </a:stretch>
+              </a:blipFill>
+            </p:spPr>
+            <p:txBody>
+              <a:bodyPr/>
+              <a:lstStyle/>
+              <a:p>
+                <a:r>
+                  <a:rPr lang="en-US">
+                    <a:noFill/>
+                  </a:rPr>
+                  <a:t> </a:t>
+                </a:r>
+              </a:p>
+            </p:txBody>
+          </p:sp>
+        </mc:Fallback>
+      </mc:AlternateContent>
+      <mc:AlternateContent xmlns:mc="http://schemas.openxmlformats.org/markup-compatibility/2006">
+        <mc:Choice xmlns:a14="http://schemas.microsoft.com/office/drawing/2010/main" Requires="a14">
+          <p:sp>
+            <p:nvSpPr>
+              <p:cNvPr id="20" name="TextBox 19">
+                <a:extLst>
+                  <a:ext uri="{FF2B5EF4-FFF2-40B4-BE49-F238E27FC236}">
+                    <a16:creationId xmlns:a16="http://schemas.microsoft.com/office/drawing/2014/main" id="{6EE04C5E-B4C7-4812-976A-79C60784016B}"/>
+                  </a:ext>
+                </a:extLst>
+              </p:cNvPr>
+              <p:cNvSpPr txBox="1"/>
+              <p:nvPr/>
+            </p:nvSpPr>
+            <p:spPr>
+              <a:xfrm>
+                <a:off x="6056224" y="1548971"/>
+                <a:ext cx="1337505" cy="461665"/>
+              </a:xfrm>
+              <a:prstGeom prst="rect">
+                <a:avLst/>
+              </a:prstGeom>
+              <a:noFill/>
+            </p:spPr>
+            <p:txBody>
+              <a:bodyPr wrap="square" rtlCol="0">
+                <a:spAutoFit/>
+              </a:bodyPr>
+              <a:lstStyle/>
+              <a:p>
+                <a14:m>
+                  <m:oMath xmlns:m="http://schemas.openxmlformats.org/officeDocument/2006/math">
+                    <m:r>
+                      <a:rPr lang="en-US" sz="2400" b="0" i="1" smtClean="0">
+                        <a:latin typeface="Cambria Math" panose="02040503050406030204" pitchFamily="18" charset="0"/>
+                      </a:rPr>
+                      <m:t>𝑘</m:t>
+                    </m:r>
+                  </m:oMath>
+                </a14:m>
+                <a:r>
+                  <a:rPr lang="en-US" sz="2400" dirty="0"/>
+                  <a:t> = 2</a:t>
+                </a:r>
+              </a:p>
+            </p:txBody>
+          </p:sp>
+        </mc:Choice>
+        <mc:Fallback>
+          <p:sp>
+            <p:nvSpPr>
+              <p:cNvPr id="20" name="TextBox 19">
+                <a:extLst>
+                  <a:ext uri="{FF2B5EF4-FFF2-40B4-BE49-F238E27FC236}">
+                    <a16:creationId xmlns:a16="http://schemas.microsoft.com/office/drawing/2014/main" id="{6EE04C5E-B4C7-4812-976A-79C60784016B}"/>
+                  </a:ext>
+                </a:extLst>
+              </p:cNvPr>
+              <p:cNvSpPr txBox="1">
+                <a:spLocks noRot="1" noChangeAspect="1" noMove="1" noResize="1" noEditPoints="1" noAdjustHandles="1" noChangeArrowheads="1" noChangeShapeType="1" noTextEdit="1"/>
+              </p:cNvSpPr>
+              <p:nvPr/>
+            </p:nvSpPr>
+            <p:spPr>
+              <a:xfrm>
+                <a:off x="6056224" y="1548971"/>
+                <a:ext cx="1337505" cy="461665"/>
+              </a:xfrm>
+              <a:prstGeom prst="rect">
+                <a:avLst/>
+              </a:prstGeom>
+              <a:blipFill>
+                <a:blip r:embed="rId5"/>
+                <a:stretch>
+                  <a:fillRect l="-1364" t="-10526" b="-28947"/>
+                </a:stretch>
+              </a:blipFill>
+            </p:spPr>
+            <p:txBody>
+              <a:bodyPr/>
+              <a:lstStyle/>
+              <a:p>
+                <a:r>
+                  <a:rPr lang="en-US">
+                    <a:noFill/>
+                  </a:rPr>
+                  <a:t> </a:t>
+                </a:r>
+              </a:p>
+            </p:txBody>
+          </p:sp>
+        </mc:Fallback>
+      </mc:AlternateContent>
+      <mc:AlternateContent xmlns:mc="http://schemas.openxmlformats.org/markup-compatibility/2006">
+        <mc:Choice xmlns:a14="http://schemas.microsoft.com/office/drawing/2010/main" Requires="a14">
+          <p:sp>
+            <p:nvSpPr>
+              <p:cNvPr id="21" name="TextBox 20">
+                <a:extLst>
+                  <a:ext uri="{FF2B5EF4-FFF2-40B4-BE49-F238E27FC236}">
+                    <a16:creationId xmlns:a16="http://schemas.microsoft.com/office/drawing/2014/main" id="{3224926C-0842-4221-B0A1-73A04ACC07CE}"/>
+                  </a:ext>
+                </a:extLst>
+              </p:cNvPr>
+              <p:cNvSpPr txBox="1"/>
+              <p:nvPr/>
+            </p:nvSpPr>
+            <p:spPr>
+              <a:xfrm>
+                <a:off x="9764626" y="430768"/>
+                <a:ext cx="1337505" cy="400110"/>
+              </a:xfrm>
+              <a:prstGeom prst="rect">
+                <a:avLst/>
+              </a:prstGeom>
+              <a:noFill/>
+            </p:spPr>
+            <p:txBody>
+              <a:bodyPr wrap="square" rtlCol="0">
+                <a:spAutoFit/>
+              </a:bodyPr>
+              <a:lstStyle/>
+              <a:p>
+                <a14:m>
+                  <m:oMath xmlns:m="http://schemas.openxmlformats.org/officeDocument/2006/math">
+                    <m:r>
+                      <a:rPr lang="en-US" sz="2000" b="0" i="1" smtClean="0">
+                        <a:latin typeface="Cambria Math" panose="02040503050406030204" pitchFamily="18" charset="0"/>
+                      </a:rPr>
+                      <m:t>𝐾</m:t>
+                    </m:r>
+                  </m:oMath>
+                </a14:m>
+                <a:r>
+                  <a:rPr lang="en-US" sz="2000" dirty="0"/>
+                  <a:t> = 3</a:t>
+                </a:r>
+              </a:p>
+            </p:txBody>
+          </p:sp>
+        </mc:Choice>
+        <mc:Fallback>
+          <p:sp>
+            <p:nvSpPr>
+              <p:cNvPr id="21" name="TextBox 20">
+                <a:extLst>
+                  <a:ext uri="{FF2B5EF4-FFF2-40B4-BE49-F238E27FC236}">
+                    <a16:creationId xmlns:a16="http://schemas.microsoft.com/office/drawing/2014/main" id="{3224926C-0842-4221-B0A1-73A04ACC07CE}"/>
+                  </a:ext>
+                </a:extLst>
+              </p:cNvPr>
+              <p:cNvSpPr txBox="1">
+                <a:spLocks noRot="1" noChangeAspect="1" noMove="1" noResize="1" noEditPoints="1" noAdjustHandles="1" noChangeArrowheads="1" noChangeShapeType="1" noTextEdit="1"/>
+              </p:cNvSpPr>
+              <p:nvPr/>
+            </p:nvSpPr>
+            <p:spPr>
+              <a:xfrm>
+                <a:off x="9764626" y="430768"/>
+                <a:ext cx="1337505" cy="400110"/>
+              </a:xfrm>
+              <a:prstGeom prst="rect">
+                <a:avLst/>
+              </a:prstGeom>
+              <a:blipFill>
+                <a:blip r:embed="rId6"/>
+                <a:stretch>
+                  <a:fillRect t="-9231" b="-27692"/>
+                </a:stretch>
+              </a:blipFill>
+            </p:spPr>
+            <p:txBody>
+              <a:bodyPr/>
+              <a:lstStyle/>
+              <a:p>
+                <a:r>
+                  <a:rPr lang="en-US">
+                    <a:noFill/>
+                  </a:rPr>
+                  <a:t> </a:t>
+                </a:r>
+              </a:p>
+            </p:txBody>
+          </p:sp>
+        </mc:Fallback>
+      </mc:AlternateContent>
+      <p:sp>
+        <p:nvSpPr>
+          <p:cNvPr id="23" name="Oval 22">
+            <a:extLst>
+              <a:ext uri="{FF2B5EF4-FFF2-40B4-BE49-F238E27FC236}">
+                <a16:creationId xmlns:a16="http://schemas.microsoft.com/office/drawing/2014/main" id="{1CF3BDA3-6B28-49D5-8A20-EE753EA58B35}"/>
+              </a:ext>
+            </a:extLst>
+          </p:cNvPr>
+          <p:cNvSpPr/>
+          <p:nvPr/>
+        </p:nvSpPr>
+        <p:spPr>
+          <a:xfrm>
+            <a:off x="10384927" y="2982205"/>
+            <a:ext cx="158737" cy="158737"/>
+          </a:xfrm>
+          <a:prstGeom prst="ellipse">
+            <a:avLst/>
+          </a:prstGeom>
+          <a:solidFill>
+            <a:srgbClr val="92D050"/>
+          </a:solidFill>
+          <a:ln>
+            <a:solidFill>
+              <a:schemeClr val="tx1"/>
+            </a:solidFill>
+          </a:ln>
+        </p:spPr>
+        <p:style>
+          <a:lnRef idx="1">
+            <a:schemeClr val="accent1"/>
+          </a:lnRef>
+          <a:fillRef idx="3">
+            <a:schemeClr val="accent1"/>
+          </a:fillRef>
+          <a:effectRef idx="2">
+            <a:schemeClr val="accent1"/>
+          </a:effectRef>
+          <a:fontRef idx="minor">
+            <a:schemeClr val="lt1"/>
+          </a:fontRef>
+        </p:style>
+        <p:txBody>
+          <a:bodyPr rtlCol="0" anchor="ctr"/>
+          <a:lstStyle/>
+          <a:p>
+            <a:pPr algn="ctr"/>
+            <a:endParaRPr lang="en-US"/>
+          </a:p>
+        </p:txBody>
+      </p:sp>
+      <p:sp>
+        <p:nvSpPr>
+          <p:cNvPr id="25" name="Oval 24">
+            <a:extLst>
+              <a:ext uri="{FF2B5EF4-FFF2-40B4-BE49-F238E27FC236}">
+                <a16:creationId xmlns:a16="http://schemas.microsoft.com/office/drawing/2014/main" id="{615E3143-207A-4705-BBEB-B39BEF9A2859}"/>
+              </a:ext>
+            </a:extLst>
+          </p:cNvPr>
+          <p:cNvSpPr/>
+          <p:nvPr/>
+        </p:nvSpPr>
+        <p:spPr>
+          <a:xfrm>
+            <a:off x="10914050" y="3908170"/>
+            <a:ext cx="158737" cy="158737"/>
+          </a:xfrm>
+          <a:prstGeom prst="ellipse">
+            <a:avLst/>
+          </a:prstGeom>
+          <a:solidFill>
+            <a:srgbClr val="92D050"/>
+          </a:solidFill>
+          <a:ln>
+            <a:solidFill>
+              <a:srgbClr val="FF0000"/>
+            </a:solidFill>
+          </a:ln>
+        </p:spPr>
+        <p:style>
+          <a:lnRef idx="1">
+            <a:schemeClr val="accent1"/>
+          </a:lnRef>
+          <a:fillRef idx="3">
+            <a:schemeClr val="accent1"/>
+          </a:fillRef>
+          <a:effectRef idx="2">
+            <a:schemeClr val="accent1"/>
+          </a:effectRef>
+          <a:fontRef idx="minor">
+            <a:schemeClr val="lt1"/>
+          </a:fontRef>
+        </p:style>
+        <p:txBody>
+          <a:bodyPr rtlCol="0" anchor="ctr"/>
+          <a:lstStyle/>
+          <a:p>
+            <a:pPr algn="ctr"/>
+            <a:endParaRPr lang="en-US"/>
+          </a:p>
+        </p:txBody>
+      </p:sp>
+      <p:sp>
+        <p:nvSpPr>
+          <p:cNvPr id="27" name="Oval 26">
+            <a:extLst>
+              <a:ext uri="{FF2B5EF4-FFF2-40B4-BE49-F238E27FC236}">
+                <a16:creationId xmlns:a16="http://schemas.microsoft.com/office/drawing/2014/main" id="{478087AA-060C-4ED2-B968-35C7FB6B6EDF}"/>
+              </a:ext>
+            </a:extLst>
+          </p:cNvPr>
+          <p:cNvSpPr/>
+          <p:nvPr/>
+        </p:nvSpPr>
+        <p:spPr>
+          <a:xfrm>
+            <a:off x="11337349" y="3379047"/>
+            <a:ext cx="158737" cy="158737"/>
+          </a:xfrm>
+          <a:prstGeom prst="ellipse">
+            <a:avLst/>
+          </a:prstGeom>
+          <a:solidFill>
+            <a:srgbClr val="92D050"/>
+          </a:solidFill>
+          <a:ln>
+            <a:solidFill>
+              <a:schemeClr val="tx1"/>
+            </a:solidFill>
+          </a:ln>
+        </p:spPr>
+        <p:style>
+          <a:lnRef idx="1">
+            <a:schemeClr val="accent1"/>
+          </a:lnRef>
+          <a:fillRef idx="3">
+            <a:schemeClr val="accent1"/>
+          </a:fillRef>
+          <a:effectRef idx="2">
+            <a:schemeClr val="accent1"/>
+          </a:effectRef>
+          <a:fontRef idx="minor">
+            <a:schemeClr val="lt1"/>
+          </a:fontRef>
+        </p:style>
+        <p:txBody>
+          <a:bodyPr rtlCol="0" anchor="ctr"/>
+          <a:lstStyle/>
+          <a:p>
+            <a:pPr algn="ctr"/>
+            <a:endParaRPr lang="en-US"/>
+          </a:p>
+        </p:txBody>
+      </p:sp>
+      <mc:AlternateContent xmlns:mc="http://schemas.openxmlformats.org/markup-compatibility/2006">
+        <mc:Choice xmlns:a14="http://schemas.microsoft.com/office/drawing/2010/main" Requires="a14">
+          <p:sp>
+            <p:nvSpPr>
+              <p:cNvPr id="31" name="TextBox 30">
+                <a:extLst>
+                  <a:ext uri="{FF2B5EF4-FFF2-40B4-BE49-F238E27FC236}">
+                    <a16:creationId xmlns:a16="http://schemas.microsoft.com/office/drawing/2014/main" id="{FEE2C51C-AD04-4407-AC18-9DD53C7A477F}"/>
+                  </a:ext>
+                </a:extLst>
+              </p:cNvPr>
+              <p:cNvSpPr txBox="1"/>
+              <p:nvPr/>
+            </p:nvSpPr>
+            <p:spPr>
+              <a:xfrm>
+                <a:off x="9579713" y="1589135"/>
+                <a:ext cx="1337505" cy="400110"/>
+              </a:xfrm>
+              <a:prstGeom prst="rect">
+                <a:avLst/>
+              </a:prstGeom>
+              <a:noFill/>
+            </p:spPr>
+            <p:txBody>
+              <a:bodyPr wrap="square" rtlCol="0">
+                <a:spAutoFit/>
+              </a:bodyPr>
+              <a:lstStyle/>
+              <a:p>
+                <a14:m>
+                  <m:oMath xmlns:m="http://schemas.openxmlformats.org/officeDocument/2006/math">
+                    <m:r>
+                      <a:rPr lang="en-US" sz="2000" b="0" i="1" smtClean="0">
+                        <a:latin typeface="Cambria Math" panose="02040503050406030204" pitchFamily="18" charset="0"/>
+                      </a:rPr>
+                      <m:t>𝑘</m:t>
+                    </m:r>
+                  </m:oMath>
+                </a14:m>
+                <a:r>
+                  <a:rPr lang="en-US" sz="2000" dirty="0"/>
+                  <a:t> = 3</a:t>
+                </a:r>
+              </a:p>
+            </p:txBody>
+          </p:sp>
+        </mc:Choice>
+        <mc:Fallback>
+          <p:sp>
+            <p:nvSpPr>
+              <p:cNvPr id="31" name="TextBox 30">
+                <a:extLst>
+                  <a:ext uri="{FF2B5EF4-FFF2-40B4-BE49-F238E27FC236}">
+                    <a16:creationId xmlns:a16="http://schemas.microsoft.com/office/drawing/2014/main" id="{FEE2C51C-AD04-4407-AC18-9DD53C7A477F}"/>
+                  </a:ext>
+                </a:extLst>
+              </p:cNvPr>
+              <p:cNvSpPr txBox="1">
+                <a:spLocks noRot="1" noChangeAspect="1" noMove="1" noResize="1" noEditPoints="1" noAdjustHandles="1" noChangeArrowheads="1" noChangeShapeType="1" noTextEdit="1"/>
+              </p:cNvSpPr>
+              <p:nvPr/>
+            </p:nvSpPr>
+            <p:spPr>
+              <a:xfrm>
+                <a:off x="9579713" y="1589135"/>
+                <a:ext cx="1337505" cy="400110"/>
+              </a:xfrm>
+              <a:prstGeom prst="rect">
+                <a:avLst/>
+              </a:prstGeom>
+              <a:blipFill>
+                <a:blip r:embed="rId7"/>
+                <a:stretch>
+                  <a:fillRect t="-9231" b="-27692"/>
+                </a:stretch>
+              </a:blipFill>
+            </p:spPr>
+            <p:txBody>
+              <a:bodyPr/>
+              <a:lstStyle/>
+              <a:p>
+                <a:r>
+                  <a:rPr lang="en-US">
+                    <a:noFill/>
+                  </a:rPr>
+                  <a:t> </a:t>
+                </a:r>
+              </a:p>
+            </p:txBody>
+          </p:sp>
+        </mc:Fallback>
+      </mc:AlternateContent>
+    </p:spTree>
+    <p:extLst>
+      <p:ext uri="{BB962C8B-B14F-4D97-AF65-F5344CB8AC3E}">
+        <p14:creationId xmlns:p14="http://schemas.microsoft.com/office/powerpoint/2010/main" val="741672885"/>
+      </p:ext>
+    </p:extLst>
+  </p:cSld>
+  <p:clrMapOvr>
+    <a:masterClrMapping/>
+  </p:clrMapOvr>
+</p:sld>
+</file>
+
+<file path=ppt/slides/slide31.xml><?xml version="1.0" encoding="utf-8"?>
+<p:sld xmlns:a="http://schemas.openxmlformats.org/drawingml/2006/main" xmlns:r="http://schemas.openxmlformats.org/officeDocument/2006/relationships" xmlns:p="http://schemas.openxmlformats.org/presentationml/2006/main">
+  <p:cSld>
+    <p:spTree>
+      <p:nvGrpSpPr>
+        <p:cNvPr id="1" name=""/>
+        <p:cNvGrpSpPr/>
+        <p:nvPr/>
+      </p:nvGrpSpPr>
+      <p:grpSpPr>
+        <a:xfrm>
+          <a:off x="0" y="0"/>
+          <a:ext cx="0" cy="0"/>
+          <a:chOff x="0" y="0"/>
+          <a:chExt cx="0" cy="0"/>
+        </a:xfrm>
+      </p:grpSpPr>
+      <p:sp>
+        <p:nvSpPr>
           <p:cNvPr id="2" name="Title 1"/>
           <p:cNvSpPr>
             <a:spLocks noGrp="1"/>
@@ -20851,8 +23112,8 @@
           </a:p>
         </p:txBody>
       </p:sp>
-      <mc:AlternateContent xmlns:mc="http://schemas.openxmlformats.org/markup-compatibility/2006">
-        <mc:Choice xmlns:a14="http://schemas.microsoft.com/office/drawing/2010/main" Requires="a14">
+      <mc:AlternateContent xmlns:mc="http://schemas.openxmlformats.org/markup-compatibility/2006" xmlns:a14="http://schemas.microsoft.com/office/drawing/2010/main">
+        <mc:Choice Requires="a14">
           <p:sp>
             <p:nvSpPr>
               <p:cNvPr id="3" name="Content Placeholder 2"/>
@@ -21617,7 +23878,7 @@
             </p:txBody>
           </p:sp>
         </mc:Choice>
-        <mc:Fallback>
+        <mc:Fallback xmlns="">
           <p:sp>
             <p:nvSpPr>
               <p:cNvPr id="3" name="Content Placeholder 2"/>
@@ -21659,7 +23920,7 @@
 </p:sld>
 </file>
 
-<file path=ppt/slides/slide31.xml><?xml version="1.0" encoding="utf-8"?>
+<file path=ppt/slides/slide32.xml><?xml version="1.0" encoding="utf-8"?>
 <p:sld xmlns:a="http://schemas.openxmlformats.org/drawingml/2006/main" xmlns:r="http://schemas.openxmlformats.org/officeDocument/2006/relationships" xmlns:p="http://schemas.openxmlformats.org/presentationml/2006/main">
   <p:cSld>
     <p:spTree>
@@ -22913,8 +25174,8 @@
           </a:p>
         </p:txBody>
       </p:sp>
-      <mc:AlternateContent xmlns:mc="http://schemas.openxmlformats.org/markup-compatibility/2006">
-        <mc:Choice xmlns:a14="http://schemas.microsoft.com/office/drawing/2010/main" Requires="a14">
+      <mc:AlternateContent xmlns:mc="http://schemas.openxmlformats.org/markup-compatibility/2006" xmlns:a14="http://schemas.microsoft.com/office/drawing/2010/main">
+        <mc:Choice Requires="a14">
           <p:sp>
             <p:nvSpPr>
               <p:cNvPr id="44" name="TextBox 43"/>
@@ -22937,6 +25198,7 @@
               </a:bodyPr>
               <a:lstStyle/>
               <a:p>
+                <a:pPr/>
                 <a14:m>
                   <m:oMathPara xmlns:m="http://schemas.openxmlformats.org/officeDocument/2006/math">
                     <m:oMathParaPr>
@@ -22984,7 +25246,7 @@
             </p:txBody>
           </p:sp>
         </mc:Choice>
-        <mc:Fallback>
+        <mc:Fallback xmlns="">
           <p:sp>
             <p:nvSpPr>
               <p:cNvPr id="44" name="TextBox 43"/>
@@ -23023,8 +25285,8 @@
           </p:sp>
         </mc:Fallback>
       </mc:AlternateContent>
-      <mc:AlternateContent xmlns:mc="http://schemas.openxmlformats.org/markup-compatibility/2006">
-        <mc:Choice xmlns:a14="http://schemas.microsoft.com/office/drawing/2010/main" Requires="a14">
+      <mc:AlternateContent xmlns:mc="http://schemas.openxmlformats.org/markup-compatibility/2006" xmlns:a14="http://schemas.microsoft.com/office/drawing/2010/main">
+        <mc:Choice Requires="a14">
           <p:sp>
             <p:nvSpPr>
               <p:cNvPr id="45" name="TextBox 44"/>
@@ -23071,7 +25333,7 @@
             </p:txBody>
           </p:sp>
         </mc:Choice>
-        <mc:Fallback>
+        <mc:Fallback xmlns="">
           <p:sp>
             <p:nvSpPr>
               <p:cNvPr id="45" name="TextBox 44"/>
@@ -23299,8 +25561,8 @@
           </a:fontRef>
         </p:style>
       </p:cxnSp>
-      <mc:AlternateContent xmlns:mc="http://schemas.openxmlformats.org/markup-compatibility/2006">
-        <mc:Choice xmlns:a14="http://schemas.microsoft.com/office/drawing/2010/main" Requires="a14">
+      <mc:AlternateContent xmlns:mc="http://schemas.openxmlformats.org/markup-compatibility/2006" xmlns:a14="http://schemas.microsoft.com/office/drawing/2010/main">
+        <mc:Choice Requires="a14">
           <p:sp>
             <p:nvSpPr>
               <p:cNvPr id="18" name="TextBox 17">
@@ -23329,6 +25591,7 @@
               </a:bodyPr>
               <a:lstStyle/>
               <a:p>
+                <a:pPr/>
                 <a14:m>
                   <m:oMathPara xmlns:m="http://schemas.openxmlformats.org/officeDocument/2006/math">
                     <m:oMathParaPr>
@@ -23368,7 +25631,7 @@
             </p:txBody>
           </p:sp>
         </mc:Choice>
-        <mc:Fallback>
+        <mc:Fallback xmlns="">
           <p:sp>
             <p:nvSpPr>
               <p:cNvPr id="18" name="TextBox 17">
@@ -24060,7 +26323,7 @@
 </p:sld>
 </file>
 
-<file path=ppt/slides/slide32.xml><?xml version="1.0" encoding="utf-8"?>
+<file path=ppt/slides/slide33.xml><?xml version="1.0" encoding="utf-8"?>
 <p:sld xmlns:a="http://schemas.openxmlformats.org/drawingml/2006/main" xmlns:r="http://schemas.openxmlformats.org/officeDocument/2006/relationships" xmlns:p="http://schemas.openxmlformats.org/presentationml/2006/main">
   <p:cSld>
     <p:spTree>
@@ -24200,7 +26463,7 @@
 </p:sld>
 </file>
 
-<file path=ppt/slides/slide33.xml><?xml version="1.0" encoding="utf-8"?>
+<file path=ppt/slides/slide34.xml><?xml version="1.0" encoding="utf-8"?>
 <p:sld xmlns:a="http://schemas.openxmlformats.org/drawingml/2006/main" xmlns:r="http://schemas.openxmlformats.org/officeDocument/2006/relationships" xmlns:p="http://schemas.openxmlformats.org/presentationml/2006/main">
   <p:cSld>
     <p:spTree>
@@ -24411,7 +26674,7 @@
 </p:sld>
 </file>
 
-<file path=ppt/slides/slide34.xml><?xml version="1.0" encoding="utf-8"?>
+<file path=ppt/slides/slide35.xml><?xml version="1.0" encoding="utf-8"?>
 <p:sld xmlns:a="http://schemas.openxmlformats.org/drawingml/2006/main" xmlns:r="http://schemas.openxmlformats.org/officeDocument/2006/relationships" xmlns:p="http://schemas.openxmlformats.org/presentationml/2006/main">
   <p:cSld>
     <p:spTree>
@@ -24517,7 +26780,21 @@
                 </a:r>
                 <a:r>
                   <a:rPr lang="en-US" dirty="0"/>
-                  <a:t> coefficient.</a:t>
+                  <a:t> coefficient as function of </a:t>
+                </a:r>
+                <a14:m>
+                  <m:oMath xmlns:m="http://schemas.openxmlformats.org/officeDocument/2006/math">
+                    <m:r>
+                      <a:rPr lang="en-US" b="0" i="1" smtClean="0">
+                        <a:latin typeface="Cambria Math" panose="02040503050406030204" pitchFamily="18" charset="0"/>
+                      </a:rPr>
+                      <m:t>𝐾</m:t>
+                    </m:r>
+                  </m:oMath>
+                </a14:m>
+                <a:r>
+                  <a:rPr lang="en-US" dirty="0"/>
+                  <a:t>.</a:t>
                 </a:r>
               </a:p>
             </p:txBody>

--- a/slides/04_ML_K-Means.pptx
+++ b/slides/04_ML_K-Means.pptx
@@ -5,7 +5,7 @@
     <p:sldMasterId id="2147483648" r:id="rId1"/>
   </p:sldMasterIdLst>
   <p:notesMasterIdLst>
-    <p:notesMasterId r:id="rId37"/>
+    <p:notesMasterId r:id="rId38"/>
   </p:notesMasterIdLst>
   <p:sldIdLst>
     <p:sldId id="281" r:id="rId2"/>
@@ -38,11 +38,12 @@
     <p:sldId id="299" r:id="rId29"/>
     <p:sldId id="303" r:id="rId30"/>
     <p:sldId id="307" r:id="rId31"/>
-    <p:sldId id="300" r:id="rId32"/>
-    <p:sldId id="301" r:id="rId33"/>
-    <p:sldId id="306" r:id="rId34"/>
-    <p:sldId id="304" r:id="rId35"/>
-    <p:sldId id="305" r:id="rId36"/>
+    <p:sldId id="308" r:id="rId32"/>
+    <p:sldId id="300" r:id="rId33"/>
+    <p:sldId id="301" r:id="rId34"/>
+    <p:sldId id="306" r:id="rId35"/>
+    <p:sldId id="304" r:id="rId36"/>
+    <p:sldId id="305" r:id="rId37"/>
   </p:sldIdLst>
   <p:sldSz cx="12192000" cy="6858000"/>
   <p:notesSz cx="6858000" cy="9144000"/>
@@ -231,7 +232,7 @@
           <a:p>
             <a:fld id="{7B6EC019-8BE9-4716-A045-AB4F46EC50AD}" type="datetimeFigureOut">
               <a:rPr lang="en-US" smtClean="0"/>
-              <a:t>3/26/2020</a:t>
+              <a:t>3/31/2020</a:t>
             </a:fld>
             <a:endParaRPr lang="en-US"/>
           </a:p>
@@ -858,6 +859,105 @@
           <a:p>
             <a:fld id="{72A85226-FE62-4B77-BD7D-7A686E774C30}" type="slidenum">
               <a:rPr lang="en-US" smtClean="0"/>
+              <a:t>28</a:t>
+            </a:fld>
+            <a:endParaRPr lang="en-US"/>
+          </a:p>
+        </p:txBody>
+      </p:sp>
+    </p:spTree>
+    <p:extLst>
+      <p:ext uri="{BB962C8B-B14F-4D97-AF65-F5344CB8AC3E}">
+        <p14:creationId xmlns:p14="http://schemas.microsoft.com/office/powerpoint/2010/main" val="294056351"/>
+      </p:ext>
+    </p:extLst>
+  </p:cSld>
+  <p:clrMapOvr>
+    <a:masterClrMapping/>
+  </p:clrMapOvr>
+</p:notes>
+</file>
+
+<file path=ppt/notesSlides/notesSlide11.xml><?xml version="1.0" encoding="utf-8"?>
+<p:notes xmlns:a="http://schemas.openxmlformats.org/drawingml/2006/main" xmlns:r="http://schemas.openxmlformats.org/officeDocument/2006/relationships" xmlns:p="http://schemas.openxmlformats.org/presentationml/2006/main">
+  <p:cSld>
+    <p:spTree>
+      <p:nvGrpSpPr>
+        <p:cNvPr id="1" name=""/>
+        <p:cNvGrpSpPr/>
+        <p:nvPr/>
+      </p:nvGrpSpPr>
+      <p:grpSpPr>
+        <a:xfrm>
+          <a:off x="0" y="0"/>
+          <a:ext cx="0" cy="0"/>
+          <a:chOff x="0" y="0"/>
+          <a:chExt cx="0" cy="0"/>
+        </a:xfrm>
+      </p:grpSpPr>
+      <p:sp>
+        <p:nvSpPr>
+          <p:cNvPr id="2" name="Slide Image Placeholder 1"/>
+          <p:cNvSpPr>
+            <a:spLocks noGrp="1" noRot="1" noChangeAspect="1"/>
+          </p:cNvSpPr>
+          <p:nvPr>
+            <p:ph type="sldImg"/>
+          </p:nvPr>
+        </p:nvSpPr>
+        <p:spPr/>
+      </p:sp>
+      <p:sp>
+        <p:nvSpPr>
+          <p:cNvPr id="3" name="Notes Placeholder 2"/>
+          <p:cNvSpPr>
+            <a:spLocks noGrp="1"/>
+          </p:cNvSpPr>
+          <p:nvPr>
+            <p:ph type="body" idx="1"/>
+          </p:nvPr>
+        </p:nvSpPr>
+        <p:spPr/>
+        <p:txBody>
+          <a:bodyPr/>
+          <a:lstStyle/>
+          <a:p>
+            <a:r>
+              <a:rPr lang="en-US" dirty="0" err="1"/>
+              <a:t>Lantuejoul</a:t>
+            </a:r>
+            <a:r>
+              <a:rPr lang="en-US" dirty="0"/>
+              <a:t> sec. 5.3 </a:t>
+            </a:r>
+            <a:r>
+              <a:rPr lang="en-US" dirty="0" err="1"/>
+              <a:t>Hausdorff</a:t>
+            </a:r>
+            <a:r>
+              <a:rPr lang="en-US" dirty="0"/>
+              <a:t> distance</a:t>
+            </a:r>
+          </a:p>
+        </p:txBody>
+      </p:sp>
+      <p:sp>
+        <p:nvSpPr>
+          <p:cNvPr id="4" name="Slide Number Placeholder 3"/>
+          <p:cNvSpPr>
+            <a:spLocks noGrp="1"/>
+          </p:cNvSpPr>
+          <p:nvPr>
+            <p:ph type="sldNum" sz="quarter" idx="5"/>
+          </p:nvPr>
+        </p:nvSpPr>
+        <p:spPr/>
+        <p:txBody>
+          <a:bodyPr/>
+          <a:lstStyle/>
+          <a:p>
+            <a:fld id="{72A85226-FE62-4B77-BD7D-7A686E774C30}" type="slidenum">
+              <a:rPr lang="en-US" smtClean="0"/>
               <a:t>29</a:t>
             </a:fld>
             <a:endParaRPr lang="en-US"/>
@@ -877,7 +977,7 @@
 </p:notes>
 </file>
 
-<file path=ppt/notesSlides/notesSlide11.xml><?xml version="1.0" encoding="utf-8"?>
+<file path=ppt/notesSlides/notesSlide12.xml><?xml version="1.0" encoding="utf-8"?>
 <p:notes xmlns:a="http://schemas.openxmlformats.org/drawingml/2006/main" xmlns:r="http://schemas.openxmlformats.org/officeDocument/2006/relationships" xmlns:p="http://schemas.openxmlformats.org/presentationml/2006/main">
   <p:cSld>
     <p:spTree>
@@ -1135,6 +1235,317 @@
         </p:nvSpPr>
         <p:spPr/>
       </p:sp>
+      <mc:AlternateContent xmlns:mc="http://schemas.openxmlformats.org/markup-compatibility/2006">
+        <mc:Choice xmlns:a14="http://schemas.microsoft.com/office/drawing/2010/main" Requires="a14">
+          <p:sp>
+            <p:nvSpPr>
+              <p:cNvPr id="3" name="Notes Placeholder 2"/>
+              <p:cNvSpPr>
+                <a:spLocks noGrp="1"/>
+              </p:cNvSpPr>
+              <p:nvPr>
+                <p:ph type="body" idx="1"/>
+              </p:nvPr>
+            </p:nvSpPr>
+            <p:spPr/>
+            <p:txBody>
+              <a:bodyPr/>
+              <a:lstStyle/>
+              <a:p>
+                <a:r>
+                  <a:rPr lang="es-419" dirty="0"/>
+                  <a:t>Ask:</a:t>
+                </a:r>
+              </a:p>
+              <a:p>
+                <a:r>
+                  <a:rPr lang="es-419" dirty="0" err="1"/>
+                  <a:t>What</a:t>
+                </a:r>
+                <a:r>
+                  <a:rPr lang="es-419" dirty="0"/>
+                  <a:t> </a:t>
+                </a:r>
+                <a:r>
+                  <a:rPr lang="es-419" dirty="0" err="1"/>
+                  <a:t>is</a:t>
+                </a:r>
+                <a:r>
+                  <a:rPr lang="es-419" dirty="0"/>
+                  <a:t> </a:t>
+                </a:r>
+                <a:r>
+                  <a:rPr lang="es-419" dirty="0" err="1"/>
+                  <a:t>the</a:t>
+                </a:r>
+                <a:r>
+                  <a:rPr lang="es-419" dirty="0"/>
+                  <a:t> formula </a:t>
+                </a:r>
+                <a:r>
+                  <a:rPr lang="es-419" dirty="0" err="1"/>
+                  <a:t>for</a:t>
+                </a:r>
+                <a:r>
+                  <a:rPr lang="es-419" dirty="0"/>
+                  <a:t> </a:t>
+                </a:r>
+                <a:r>
+                  <a:rPr lang="es-419" dirty="0" err="1"/>
+                  <a:t>the</a:t>
+                </a:r>
+                <a:r>
+                  <a:rPr lang="es-419" dirty="0"/>
+                  <a:t> </a:t>
+                </a:r>
+                <a:r>
+                  <a:rPr lang="es-419" dirty="0" err="1"/>
+                  <a:t>Eucledian</a:t>
+                </a:r>
+                <a:r>
+                  <a:rPr lang="es-419" dirty="0"/>
+                  <a:t> </a:t>
+                </a:r>
+                <a:r>
+                  <a:rPr lang="es-419" dirty="0" err="1"/>
+                  <a:t>distance</a:t>
+                </a:r>
+                <a:r>
+                  <a:rPr lang="es-419" dirty="0"/>
+                  <a:t> </a:t>
+                </a:r>
+                <a:r>
+                  <a:rPr lang="es-419" dirty="0" err="1"/>
+                  <a:t>between</a:t>
+                </a:r>
+                <a:r>
+                  <a:rPr lang="es-419" dirty="0"/>
+                  <a:t> 2 </a:t>
+                </a:r>
+                <a:r>
+                  <a:rPr lang="es-419" dirty="0" err="1"/>
+                  <a:t>points</a:t>
+                </a:r>
+                <a:r>
+                  <a:rPr lang="es-419" dirty="0"/>
+                  <a:t> in </a:t>
+                </a:r>
+                <a14:m>
+                  <m:oMath xmlns:m="http://schemas.openxmlformats.org/officeDocument/2006/math">
+                    <m:sSup>
+                      <m:sSupPr>
+                        <m:ctrlPr>
+                          <a:rPr lang="en-US" b="0" i="1" smtClean="0">
+                            <a:latin typeface="Cambria Math" panose="02040503050406030204" pitchFamily="18" charset="0"/>
+                            <a:ea typeface="Cambria Math" panose="02040503050406030204" pitchFamily="18" charset="0"/>
+                          </a:rPr>
+                        </m:ctrlPr>
+                      </m:sSupPr>
+                      <m:e>
+                        <m:r>
+                          <a:rPr lang="es-419" i="1" smtClean="0">
+                            <a:latin typeface="Cambria Math" panose="02040503050406030204" pitchFamily="18" charset="0"/>
+                            <a:ea typeface="Cambria Math" panose="02040503050406030204" pitchFamily="18" charset="0"/>
+                          </a:rPr>
+                          <m:t>ℝ</m:t>
+                        </m:r>
+                      </m:e>
+                      <m:sup>
+                        <m:r>
+                          <a:rPr lang="en-US" b="0" i="1" smtClean="0">
+                            <a:latin typeface="Cambria Math" panose="02040503050406030204" pitchFamily="18" charset="0"/>
+                            <a:ea typeface="Cambria Math" panose="02040503050406030204" pitchFamily="18" charset="0"/>
+                          </a:rPr>
+                          <m:t>2</m:t>
+                        </m:r>
+                      </m:sup>
+                    </m:sSup>
+                  </m:oMath>
+                </a14:m>
+                <a:endParaRPr lang="en-US" dirty="0"/>
+              </a:p>
+            </p:txBody>
+          </p:sp>
+        </mc:Choice>
+        <mc:Fallback>
+          <p:sp>
+            <p:nvSpPr>
+              <p:cNvPr id="3" name="Notes Placeholder 2"/>
+              <p:cNvSpPr>
+                <a:spLocks noGrp="1"/>
+              </p:cNvSpPr>
+              <p:nvPr>
+                <p:ph type="body" idx="1"/>
+              </p:nvPr>
+            </p:nvSpPr>
+            <p:spPr/>
+            <p:txBody>
+              <a:bodyPr/>
+              <a:lstStyle/>
+              <a:p>
+                <a:r>
+                  <a:rPr lang="es-419" dirty="0"/>
+                  <a:t>Ask:</a:t>
+                </a:r>
+              </a:p>
+              <a:p>
+                <a:r>
+                  <a:rPr lang="es-419" dirty="0" err="1"/>
+                  <a:t>What</a:t>
+                </a:r>
+                <a:r>
+                  <a:rPr lang="es-419" dirty="0"/>
+                  <a:t> </a:t>
+                </a:r>
+                <a:r>
+                  <a:rPr lang="es-419" dirty="0" err="1"/>
+                  <a:t>is</a:t>
+                </a:r>
+                <a:r>
+                  <a:rPr lang="es-419" dirty="0"/>
+                  <a:t> </a:t>
+                </a:r>
+                <a:r>
+                  <a:rPr lang="es-419" dirty="0" err="1"/>
+                  <a:t>the</a:t>
+                </a:r>
+                <a:r>
+                  <a:rPr lang="es-419" dirty="0"/>
+                  <a:t> formula </a:t>
+                </a:r>
+                <a:r>
+                  <a:rPr lang="es-419" dirty="0" err="1"/>
+                  <a:t>for</a:t>
+                </a:r>
+                <a:r>
+                  <a:rPr lang="es-419" dirty="0"/>
+                  <a:t> </a:t>
+                </a:r>
+                <a:r>
+                  <a:rPr lang="es-419" dirty="0" err="1"/>
+                  <a:t>the</a:t>
+                </a:r>
+                <a:r>
+                  <a:rPr lang="es-419" dirty="0"/>
+                  <a:t> </a:t>
+                </a:r>
+                <a:r>
+                  <a:rPr lang="es-419" dirty="0" err="1"/>
+                  <a:t>Eucledian</a:t>
+                </a:r>
+                <a:r>
+                  <a:rPr lang="es-419" dirty="0"/>
+                  <a:t> </a:t>
+                </a:r>
+                <a:r>
+                  <a:rPr lang="es-419" dirty="0" err="1"/>
+                  <a:t>distance</a:t>
+                </a:r>
+                <a:r>
+                  <a:rPr lang="es-419" dirty="0"/>
+                  <a:t> </a:t>
+                </a:r>
+                <a:r>
+                  <a:rPr lang="es-419" dirty="0" err="1"/>
+                  <a:t>between</a:t>
+                </a:r>
+                <a:r>
+                  <a:rPr lang="es-419" dirty="0"/>
+                  <a:t> 2 </a:t>
+                </a:r>
+                <a:r>
+                  <a:rPr lang="es-419" dirty="0" err="1"/>
+                  <a:t>points</a:t>
+                </a:r>
+                <a:r>
+                  <a:rPr lang="es-419" dirty="0"/>
+                  <a:t> in </a:t>
+                </a:r>
+                <a:r>
+                  <a:rPr lang="es-419" i="0">
+                    <a:latin typeface="Cambria Math" panose="02040503050406030204" pitchFamily="18" charset="0"/>
+                    <a:ea typeface="Cambria Math" panose="02040503050406030204" pitchFamily="18" charset="0"/>
+                  </a:rPr>
+                  <a:t>ℝ</a:t>
+                </a:r>
+                <a:r>
+                  <a:rPr lang="en-US" b="0" i="0">
+                    <a:latin typeface="Cambria Math" panose="02040503050406030204" pitchFamily="18" charset="0"/>
+                    <a:ea typeface="Cambria Math" panose="02040503050406030204" pitchFamily="18" charset="0"/>
+                  </a:rPr>
+                  <a:t>^2</a:t>
+                </a:r>
+                <a:endParaRPr lang="en-US" dirty="0"/>
+              </a:p>
+            </p:txBody>
+          </p:sp>
+        </mc:Fallback>
+      </mc:AlternateContent>
+      <p:sp>
+        <p:nvSpPr>
+          <p:cNvPr id="4" name="Slide Number Placeholder 3"/>
+          <p:cNvSpPr>
+            <a:spLocks noGrp="1"/>
+          </p:cNvSpPr>
+          <p:nvPr>
+            <p:ph type="sldNum" sz="quarter" idx="5"/>
+          </p:nvPr>
+        </p:nvSpPr>
+        <p:spPr/>
+        <p:txBody>
+          <a:bodyPr/>
+          <a:lstStyle/>
+          <a:p>
+            <a:fld id="{72A85226-FE62-4B77-BD7D-7A686E774C30}" type="slidenum">
+              <a:rPr lang="en-US" smtClean="0"/>
+              <a:t>7</a:t>
+            </a:fld>
+            <a:endParaRPr lang="en-US"/>
+          </a:p>
+        </p:txBody>
+      </p:sp>
+    </p:spTree>
+    <p:extLst>
+      <p:ext uri="{BB962C8B-B14F-4D97-AF65-F5344CB8AC3E}">
+        <p14:creationId xmlns:p14="http://schemas.microsoft.com/office/powerpoint/2010/main" val="2442122254"/>
+      </p:ext>
+    </p:extLst>
+  </p:cSld>
+  <p:clrMapOvr>
+    <a:masterClrMapping/>
+  </p:clrMapOvr>
+</p:notes>
+</file>
+
+<file path=ppt/notesSlides/notesSlide4.xml><?xml version="1.0" encoding="utf-8"?>
+<p:notes xmlns:a="http://schemas.openxmlformats.org/drawingml/2006/main" xmlns:r="http://schemas.openxmlformats.org/officeDocument/2006/relationships" xmlns:p="http://schemas.openxmlformats.org/presentationml/2006/main">
+  <p:cSld>
+    <p:spTree>
+      <p:nvGrpSpPr>
+        <p:cNvPr id="1" name=""/>
+        <p:cNvGrpSpPr/>
+        <p:nvPr/>
+      </p:nvGrpSpPr>
+      <p:grpSpPr>
+        <a:xfrm>
+          <a:off x="0" y="0"/>
+          <a:ext cx="0" cy="0"/>
+          <a:chOff x="0" y="0"/>
+          <a:chExt cx="0" cy="0"/>
+        </a:xfrm>
+      </p:grpSpPr>
+      <p:sp>
+        <p:nvSpPr>
+          <p:cNvPr id="2" name="Slide Image Placeholder 1"/>
+          <p:cNvSpPr>
+            <a:spLocks noGrp="1" noRot="1" noChangeAspect="1"/>
+          </p:cNvSpPr>
+          <p:nvPr>
+            <p:ph type="sldImg"/>
+          </p:nvPr>
+        </p:nvSpPr>
+        <p:spPr/>
+      </p:sp>
       <p:sp>
         <p:nvSpPr>
           <p:cNvPr id="3" name="Notes Placeholder 2"/>
@@ -1295,7 +1706,7 @@
 </p:notes>
 </file>
 
-<file path=ppt/notesSlides/notesSlide4.xml><?xml version="1.0" encoding="utf-8"?>
+<file path=ppt/notesSlides/notesSlide5.xml><?xml version="1.0" encoding="utf-8"?>
 <p:notes xmlns:a="http://schemas.openxmlformats.org/drawingml/2006/main" xmlns:r="http://schemas.openxmlformats.org/officeDocument/2006/relationships" xmlns:p="http://schemas.openxmlformats.org/presentationml/2006/main">
   <p:cSld>
     <p:spTree>
@@ -1896,96 +2307,6 @@
 </p:notes>
 </file>
 
-<file path=ppt/notesSlides/notesSlide5.xml><?xml version="1.0" encoding="utf-8"?>
-<p:notes xmlns:a="http://schemas.openxmlformats.org/drawingml/2006/main" xmlns:r="http://schemas.openxmlformats.org/officeDocument/2006/relationships" xmlns:p="http://schemas.openxmlformats.org/presentationml/2006/main">
-  <p:cSld>
-    <p:spTree>
-      <p:nvGrpSpPr>
-        <p:cNvPr id="1" name=""/>
-        <p:cNvGrpSpPr/>
-        <p:nvPr/>
-      </p:nvGrpSpPr>
-      <p:grpSpPr>
-        <a:xfrm>
-          <a:off x="0" y="0"/>
-          <a:ext cx="0" cy="0"/>
-          <a:chOff x="0" y="0"/>
-          <a:chExt cx="0" cy="0"/>
-        </a:xfrm>
-      </p:grpSpPr>
-      <p:sp>
-        <p:nvSpPr>
-          <p:cNvPr id="2" name="Slide Image Placeholder 1"/>
-          <p:cNvSpPr>
-            <a:spLocks noGrp="1" noRot="1" noChangeAspect="1"/>
-          </p:cNvSpPr>
-          <p:nvPr>
-            <p:ph type="sldImg"/>
-          </p:nvPr>
-        </p:nvSpPr>
-        <p:spPr/>
-      </p:sp>
-      <p:sp>
-        <p:nvSpPr>
-          <p:cNvPr id="3" name="Notes Placeholder 2"/>
-          <p:cNvSpPr>
-            <a:spLocks noGrp="1"/>
-          </p:cNvSpPr>
-          <p:nvPr>
-            <p:ph type="body" idx="1"/>
-          </p:nvPr>
-        </p:nvSpPr>
-        <p:spPr/>
-        <p:txBody>
-          <a:bodyPr/>
-          <a:lstStyle/>
-          <a:p>
-            <a:r>
-              <a:rPr lang="en-US" dirty="0">
-                <a:hlinkClick r:id="rId3"/>
-              </a:rPr>
-              <a:t>https://www.youtube.com/watch?v=AtxQ0rvdQIA</a:t>
-            </a:r>
-            <a:endParaRPr lang="en-US" dirty="0"/>
-          </a:p>
-        </p:txBody>
-      </p:sp>
-      <p:sp>
-        <p:nvSpPr>
-          <p:cNvPr id="4" name="Slide Number Placeholder 3"/>
-          <p:cNvSpPr>
-            <a:spLocks noGrp="1"/>
-          </p:cNvSpPr>
-          <p:nvPr>
-            <p:ph type="sldNum" sz="quarter" idx="5"/>
-          </p:nvPr>
-        </p:nvSpPr>
-        <p:spPr/>
-        <p:txBody>
-          <a:bodyPr/>
-          <a:lstStyle/>
-          <a:p>
-            <a:fld id="{72A85226-FE62-4B77-BD7D-7A686E774C30}" type="slidenum">
-              <a:rPr lang="en-US" smtClean="0"/>
-              <a:t>19</a:t>
-            </a:fld>
-            <a:endParaRPr lang="en-US"/>
-          </a:p>
-        </p:txBody>
-      </p:sp>
-    </p:spTree>
-    <p:extLst>
-      <p:ext uri="{BB962C8B-B14F-4D97-AF65-F5344CB8AC3E}">
-        <p14:creationId xmlns:p14="http://schemas.microsoft.com/office/powerpoint/2010/main" val="3475067921"/>
-      </p:ext>
-    </p:extLst>
-  </p:cSld>
-  <p:clrMapOvr>
-    <a:masterClrMapping/>
-  </p:clrMapOvr>
-</p:notes>
-</file>
-
 <file path=ppt/notesSlides/notesSlide6.xml><?xml version="1.0" encoding="utf-8"?>
 <p:notes xmlns:a="http://schemas.openxmlformats.org/drawingml/2006/main" xmlns:r="http://schemas.openxmlformats.org/officeDocument/2006/relationships" xmlns:p="http://schemas.openxmlformats.org/presentationml/2006/main">
   <p:cSld>
@@ -2031,23 +2352,6 @@
           <a:lstStyle/>
           <a:p>
             <a:r>
-              <a:rPr lang="en-US" sz="1200" b="0" i="0" kern="1200" dirty="0">
-                <a:solidFill>
-                  <a:schemeClr val="tx1"/>
-                </a:solidFill>
-                <a:effectLst/>
-                <a:latin typeface="+mn-lt"/>
-                <a:ea typeface="+mn-ea"/>
-                <a:cs typeface="+mn-cs"/>
-              </a:rPr>
-              <a:t>Clustering is optimizing the cohesion within the cluster while maximizing the separation between cluster and datapoints outside of the cluster:</a:t>
-            </a:r>
-            <a:endParaRPr lang="en-US" dirty="0">
-              <a:hlinkClick r:id="rId3"/>
-            </a:endParaRPr>
-          </a:p>
-          <a:p>
-            <a:r>
               <a:rPr lang="en-US" dirty="0">
                 <a:hlinkClick r:id="rId3"/>
               </a:rPr>
@@ -2074,7 +2378,7 @@
           <a:p>
             <a:fld id="{72A85226-FE62-4B77-BD7D-7A686E774C30}" type="slidenum">
               <a:rPr lang="en-US" smtClean="0"/>
-              <a:t>20</a:t>
+              <a:t>19</a:t>
             </a:fld>
             <a:endParaRPr lang="en-US"/>
           </a:p>
@@ -2083,7 +2387,7 @@
     </p:spTree>
     <p:extLst>
       <p:ext uri="{BB962C8B-B14F-4D97-AF65-F5344CB8AC3E}">
-        <p14:creationId xmlns:p14="http://schemas.microsoft.com/office/powerpoint/2010/main" val="4172823463"/>
+        <p14:creationId xmlns:p14="http://schemas.microsoft.com/office/powerpoint/2010/main" val="3475067921"/>
       </p:ext>
     </p:extLst>
   </p:cSld>
@@ -2134,6 +2438,113 @@
         </p:nvSpPr>
         <p:spPr/>
         <p:txBody>
+          <a:bodyPr/>
+          <a:lstStyle/>
+          <a:p>
+            <a:r>
+              <a:rPr lang="en-US" sz="1200" b="0" i="0" kern="1200" dirty="0">
+                <a:solidFill>
+                  <a:schemeClr val="tx1"/>
+                </a:solidFill>
+                <a:effectLst/>
+                <a:latin typeface="+mn-lt"/>
+                <a:ea typeface="+mn-ea"/>
+                <a:cs typeface="+mn-cs"/>
+              </a:rPr>
+              <a:t>Clustering is optimizing the cohesion within the cluster while maximizing the separation between cluster and datapoints outside of the cluster:</a:t>
+            </a:r>
+            <a:endParaRPr lang="en-US" dirty="0">
+              <a:hlinkClick r:id="rId3"/>
+            </a:endParaRPr>
+          </a:p>
+          <a:p>
+            <a:r>
+              <a:rPr lang="en-US" dirty="0">
+                <a:hlinkClick r:id="rId3"/>
+              </a:rPr>
+              <a:t>https://www.youtube.com/watch?v=AtxQ0rvdQIA</a:t>
+            </a:r>
+            <a:endParaRPr lang="en-US" dirty="0"/>
+          </a:p>
+        </p:txBody>
+      </p:sp>
+      <p:sp>
+        <p:nvSpPr>
+          <p:cNvPr id="4" name="Slide Number Placeholder 3"/>
+          <p:cNvSpPr>
+            <a:spLocks noGrp="1"/>
+          </p:cNvSpPr>
+          <p:nvPr>
+            <p:ph type="sldNum" sz="quarter" idx="5"/>
+          </p:nvPr>
+        </p:nvSpPr>
+        <p:spPr/>
+        <p:txBody>
+          <a:bodyPr/>
+          <a:lstStyle/>
+          <a:p>
+            <a:fld id="{72A85226-FE62-4B77-BD7D-7A686E774C30}" type="slidenum">
+              <a:rPr lang="en-US" smtClean="0"/>
+              <a:t>20</a:t>
+            </a:fld>
+            <a:endParaRPr lang="en-US"/>
+          </a:p>
+        </p:txBody>
+      </p:sp>
+    </p:spTree>
+    <p:extLst>
+      <p:ext uri="{BB962C8B-B14F-4D97-AF65-F5344CB8AC3E}">
+        <p14:creationId xmlns:p14="http://schemas.microsoft.com/office/powerpoint/2010/main" val="4172823463"/>
+      </p:ext>
+    </p:extLst>
+  </p:cSld>
+  <p:clrMapOvr>
+    <a:masterClrMapping/>
+  </p:clrMapOvr>
+</p:notes>
+</file>
+
+<file path=ppt/notesSlides/notesSlide8.xml><?xml version="1.0" encoding="utf-8"?>
+<p:notes xmlns:a="http://schemas.openxmlformats.org/drawingml/2006/main" xmlns:r="http://schemas.openxmlformats.org/officeDocument/2006/relationships" xmlns:p="http://schemas.openxmlformats.org/presentationml/2006/main">
+  <p:cSld>
+    <p:spTree>
+      <p:nvGrpSpPr>
+        <p:cNvPr id="1" name=""/>
+        <p:cNvGrpSpPr/>
+        <p:nvPr/>
+      </p:nvGrpSpPr>
+      <p:grpSpPr>
+        <a:xfrm>
+          <a:off x="0" y="0"/>
+          <a:ext cx="0" cy="0"/>
+          <a:chOff x="0" y="0"/>
+          <a:chExt cx="0" cy="0"/>
+        </a:xfrm>
+      </p:grpSpPr>
+      <p:sp>
+        <p:nvSpPr>
+          <p:cNvPr id="2" name="Slide Image Placeholder 1"/>
+          <p:cNvSpPr>
+            <a:spLocks noGrp="1" noRot="1" noChangeAspect="1"/>
+          </p:cNvSpPr>
+          <p:nvPr>
+            <p:ph type="sldImg"/>
+          </p:nvPr>
+        </p:nvSpPr>
+        <p:spPr/>
+      </p:sp>
+      <p:sp>
+        <p:nvSpPr>
+          <p:cNvPr id="3" name="Notes Placeholder 2"/>
+          <p:cNvSpPr>
+            <a:spLocks noGrp="1"/>
+          </p:cNvSpPr>
+          <p:nvPr>
+            <p:ph type="body" idx="1"/>
+          </p:nvPr>
+        </p:nvSpPr>
+        <p:spPr/>
+        <p:txBody>
           <a:bodyPr>
             <a:normAutofit/>
           </a:bodyPr>
@@ -2196,7 +2607,7 @@
 </p:notes>
 </file>
 
-<file path=ppt/notesSlides/notesSlide8.xml><?xml version="1.0" encoding="utf-8"?>
+<file path=ppt/notesSlides/notesSlide9.xml><?xml version="1.0" encoding="utf-8"?>
 <p:notes xmlns:a="http://schemas.openxmlformats.org/drawingml/2006/main" xmlns:r="http://schemas.openxmlformats.org/officeDocument/2006/relationships" xmlns:p="http://schemas.openxmlformats.org/presentationml/2006/main">
   <p:cSld>
     <p:spTree>
@@ -2647,105 +3058,6 @@
 </p:notes>
 </file>
 
-<file path=ppt/notesSlides/notesSlide9.xml><?xml version="1.0" encoding="utf-8"?>
-<p:notes xmlns:a="http://schemas.openxmlformats.org/drawingml/2006/main" xmlns:r="http://schemas.openxmlformats.org/officeDocument/2006/relationships" xmlns:p="http://schemas.openxmlformats.org/presentationml/2006/main">
-  <p:cSld>
-    <p:spTree>
-      <p:nvGrpSpPr>
-        <p:cNvPr id="1" name=""/>
-        <p:cNvGrpSpPr/>
-        <p:nvPr/>
-      </p:nvGrpSpPr>
-      <p:grpSpPr>
-        <a:xfrm>
-          <a:off x="0" y="0"/>
-          <a:ext cx="0" cy="0"/>
-          <a:chOff x="0" y="0"/>
-          <a:chExt cx="0" cy="0"/>
-        </a:xfrm>
-      </p:grpSpPr>
-      <p:sp>
-        <p:nvSpPr>
-          <p:cNvPr id="2" name="Slide Image Placeholder 1"/>
-          <p:cNvSpPr>
-            <a:spLocks noGrp="1" noRot="1" noChangeAspect="1"/>
-          </p:cNvSpPr>
-          <p:nvPr>
-            <p:ph type="sldImg"/>
-          </p:nvPr>
-        </p:nvSpPr>
-        <p:spPr/>
-      </p:sp>
-      <p:sp>
-        <p:nvSpPr>
-          <p:cNvPr id="3" name="Notes Placeholder 2"/>
-          <p:cNvSpPr>
-            <a:spLocks noGrp="1"/>
-          </p:cNvSpPr>
-          <p:nvPr>
-            <p:ph type="body" idx="1"/>
-          </p:nvPr>
-        </p:nvSpPr>
-        <p:spPr/>
-        <p:txBody>
-          <a:bodyPr/>
-          <a:lstStyle/>
-          <a:p>
-            <a:r>
-              <a:rPr lang="en-US" dirty="0" err="1"/>
-              <a:t>Lantuejoul</a:t>
-            </a:r>
-            <a:r>
-              <a:rPr lang="en-US" dirty="0"/>
-              <a:t> sec. 5.3 </a:t>
-            </a:r>
-            <a:r>
-              <a:rPr lang="en-US" dirty="0" err="1"/>
-              <a:t>Hausdorff</a:t>
-            </a:r>
-            <a:r>
-              <a:rPr lang="en-US" dirty="0"/>
-              <a:t> distance</a:t>
-            </a:r>
-          </a:p>
-        </p:txBody>
-      </p:sp>
-      <p:sp>
-        <p:nvSpPr>
-          <p:cNvPr id="4" name="Slide Number Placeholder 3"/>
-          <p:cNvSpPr>
-            <a:spLocks noGrp="1"/>
-          </p:cNvSpPr>
-          <p:nvPr>
-            <p:ph type="sldNum" sz="quarter" idx="5"/>
-          </p:nvPr>
-        </p:nvSpPr>
-        <p:spPr/>
-        <p:txBody>
-          <a:bodyPr/>
-          <a:lstStyle/>
-          <a:p>
-            <a:fld id="{72A85226-FE62-4B77-BD7D-7A686E774C30}" type="slidenum">
-              <a:rPr lang="en-US" smtClean="0"/>
-              <a:t>28</a:t>
-            </a:fld>
-            <a:endParaRPr lang="en-US"/>
-          </a:p>
-        </p:txBody>
-      </p:sp>
-    </p:spTree>
-    <p:extLst>
-      <p:ext uri="{BB962C8B-B14F-4D97-AF65-F5344CB8AC3E}">
-        <p14:creationId xmlns:p14="http://schemas.microsoft.com/office/powerpoint/2010/main" val="294056351"/>
-      </p:ext>
-    </p:extLst>
-  </p:cSld>
-  <p:clrMapOvr>
-    <a:masterClrMapping/>
-  </p:clrMapOvr>
-</p:notes>
-</file>
-
 <file path=ppt/slideLayouts/slideLayout1.xml><?xml version="1.0" encoding="utf-8"?>
 <p:sldLayout xmlns:a="http://schemas.openxmlformats.org/drawingml/2006/main" xmlns:r="http://schemas.openxmlformats.org/officeDocument/2006/relationships" xmlns:p="http://schemas.openxmlformats.org/presentationml/2006/main" type="title" preserve="1">
   <p:cSld name="Title Slide">
@@ -2893,7 +3205,7 @@
           <a:p>
             <a:fld id="{5F6D1571-7249-4A7C-B463-A862308C856B}" type="datetimeFigureOut">
               <a:rPr lang="en-US" smtClean="0"/>
-              <a:t>3/26/2020</a:t>
+              <a:t>3/31/2020</a:t>
             </a:fld>
             <a:endParaRPr lang="en-US"/>
           </a:p>
@@ -3091,7 +3403,7 @@
           <a:p>
             <a:fld id="{5F6D1571-7249-4A7C-B463-A862308C856B}" type="datetimeFigureOut">
               <a:rPr lang="en-US" smtClean="0"/>
-              <a:t>3/26/2020</a:t>
+              <a:t>3/31/2020</a:t>
             </a:fld>
             <a:endParaRPr lang="en-US"/>
           </a:p>
@@ -3299,7 +3611,7 @@
           <a:p>
             <a:fld id="{5F6D1571-7249-4A7C-B463-A862308C856B}" type="datetimeFigureOut">
               <a:rPr lang="en-US" smtClean="0"/>
-              <a:t>3/26/2020</a:t>
+              <a:t>3/31/2020</a:t>
             </a:fld>
             <a:endParaRPr lang="en-US"/>
           </a:p>
@@ -3497,7 +3809,7 @@
           <a:p>
             <a:fld id="{5F6D1571-7249-4A7C-B463-A862308C856B}" type="datetimeFigureOut">
               <a:rPr lang="en-US" smtClean="0"/>
-              <a:t>3/26/2020</a:t>
+              <a:t>3/31/2020</a:t>
             </a:fld>
             <a:endParaRPr lang="en-US"/>
           </a:p>
@@ -3772,7 +4084,7 @@
           <a:p>
             <a:fld id="{5F6D1571-7249-4A7C-B463-A862308C856B}" type="datetimeFigureOut">
               <a:rPr lang="en-US" smtClean="0"/>
-              <a:t>3/26/2020</a:t>
+              <a:t>3/31/2020</a:t>
             </a:fld>
             <a:endParaRPr lang="en-US"/>
           </a:p>
@@ -4037,7 +4349,7 @@
           <a:p>
             <a:fld id="{5F6D1571-7249-4A7C-B463-A862308C856B}" type="datetimeFigureOut">
               <a:rPr lang="en-US" smtClean="0"/>
-              <a:t>3/26/2020</a:t>
+              <a:t>3/31/2020</a:t>
             </a:fld>
             <a:endParaRPr lang="en-US"/>
           </a:p>
@@ -4449,7 +4761,7 @@
           <a:p>
             <a:fld id="{5F6D1571-7249-4A7C-B463-A862308C856B}" type="datetimeFigureOut">
               <a:rPr lang="en-US" smtClean="0"/>
-              <a:t>3/26/2020</a:t>
+              <a:t>3/31/2020</a:t>
             </a:fld>
             <a:endParaRPr lang="en-US"/>
           </a:p>
@@ -4590,7 +4902,7 @@
           <a:p>
             <a:fld id="{5F6D1571-7249-4A7C-B463-A862308C856B}" type="datetimeFigureOut">
               <a:rPr lang="en-US" smtClean="0"/>
-              <a:t>3/26/2020</a:t>
+              <a:t>3/31/2020</a:t>
             </a:fld>
             <a:endParaRPr lang="en-US"/>
           </a:p>
@@ -4703,7 +5015,7 @@
           <a:p>
             <a:fld id="{5F6D1571-7249-4A7C-B463-A862308C856B}" type="datetimeFigureOut">
               <a:rPr lang="en-US" smtClean="0"/>
-              <a:t>3/26/2020</a:t>
+              <a:t>3/31/2020</a:t>
             </a:fld>
             <a:endParaRPr lang="en-US"/>
           </a:p>
@@ -5014,7 +5326,7 @@
           <a:p>
             <a:fld id="{5F6D1571-7249-4A7C-B463-A862308C856B}" type="datetimeFigureOut">
               <a:rPr lang="en-US" smtClean="0"/>
-              <a:t>3/26/2020</a:t>
+              <a:t>3/31/2020</a:t>
             </a:fld>
             <a:endParaRPr lang="en-US"/>
           </a:p>
@@ -5302,7 +5614,7 @@
           <a:p>
             <a:fld id="{5F6D1571-7249-4A7C-B463-A862308C856B}" type="datetimeFigureOut">
               <a:rPr lang="en-US" smtClean="0"/>
-              <a:t>3/26/2020</a:t>
+              <a:t>3/31/2020</a:t>
             </a:fld>
             <a:endParaRPr lang="en-US"/>
           </a:p>
@@ -5543,7 +5855,7 @@
           <a:p>
             <a:fld id="{5F6D1571-7249-4A7C-B463-A862308C856B}" type="datetimeFigureOut">
               <a:rPr lang="en-US" smtClean="0"/>
-              <a:t>3/26/2020</a:t>
+              <a:t>3/31/2020</a:t>
             </a:fld>
             <a:endParaRPr lang="en-US"/>
           </a:p>
@@ -9546,8 +9858,8 @@
           </a:p>
         </p:txBody>
       </p:sp>
-      <mc:AlternateContent xmlns:mc="http://schemas.openxmlformats.org/markup-compatibility/2006">
-        <mc:Choice xmlns:a14="http://schemas.microsoft.com/office/drawing/2010/main" Requires="a14">
+      <mc:AlternateContent xmlns:mc="http://schemas.openxmlformats.org/markup-compatibility/2006" xmlns:a14="http://schemas.microsoft.com/office/drawing/2010/main">
+        <mc:Choice Requires="a14">
           <p:sp>
             <p:nvSpPr>
               <p:cNvPr id="3" name="Content Placeholder 2">
@@ -9599,7 +9911,7 @@
                 </a:r>
                 <a:r>
                   <a:rPr lang="en-US" dirty="0"/>
-                  <a:t>()       to get clusters of the dataset</a:t>
+                  <a:t>()       to get clusters of the dataset.</a:t>
                 </a:r>
               </a:p>
               <a:p>
@@ -9608,13 +9920,13 @@
               <a:p>
                 <a:r>
                   <a:rPr lang="en-US" dirty="0"/>
-                  <a:t>Plot the scatterplot identifying each cluster with a different color</a:t>
+                  <a:t>Plot the scatterplot identifying each cluster with a different color.</a:t>
                 </a:r>
               </a:p>
             </p:txBody>
           </p:sp>
         </mc:Choice>
-        <mc:Fallback>
+        <mc:Fallback xmlns="">
           <p:sp>
             <p:nvSpPr>
               <p:cNvPr id="3" name="Content Placeholder 2">
@@ -19129,8 +19441,8 @@
           </a:p>
         </p:txBody>
       </p:sp>
-      <mc:AlternateContent xmlns:mc="http://schemas.openxmlformats.org/markup-compatibility/2006">
-        <mc:Choice xmlns:a14="http://schemas.microsoft.com/office/drawing/2010/main" Requires="a14">
+      <mc:AlternateContent xmlns:mc="http://schemas.openxmlformats.org/markup-compatibility/2006" xmlns:a14="http://schemas.microsoft.com/office/drawing/2010/main">
+        <mc:Choice Requires="a14">
           <p:sp>
             <p:nvSpPr>
               <p:cNvPr id="19" name="TextBox 18">
@@ -19215,7 +19527,7 @@
             </p:txBody>
           </p:sp>
         </mc:Choice>
-        <mc:Fallback>
+        <mc:Fallback xmlns="">
           <p:sp>
             <p:nvSpPr>
               <p:cNvPr id="19" name="TextBox 18">
@@ -19260,8 +19572,8 @@
           </p:sp>
         </mc:Fallback>
       </mc:AlternateContent>
-      <mc:AlternateContent xmlns:mc="http://schemas.openxmlformats.org/markup-compatibility/2006">
-        <mc:Choice xmlns:a14="http://schemas.microsoft.com/office/drawing/2010/main" Requires="a14">
+      <mc:AlternateContent xmlns:mc="http://schemas.openxmlformats.org/markup-compatibility/2006" xmlns:a14="http://schemas.microsoft.com/office/drawing/2010/main">
+        <mc:Choice Requires="a14">
           <p:sp>
             <p:nvSpPr>
               <p:cNvPr id="20" name="TextBox 19">
@@ -19340,7 +19652,7 @@
             </p:txBody>
           </p:sp>
         </mc:Choice>
-        <mc:Fallback>
+        <mc:Fallback xmlns="">
           <p:sp>
             <p:nvSpPr>
               <p:cNvPr id="20" name="TextBox 19">
@@ -20419,6 +20731,1781 @@
         <p:spPr>
           <a:xfrm flipV="1">
             <a:off x="2724033" y="4066726"/>
+            <a:ext cx="6217195" cy="396842"/>
+          </a:xfrm>
+          <a:prstGeom prst="line">
+            <a:avLst/>
+          </a:prstGeom>
+        </p:spPr>
+        <p:style>
+          <a:lnRef idx="2">
+            <a:schemeClr val="accent1"/>
+          </a:lnRef>
+          <a:fillRef idx="0">
+            <a:schemeClr val="accent1"/>
+          </a:fillRef>
+          <a:effectRef idx="1">
+            <a:schemeClr val="accent1"/>
+          </a:effectRef>
+          <a:fontRef idx="minor">
+            <a:schemeClr val="tx1"/>
+          </a:fontRef>
+        </p:style>
+      </p:cxnSp>
+      <mc:AlternateContent xmlns:mc="http://schemas.openxmlformats.org/markup-compatibility/2006" xmlns:a14="http://schemas.microsoft.com/office/drawing/2010/main">
+        <mc:Choice Requires="a14">
+          <p:sp>
+            <p:nvSpPr>
+              <p:cNvPr id="24" name="TextBox 23">
+                <a:extLst>
+                  <a:ext uri="{FF2B5EF4-FFF2-40B4-BE49-F238E27FC236}">
+                    <a16:creationId xmlns:a16="http://schemas.microsoft.com/office/drawing/2014/main" id="{233CDC5C-8211-4A2B-843A-08317A5581D6}"/>
+                  </a:ext>
+                </a:extLst>
+              </p:cNvPr>
+              <p:cNvSpPr txBox="1"/>
+              <p:nvPr/>
+            </p:nvSpPr>
+            <p:spPr>
+              <a:xfrm>
+                <a:off x="6684272" y="5793713"/>
+                <a:ext cx="5245851" cy="1035155"/>
+              </a:xfrm>
+              <a:prstGeom prst="rect">
+                <a:avLst/>
+              </a:prstGeom>
+              <a:noFill/>
+            </p:spPr>
+            <p:txBody>
+              <a:bodyPr wrap="square" rtlCol="0">
+                <a:spAutoFit/>
+              </a:bodyPr>
+              <a:lstStyle/>
+              <a:p>
+                <a:pPr/>
+                <a14:m>
+                  <m:oMathPara xmlns:m="http://schemas.openxmlformats.org/officeDocument/2006/math">
+                    <m:oMathParaPr>
+                      <m:jc m:val="centerGroup"/>
+                    </m:oMathParaPr>
+                    <m:oMath xmlns:m="http://schemas.openxmlformats.org/officeDocument/2006/math">
+                      <m:r>
+                        <a:rPr lang="en-US" sz="2400" b="0" i="1" smtClean="0">
+                          <a:latin typeface="Cambria Math" panose="02040503050406030204" pitchFamily="18" charset="0"/>
+                        </a:rPr>
+                        <m:t>𝑏</m:t>
+                      </m:r>
+                      <m:d>
+                        <m:dPr>
+                          <m:ctrlPr>
+                            <a:rPr lang="en-US" sz="2400" b="0" i="1" smtClean="0">
+                              <a:latin typeface="Cambria Math" panose="02040503050406030204" pitchFamily="18" charset="0"/>
+                            </a:rPr>
+                          </m:ctrlPr>
+                        </m:dPr>
+                        <m:e>
+                          <m:r>
+                            <a:rPr lang="en-US" sz="2400" b="0" i="1" smtClean="0">
+                              <a:latin typeface="Cambria Math" panose="02040503050406030204" pitchFamily="18" charset="0"/>
+                            </a:rPr>
+                            <m:t>𝑖</m:t>
+                          </m:r>
+                        </m:e>
+                      </m:d>
+                      <m:r>
+                        <a:rPr lang="en-US" sz="2400" b="0" i="1" smtClean="0">
+                          <a:latin typeface="Cambria Math" panose="02040503050406030204" pitchFamily="18" charset="0"/>
+                        </a:rPr>
+                        <m:t>=</m:t>
+                      </m:r>
+                      <m:func>
+                        <m:funcPr>
+                          <m:ctrlPr>
+                            <a:rPr lang="en-US" sz="2400" b="0" i="1" smtClean="0">
+                              <a:latin typeface="Cambria Math" panose="02040503050406030204" pitchFamily="18" charset="0"/>
+                            </a:rPr>
+                          </m:ctrlPr>
+                        </m:funcPr>
+                        <m:fName>
+                          <m:limLow>
+                            <m:limLowPr>
+                              <m:ctrlPr>
+                                <a:rPr lang="en-US" sz="2400" b="0" i="1" smtClean="0">
+                                  <a:latin typeface="Cambria Math" panose="02040503050406030204" pitchFamily="18" charset="0"/>
+                                </a:rPr>
+                              </m:ctrlPr>
+                            </m:limLowPr>
+                            <m:e>
+                              <m:r>
+                                <m:rPr>
+                                  <m:sty m:val="p"/>
+                                </m:rPr>
+                                <a:rPr lang="en-US" sz="2400" b="0" i="0" smtClean="0">
+                                  <a:latin typeface="Cambria Math" panose="02040503050406030204" pitchFamily="18" charset="0"/>
+                                </a:rPr>
+                                <m:t>min</m:t>
+                              </m:r>
+                            </m:e>
+                            <m:lim>
+                              <m:r>
+                                <a:rPr lang="en-US" sz="2400" b="0" i="1" smtClean="0">
+                                  <a:latin typeface="Cambria Math" panose="02040503050406030204" pitchFamily="18" charset="0"/>
+                                </a:rPr>
+                                <m:t>𝑘</m:t>
+                              </m:r>
+                              <m:r>
+                                <a:rPr lang="en-US" sz="2400" b="0" i="1" smtClean="0">
+                                  <a:latin typeface="Cambria Math" panose="02040503050406030204" pitchFamily="18" charset="0"/>
+                                </a:rPr>
+                                <m:t>≠</m:t>
+                              </m:r>
+                              <m:r>
+                                <a:rPr lang="en-US" sz="2400" b="0" i="1" smtClean="0">
+                                  <a:latin typeface="Cambria Math" panose="02040503050406030204" pitchFamily="18" charset="0"/>
+                                </a:rPr>
+                                <m:t>𝑖</m:t>
+                              </m:r>
+                            </m:lim>
+                          </m:limLow>
+                        </m:fName>
+                        <m:e>
+                          <m:f>
+                            <m:fPr>
+                              <m:ctrlPr>
+                                <a:rPr lang="en-US" sz="2400" i="1">
+                                  <a:latin typeface="Cambria Math" panose="02040503050406030204" pitchFamily="18" charset="0"/>
+                                </a:rPr>
+                              </m:ctrlPr>
+                            </m:fPr>
+                            <m:num>
+                              <m:r>
+                                <a:rPr lang="en-US" sz="2400" i="1">
+                                  <a:latin typeface="Cambria Math" panose="02040503050406030204" pitchFamily="18" charset="0"/>
+                                </a:rPr>
+                                <m:t>1</m:t>
+                              </m:r>
+                            </m:num>
+                            <m:den>
+                              <m:d>
+                                <m:dPr>
+                                  <m:begChr m:val="|"/>
+                                  <m:endChr m:val="|"/>
+                                  <m:ctrlPr>
+                                    <a:rPr lang="en-US" sz="2400" i="1">
+                                      <a:latin typeface="Cambria Math" panose="02040503050406030204" pitchFamily="18" charset="0"/>
+                                    </a:rPr>
+                                  </m:ctrlPr>
+                                </m:dPr>
+                                <m:e>
+                                  <m:sSub>
+                                    <m:sSubPr>
+                                      <m:ctrlPr>
+                                        <a:rPr lang="en-US" sz="2400" i="1">
+                                          <a:latin typeface="Cambria Math" panose="02040503050406030204" pitchFamily="18" charset="0"/>
+                                        </a:rPr>
+                                      </m:ctrlPr>
+                                    </m:sSubPr>
+                                    <m:e>
+                                      <m:r>
+                                        <a:rPr lang="en-US" sz="2400" i="1">
+                                          <a:latin typeface="Cambria Math" panose="02040503050406030204" pitchFamily="18" charset="0"/>
+                                        </a:rPr>
+                                        <m:t>𝐶</m:t>
+                                      </m:r>
+                                    </m:e>
+                                    <m:sub>
+                                      <m:r>
+                                        <a:rPr lang="en-US" sz="2400" i="1">
+                                          <a:latin typeface="Cambria Math" panose="02040503050406030204" pitchFamily="18" charset="0"/>
+                                        </a:rPr>
+                                        <m:t>𝑘</m:t>
+                                      </m:r>
+                                    </m:sub>
+                                  </m:sSub>
+                                </m:e>
+                              </m:d>
+                            </m:den>
+                          </m:f>
+                          <m:nary>
+                            <m:naryPr>
+                              <m:chr m:val="∑"/>
+                              <m:supHide m:val="on"/>
+                              <m:ctrlPr>
+                                <a:rPr lang="en-US" sz="2400" i="1">
+                                  <a:latin typeface="Cambria Math" panose="02040503050406030204" pitchFamily="18" charset="0"/>
+                                </a:rPr>
+                              </m:ctrlPr>
+                            </m:naryPr>
+                            <m:sub>
+                              <m:r>
+                                <a:rPr lang="en-US" sz="2400" i="1">
+                                  <a:latin typeface="Cambria Math" panose="02040503050406030204" pitchFamily="18" charset="0"/>
+                                </a:rPr>
+                                <m:t>𝑗</m:t>
+                              </m:r>
+                              <m:r>
+                                <a:rPr lang="en-US" sz="2400" i="1">
+                                  <a:latin typeface="Cambria Math" panose="02040503050406030204" pitchFamily="18" charset="0"/>
+                                </a:rPr>
+                                <m:t>∈</m:t>
+                              </m:r>
+                              <m:sSub>
+                                <m:sSubPr>
+                                  <m:ctrlPr>
+                                    <a:rPr lang="en-US" sz="2400" i="1">
+                                      <a:latin typeface="Cambria Math" panose="02040503050406030204" pitchFamily="18" charset="0"/>
+                                    </a:rPr>
+                                  </m:ctrlPr>
+                                </m:sSubPr>
+                                <m:e>
+                                  <m:r>
+                                    <a:rPr lang="en-US" sz="2400" i="1">
+                                      <a:latin typeface="Cambria Math" panose="02040503050406030204" pitchFamily="18" charset="0"/>
+                                    </a:rPr>
+                                    <m:t>𝐶</m:t>
+                                  </m:r>
+                                </m:e>
+                                <m:sub>
+                                  <m:r>
+                                    <a:rPr lang="en-US" sz="2400" i="1">
+                                      <a:latin typeface="Cambria Math" panose="02040503050406030204" pitchFamily="18" charset="0"/>
+                                    </a:rPr>
+                                    <m:t>𝑘</m:t>
+                                  </m:r>
+                                </m:sub>
+                              </m:sSub>
+                            </m:sub>
+                            <m:sup/>
+                            <m:e>
+                              <m:r>
+                                <a:rPr lang="en-US" sz="2400" i="1">
+                                  <a:latin typeface="Cambria Math" panose="02040503050406030204" pitchFamily="18" charset="0"/>
+                                </a:rPr>
+                                <m:t>𝑑</m:t>
+                              </m:r>
+                              <m:d>
+                                <m:dPr>
+                                  <m:ctrlPr>
+                                    <a:rPr lang="en-US" sz="2400" i="1">
+                                      <a:latin typeface="Cambria Math" panose="02040503050406030204" pitchFamily="18" charset="0"/>
+                                    </a:rPr>
+                                  </m:ctrlPr>
+                                </m:dPr>
+                                <m:e>
+                                  <m:r>
+                                    <a:rPr lang="en-US" sz="2400" i="1">
+                                      <a:latin typeface="Cambria Math" panose="02040503050406030204" pitchFamily="18" charset="0"/>
+                                    </a:rPr>
+                                    <m:t>𝑖</m:t>
+                                  </m:r>
+                                  <m:r>
+                                    <a:rPr lang="en-US" sz="2400" i="1">
+                                      <a:latin typeface="Cambria Math" panose="02040503050406030204" pitchFamily="18" charset="0"/>
+                                    </a:rPr>
+                                    <m:t>,</m:t>
+                                  </m:r>
+                                  <m:r>
+                                    <a:rPr lang="en-US" sz="2400" i="1">
+                                      <a:latin typeface="Cambria Math" panose="02040503050406030204" pitchFamily="18" charset="0"/>
+                                    </a:rPr>
+                                    <m:t>𝑗</m:t>
+                                  </m:r>
+                                </m:e>
+                              </m:d>
+                            </m:e>
+                          </m:nary>
+                        </m:e>
+                      </m:func>
+                    </m:oMath>
+                  </m:oMathPara>
+                </a14:m>
+                <a:endParaRPr lang="en-US" sz="2400" dirty="0"/>
+              </a:p>
+            </p:txBody>
+          </p:sp>
+        </mc:Choice>
+        <mc:Fallback xmlns="">
+          <p:sp>
+            <p:nvSpPr>
+              <p:cNvPr id="24" name="TextBox 23">
+                <a:extLst>
+                  <a:ext uri="{FF2B5EF4-FFF2-40B4-BE49-F238E27FC236}">
+                    <a16:creationId xmlns:a16="http://schemas.microsoft.com/office/drawing/2014/main" id="{233CDC5C-8211-4A2B-843A-08317A5581D6}"/>
+                  </a:ext>
+                </a:extLst>
+              </p:cNvPr>
+              <p:cNvSpPr txBox="1">
+                <a:spLocks noRot="1" noChangeAspect="1" noMove="1" noResize="1" noEditPoints="1" noAdjustHandles="1" noChangeArrowheads="1" noChangeShapeType="1" noTextEdit="1"/>
+              </p:cNvSpPr>
+              <p:nvPr/>
+            </p:nvSpPr>
+            <p:spPr>
+              <a:xfrm>
+                <a:off x="6684272" y="5793713"/>
+                <a:ext cx="5245851" cy="1035155"/>
+              </a:xfrm>
+              <a:prstGeom prst="rect">
+                <a:avLst/>
+              </a:prstGeom>
+              <a:blipFill>
+                <a:blip r:embed="rId3"/>
+                <a:stretch>
+                  <a:fillRect/>
+                </a:stretch>
+              </a:blipFill>
+            </p:spPr>
+            <p:txBody>
+              <a:bodyPr/>
+              <a:lstStyle/>
+              <a:p>
+                <a:r>
+                  <a:rPr lang="en-US">
+                    <a:noFill/>
+                  </a:rPr>
+                  <a:t> </a:t>
+                </a:r>
+              </a:p>
+            </p:txBody>
+          </p:sp>
+        </mc:Fallback>
+      </mc:AlternateContent>
+      <mc:AlternateContent xmlns:mc="http://schemas.openxmlformats.org/markup-compatibility/2006" xmlns:a14="http://schemas.microsoft.com/office/drawing/2010/main">
+        <mc:Choice Requires="a14">
+          <p:sp>
+            <p:nvSpPr>
+              <p:cNvPr id="3" name="TextBox 2">
+                <a:extLst>
+                  <a:ext uri="{FF2B5EF4-FFF2-40B4-BE49-F238E27FC236}">
+                    <a16:creationId xmlns:a16="http://schemas.microsoft.com/office/drawing/2014/main" id="{D87499D7-9033-43C1-9767-AA00B9F2F76E}"/>
+                  </a:ext>
+                </a:extLst>
+              </p:cNvPr>
+              <p:cNvSpPr txBox="1"/>
+              <p:nvPr/>
+            </p:nvSpPr>
+            <p:spPr>
+              <a:xfrm>
+                <a:off x="2485927" y="1911866"/>
+                <a:ext cx="1337505" cy="461665"/>
+              </a:xfrm>
+              <a:prstGeom prst="rect">
+                <a:avLst/>
+              </a:prstGeom>
+              <a:noFill/>
+            </p:spPr>
+            <p:txBody>
+              <a:bodyPr wrap="square" rtlCol="0">
+                <a:spAutoFit/>
+              </a:bodyPr>
+              <a:lstStyle/>
+              <a:p>
+                <a14:m>
+                  <m:oMath xmlns:m="http://schemas.openxmlformats.org/officeDocument/2006/math">
+                    <m:r>
+                      <a:rPr lang="en-US" sz="2400" b="0" i="1" smtClean="0">
+                        <a:latin typeface="Cambria Math" panose="02040503050406030204" pitchFamily="18" charset="0"/>
+                      </a:rPr>
+                      <m:t>𝑖</m:t>
+                    </m:r>
+                  </m:oMath>
+                </a14:m>
+                <a:r>
+                  <a:rPr lang="en-US" sz="2400" dirty="0"/>
+                  <a:t> = 1</a:t>
+                </a:r>
+              </a:p>
+            </p:txBody>
+          </p:sp>
+        </mc:Choice>
+        <mc:Fallback xmlns="">
+          <p:sp>
+            <p:nvSpPr>
+              <p:cNvPr id="3" name="TextBox 2">
+                <a:extLst>
+                  <a:ext uri="{FF2B5EF4-FFF2-40B4-BE49-F238E27FC236}">
+                    <a16:creationId xmlns:a16="http://schemas.microsoft.com/office/drawing/2014/main" id="{D87499D7-9033-43C1-9767-AA00B9F2F76E}"/>
+                  </a:ext>
+                </a:extLst>
+              </p:cNvPr>
+              <p:cNvSpPr txBox="1">
+                <a:spLocks noRot="1" noChangeAspect="1" noMove="1" noResize="1" noEditPoints="1" noAdjustHandles="1" noChangeArrowheads="1" noChangeShapeType="1" noTextEdit="1"/>
+              </p:cNvSpPr>
+              <p:nvPr/>
+            </p:nvSpPr>
+            <p:spPr>
+              <a:xfrm>
+                <a:off x="2485927" y="1911866"/>
+                <a:ext cx="1337505" cy="461665"/>
+              </a:xfrm>
+              <a:prstGeom prst="rect">
+                <a:avLst/>
+              </a:prstGeom>
+              <a:blipFill>
+                <a:blip r:embed="rId4"/>
+                <a:stretch>
+                  <a:fillRect l="-1370" t="-10667" b="-30667"/>
+                </a:stretch>
+              </a:blipFill>
+            </p:spPr>
+            <p:txBody>
+              <a:bodyPr/>
+              <a:lstStyle/>
+              <a:p>
+                <a:r>
+                  <a:rPr lang="en-US">
+                    <a:noFill/>
+                  </a:rPr>
+                  <a:t> </a:t>
+                </a:r>
+              </a:p>
+            </p:txBody>
+          </p:sp>
+        </mc:Fallback>
+      </mc:AlternateContent>
+      <mc:AlternateContent xmlns:mc="http://schemas.openxmlformats.org/markup-compatibility/2006" xmlns:a14="http://schemas.microsoft.com/office/drawing/2010/main">
+        <mc:Choice Requires="a14">
+          <p:sp>
+            <p:nvSpPr>
+              <p:cNvPr id="20" name="TextBox 19">
+                <a:extLst>
+                  <a:ext uri="{FF2B5EF4-FFF2-40B4-BE49-F238E27FC236}">
+                    <a16:creationId xmlns:a16="http://schemas.microsoft.com/office/drawing/2014/main" id="{6EE04C5E-B4C7-4812-976A-79C60784016B}"/>
+                  </a:ext>
+                </a:extLst>
+              </p:cNvPr>
+              <p:cNvSpPr txBox="1"/>
+              <p:nvPr/>
+            </p:nvSpPr>
+            <p:spPr>
+              <a:xfrm>
+                <a:off x="7969693" y="1642720"/>
+                <a:ext cx="1337505" cy="461665"/>
+              </a:xfrm>
+              <a:prstGeom prst="rect">
+                <a:avLst/>
+              </a:prstGeom>
+              <a:noFill/>
+            </p:spPr>
+            <p:txBody>
+              <a:bodyPr wrap="square" rtlCol="0">
+                <a:spAutoFit/>
+              </a:bodyPr>
+              <a:lstStyle/>
+              <a:p>
+                <a14:m>
+                  <m:oMath xmlns:m="http://schemas.openxmlformats.org/officeDocument/2006/math">
+                    <m:r>
+                      <a:rPr lang="en-US" sz="2400" b="0" i="1" smtClean="0">
+                        <a:latin typeface="Cambria Math" panose="02040503050406030204" pitchFamily="18" charset="0"/>
+                      </a:rPr>
+                      <m:t>𝑘</m:t>
+                    </m:r>
+                  </m:oMath>
+                </a14:m>
+                <a:r>
+                  <a:rPr lang="en-US" sz="2400" dirty="0"/>
+                  <a:t> = 2</a:t>
+                </a:r>
+              </a:p>
+            </p:txBody>
+          </p:sp>
+        </mc:Choice>
+        <mc:Fallback xmlns="">
+          <p:sp>
+            <p:nvSpPr>
+              <p:cNvPr id="20" name="TextBox 19">
+                <a:extLst>
+                  <a:ext uri="{FF2B5EF4-FFF2-40B4-BE49-F238E27FC236}">
+                    <a16:creationId xmlns:a16="http://schemas.microsoft.com/office/drawing/2014/main" id="{6EE04C5E-B4C7-4812-976A-79C60784016B}"/>
+                  </a:ext>
+                </a:extLst>
+              </p:cNvPr>
+              <p:cNvSpPr txBox="1">
+                <a:spLocks noRot="1" noChangeAspect="1" noMove="1" noResize="1" noEditPoints="1" noAdjustHandles="1" noChangeArrowheads="1" noChangeShapeType="1" noTextEdit="1"/>
+              </p:cNvSpPr>
+              <p:nvPr/>
+            </p:nvSpPr>
+            <p:spPr>
+              <a:xfrm>
+                <a:off x="7969693" y="1642720"/>
+                <a:ext cx="1337505" cy="461665"/>
+              </a:xfrm>
+              <a:prstGeom prst="rect">
+                <a:avLst/>
+              </a:prstGeom>
+              <a:blipFill>
+                <a:blip r:embed="rId5"/>
+                <a:stretch>
+                  <a:fillRect l="-1364" t="-10526" b="-28947"/>
+                </a:stretch>
+              </a:blipFill>
+            </p:spPr>
+            <p:txBody>
+              <a:bodyPr/>
+              <a:lstStyle/>
+              <a:p>
+                <a:r>
+                  <a:rPr lang="en-US">
+                    <a:noFill/>
+                  </a:rPr>
+                  <a:t> </a:t>
+                </a:r>
+              </a:p>
+            </p:txBody>
+          </p:sp>
+        </mc:Fallback>
+      </mc:AlternateContent>
+      <mc:AlternateContent xmlns:mc="http://schemas.openxmlformats.org/markup-compatibility/2006" xmlns:a14="http://schemas.microsoft.com/office/drawing/2010/main">
+        <mc:Choice Requires="a14">
+          <p:sp>
+            <p:nvSpPr>
+              <p:cNvPr id="21" name="TextBox 20">
+                <a:extLst>
+                  <a:ext uri="{FF2B5EF4-FFF2-40B4-BE49-F238E27FC236}">
+                    <a16:creationId xmlns:a16="http://schemas.microsoft.com/office/drawing/2014/main" id="{3224926C-0842-4221-B0A1-73A04ACC07CE}"/>
+                  </a:ext>
+                </a:extLst>
+              </p:cNvPr>
+              <p:cNvSpPr txBox="1"/>
+              <p:nvPr/>
+            </p:nvSpPr>
+            <p:spPr>
+              <a:xfrm>
+                <a:off x="9764626" y="430768"/>
+                <a:ext cx="1337505" cy="400110"/>
+              </a:xfrm>
+              <a:prstGeom prst="rect">
+                <a:avLst/>
+              </a:prstGeom>
+              <a:noFill/>
+            </p:spPr>
+            <p:txBody>
+              <a:bodyPr wrap="square" rtlCol="0">
+                <a:spAutoFit/>
+              </a:bodyPr>
+              <a:lstStyle/>
+              <a:p>
+                <a14:m>
+                  <m:oMath xmlns:m="http://schemas.openxmlformats.org/officeDocument/2006/math">
+                    <m:r>
+                      <a:rPr lang="en-US" sz="2000" b="0" i="1" smtClean="0">
+                        <a:latin typeface="Cambria Math" panose="02040503050406030204" pitchFamily="18" charset="0"/>
+                      </a:rPr>
+                      <m:t>𝐾</m:t>
+                    </m:r>
+                  </m:oMath>
+                </a14:m>
+                <a:r>
+                  <a:rPr lang="en-US" sz="2000" dirty="0"/>
+                  <a:t> = 2</a:t>
+                </a:r>
+              </a:p>
+            </p:txBody>
+          </p:sp>
+        </mc:Choice>
+        <mc:Fallback xmlns="">
+          <p:sp>
+            <p:nvSpPr>
+              <p:cNvPr id="21" name="TextBox 20">
+                <a:extLst>
+                  <a:ext uri="{FF2B5EF4-FFF2-40B4-BE49-F238E27FC236}">
+                    <a16:creationId xmlns:a16="http://schemas.microsoft.com/office/drawing/2014/main" id="{3224926C-0842-4221-B0A1-73A04ACC07CE}"/>
+                  </a:ext>
+                </a:extLst>
+              </p:cNvPr>
+              <p:cNvSpPr txBox="1">
+                <a:spLocks noRot="1" noChangeAspect="1" noMove="1" noResize="1" noEditPoints="1" noAdjustHandles="1" noChangeArrowheads="1" noChangeShapeType="1" noTextEdit="1"/>
+              </p:cNvSpPr>
+              <p:nvPr/>
+            </p:nvSpPr>
+            <p:spPr>
+              <a:xfrm>
+                <a:off x="9764626" y="430768"/>
+                <a:ext cx="1337505" cy="400110"/>
+              </a:xfrm>
+              <a:prstGeom prst="rect">
+                <a:avLst/>
+              </a:prstGeom>
+              <a:blipFill>
+                <a:blip r:embed="rId6"/>
+                <a:stretch>
+                  <a:fillRect t="-9231" b="-27692"/>
+                </a:stretch>
+              </a:blipFill>
+            </p:spPr>
+            <p:txBody>
+              <a:bodyPr/>
+              <a:lstStyle/>
+              <a:p>
+                <a:r>
+                  <a:rPr lang="en-US">
+                    <a:noFill/>
+                  </a:rPr>
+                  <a:t> </a:t>
+                </a:r>
+              </a:p>
+            </p:txBody>
+          </p:sp>
+        </mc:Fallback>
+      </mc:AlternateContent>
+    </p:spTree>
+    <p:extLst>
+      <p:ext uri="{BB962C8B-B14F-4D97-AF65-F5344CB8AC3E}">
+        <p14:creationId xmlns:p14="http://schemas.microsoft.com/office/powerpoint/2010/main" val="4117030005"/>
+      </p:ext>
+    </p:extLst>
+  </p:cSld>
+  <p:clrMapOvr>
+    <a:masterClrMapping/>
+  </p:clrMapOvr>
+</p:sld>
+</file>
+
+<file path=ppt/slides/slide3.xml><?xml version="1.0" encoding="utf-8"?>
+<p:sld xmlns:a="http://schemas.openxmlformats.org/drawingml/2006/main" xmlns:r="http://schemas.openxmlformats.org/officeDocument/2006/relationships" xmlns:p="http://schemas.openxmlformats.org/presentationml/2006/main">
+  <p:cSld>
+    <p:spTree>
+      <p:nvGrpSpPr>
+        <p:cNvPr id="1" name=""/>
+        <p:cNvGrpSpPr/>
+        <p:nvPr/>
+      </p:nvGrpSpPr>
+      <p:grpSpPr>
+        <a:xfrm>
+          <a:off x="0" y="0"/>
+          <a:ext cx="0" cy="0"/>
+          <a:chOff x="0" y="0"/>
+          <a:chExt cx="0" cy="0"/>
+        </a:xfrm>
+      </p:grpSpPr>
+      <p:pic>
+        <p:nvPicPr>
+          <p:cNvPr id="4" name="Picture 3">
+            <a:extLst>
+              <a:ext uri="{FF2B5EF4-FFF2-40B4-BE49-F238E27FC236}">
+                <a16:creationId xmlns:a16="http://schemas.microsoft.com/office/drawing/2014/main" id="{9440ECD0-0D0C-448F-B0DF-439E5DB5FD3E}"/>
+              </a:ext>
+            </a:extLst>
+          </p:cNvPr>
+          <p:cNvPicPr>
+            <a:picLocks noChangeAspect="1"/>
+          </p:cNvPicPr>
+          <p:nvPr/>
+        </p:nvPicPr>
+        <p:blipFill rotWithShape="1">
+          <a:blip r:embed="rId2"/>
+          <a:srcRect l="31452" t="20411" r="29476" b="3633"/>
+          <a:stretch/>
+        </p:blipFill>
+        <p:spPr>
+          <a:xfrm>
+            <a:off x="6548283" y="1336431"/>
+            <a:ext cx="4950757" cy="5410956"/>
+          </a:xfrm>
+          <a:prstGeom prst="rect">
+            <a:avLst/>
+          </a:prstGeom>
+        </p:spPr>
+      </p:pic>
+      <p:sp>
+        <p:nvSpPr>
+          <p:cNvPr id="2" name="Title 1">
+            <a:extLst>
+              <a:ext uri="{FF2B5EF4-FFF2-40B4-BE49-F238E27FC236}">
+                <a16:creationId xmlns:a16="http://schemas.microsoft.com/office/drawing/2014/main" id="{0044DD4C-C4ED-43F6-9447-7A4160CBD6E1}"/>
+              </a:ext>
+            </a:extLst>
+          </p:cNvPr>
+          <p:cNvSpPr>
+            <a:spLocks noGrp="1"/>
+          </p:cNvSpPr>
+          <p:nvPr>
+            <p:ph type="title"/>
+          </p:nvPr>
+        </p:nvSpPr>
+        <p:spPr/>
+        <p:txBody>
+          <a:bodyPr/>
+          <a:lstStyle/>
+          <a:p>
+            <a:r>
+              <a:rPr lang="en-US" dirty="0"/>
+              <a:t>Supervised Vs Unsupervised learning</a:t>
+            </a:r>
+          </a:p>
+        </p:txBody>
+      </p:sp>
+      <p:sp>
+        <p:nvSpPr>
+          <p:cNvPr id="5" name="Rectangle 4">
+            <a:extLst>
+              <a:ext uri="{FF2B5EF4-FFF2-40B4-BE49-F238E27FC236}">
+                <a16:creationId xmlns:a16="http://schemas.microsoft.com/office/drawing/2014/main" id="{6543E227-66DA-4787-B9EC-380EFD9E2C09}"/>
+              </a:ext>
+            </a:extLst>
+          </p:cNvPr>
+          <p:cNvSpPr/>
+          <p:nvPr/>
+        </p:nvSpPr>
+        <p:spPr>
+          <a:xfrm>
+            <a:off x="37331" y="6288570"/>
+            <a:ext cx="4598118" cy="369332"/>
+          </a:xfrm>
+          <a:prstGeom prst="rect">
+            <a:avLst/>
+          </a:prstGeom>
+        </p:spPr>
+        <p:txBody>
+          <a:bodyPr wrap="none">
+            <a:spAutoFit/>
+          </a:bodyPr>
+          <a:lstStyle/>
+          <a:p>
+            <a:r>
+              <a:rPr lang="en-US" dirty="0">
+                <a:hlinkClick r:id="rId3"/>
+              </a:rPr>
+              <a:t>https://www.leouieda.com/talks/tgif2018.html</a:t>
+            </a:r>
+            <a:endParaRPr lang="en-US" dirty="0"/>
+          </a:p>
+        </p:txBody>
+      </p:sp>
+    </p:spTree>
+    <p:extLst>
+      <p:ext uri="{BB962C8B-B14F-4D97-AF65-F5344CB8AC3E}">
+        <p14:creationId xmlns:p14="http://schemas.microsoft.com/office/powerpoint/2010/main" val="1729916953"/>
+      </p:ext>
+    </p:extLst>
+  </p:cSld>
+  <p:clrMapOvr>
+    <a:masterClrMapping/>
+  </p:clrMapOvr>
+</p:sld>
+</file>
+
+<file path=ppt/slides/slide30.xml><?xml version="1.0" encoding="utf-8"?>
+<p:sld xmlns:a="http://schemas.openxmlformats.org/drawingml/2006/main" xmlns:r="http://schemas.openxmlformats.org/officeDocument/2006/relationships" xmlns:p="http://schemas.openxmlformats.org/presentationml/2006/main">
+  <p:cSld>
+    <p:spTree>
+      <p:nvGrpSpPr>
+        <p:cNvPr id="1" name=""/>
+        <p:cNvGrpSpPr/>
+        <p:nvPr/>
+      </p:nvGrpSpPr>
+      <p:grpSpPr>
+        <a:xfrm>
+          <a:off x="0" y="0"/>
+          <a:ext cx="0" cy="0"/>
+          <a:chOff x="0" y="0"/>
+          <a:chExt cx="0" cy="0"/>
+        </a:xfrm>
+      </p:grpSpPr>
+      <p:sp>
+        <p:nvSpPr>
+          <p:cNvPr id="4" name="Rectangle 3">
+            <a:extLst>
+              <a:ext uri="{FF2B5EF4-FFF2-40B4-BE49-F238E27FC236}">
+                <a16:creationId xmlns:a16="http://schemas.microsoft.com/office/drawing/2014/main" id="{83767390-03E7-4586-A347-6DA8A1BFE63A}"/>
+              </a:ext>
+            </a:extLst>
+          </p:cNvPr>
+          <p:cNvSpPr/>
+          <p:nvPr/>
+        </p:nvSpPr>
+        <p:spPr>
+          <a:xfrm>
+            <a:off x="6299200" y="5295786"/>
+            <a:ext cx="2074331" cy="1333614"/>
+          </a:xfrm>
+          <a:prstGeom prst="rect">
+            <a:avLst/>
+          </a:prstGeom>
+        </p:spPr>
+        <p:style>
+          <a:lnRef idx="2">
+            <a:schemeClr val="accent1">
+              <a:shade val="50000"/>
+            </a:schemeClr>
+          </a:lnRef>
+          <a:fillRef idx="1">
+            <a:schemeClr val="accent1"/>
+          </a:fillRef>
+          <a:effectRef idx="0">
+            <a:schemeClr val="accent1"/>
+          </a:effectRef>
+          <a:fontRef idx="minor">
+            <a:schemeClr val="lt1"/>
+          </a:fontRef>
+        </p:style>
+        <p:txBody>
+          <a:bodyPr rtlCol="0" anchor="ctr"/>
+          <a:lstStyle/>
+          <a:p>
+            <a:pPr algn="ctr"/>
+            <a:endParaRPr lang="en-US"/>
+          </a:p>
+        </p:txBody>
+      </p:sp>
+      <p:sp>
+        <p:nvSpPr>
+          <p:cNvPr id="29" name="Freeform 33">
+            <a:extLst>
+              <a:ext uri="{FF2B5EF4-FFF2-40B4-BE49-F238E27FC236}">
+                <a16:creationId xmlns:a16="http://schemas.microsoft.com/office/drawing/2014/main" id="{D7F593E7-C6EC-43E1-8A61-0C405F868A16}"/>
+              </a:ext>
+            </a:extLst>
+          </p:cNvPr>
+          <p:cNvSpPr/>
+          <p:nvPr/>
+        </p:nvSpPr>
+        <p:spPr>
+          <a:xfrm>
+            <a:off x="9244409" y="2127989"/>
+            <a:ext cx="3041870" cy="3093555"/>
+          </a:xfrm>
+          <a:custGeom>
+            <a:avLst/>
+            <a:gdLst>
+              <a:gd name="connsiteX0" fmla="*/ 374078 w 1752262"/>
+              <a:gd name="connsiteY0" fmla="*/ 167374 h 1782035"/>
+              <a:gd name="connsiteX1" fmla="*/ 713702 w 1752262"/>
+              <a:gd name="connsiteY1" fmla="*/ 4923 h 1782035"/>
+              <a:gd name="connsiteX2" fmla="*/ 1481547 w 1752262"/>
+              <a:gd name="connsiteY2" fmla="*/ 196910 h 1782035"/>
+              <a:gd name="connsiteX3" fmla="*/ 1717807 w 1752262"/>
+              <a:gd name="connsiteY3" fmla="*/ 935322 h 1782035"/>
+              <a:gd name="connsiteX4" fmla="*/ 1274819 w 1752262"/>
+              <a:gd name="connsiteY4" fmla="*/ 1718039 h 1782035"/>
+              <a:gd name="connsiteX5" fmla="*/ 344545 w 1752262"/>
+              <a:gd name="connsiteY5" fmla="*/ 1319296 h 1782035"/>
+              <a:gd name="connsiteX6" fmla="*/ 4922 w 1752262"/>
+              <a:gd name="connsiteY6" fmla="*/ 684262 h 1782035"/>
+              <a:gd name="connsiteX7" fmla="*/ 374078 w 1752262"/>
+              <a:gd name="connsiteY7" fmla="*/ 167374 h 1782035"/>
+            </a:gdLst>
+            <a:ahLst/>
+            <a:cxnLst>
+              <a:cxn ang="0">
+                <a:pos x="connsiteX0" y="connsiteY0"/>
+              </a:cxn>
+              <a:cxn ang="0">
+                <a:pos x="connsiteX1" y="connsiteY1"/>
+              </a:cxn>
+              <a:cxn ang="0">
+                <a:pos x="connsiteX2" y="connsiteY2"/>
+              </a:cxn>
+              <a:cxn ang="0">
+                <a:pos x="connsiteX3" y="connsiteY3"/>
+              </a:cxn>
+              <a:cxn ang="0">
+                <a:pos x="connsiteX4" y="connsiteY4"/>
+              </a:cxn>
+              <a:cxn ang="0">
+                <a:pos x="connsiteX5" y="connsiteY5"/>
+              </a:cxn>
+              <a:cxn ang="0">
+                <a:pos x="connsiteX6" y="connsiteY6"/>
+              </a:cxn>
+              <a:cxn ang="0">
+                <a:pos x="connsiteX7" y="connsiteY7"/>
+              </a:cxn>
+            </a:cxnLst>
+            <a:rect l="l" t="t" r="r" b="b"/>
+            <a:pathLst>
+              <a:path w="1752262" h="1782035">
+                <a:moveTo>
+                  <a:pt x="374078" y="167374"/>
+                </a:moveTo>
+                <a:cubicBezTo>
+                  <a:pt x="492208" y="54151"/>
+                  <a:pt x="529124" y="0"/>
+                  <a:pt x="713702" y="4923"/>
+                </a:cubicBezTo>
+                <a:cubicBezTo>
+                  <a:pt x="898280" y="9846"/>
+                  <a:pt x="1314196" y="41844"/>
+                  <a:pt x="1481547" y="196910"/>
+                </a:cubicBezTo>
+                <a:cubicBezTo>
+                  <a:pt x="1648898" y="351976"/>
+                  <a:pt x="1752262" y="681801"/>
+                  <a:pt x="1717807" y="935322"/>
+                </a:cubicBezTo>
+                <a:cubicBezTo>
+                  <a:pt x="1683352" y="1188844"/>
+                  <a:pt x="1503696" y="1654043"/>
+                  <a:pt x="1274819" y="1718039"/>
+                </a:cubicBezTo>
+                <a:cubicBezTo>
+                  <a:pt x="1045942" y="1782035"/>
+                  <a:pt x="556194" y="1491592"/>
+                  <a:pt x="344545" y="1319296"/>
+                </a:cubicBezTo>
+                <a:cubicBezTo>
+                  <a:pt x="132896" y="1147000"/>
+                  <a:pt x="0" y="873788"/>
+                  <a:pt x="4922" y="684262"/>
+                </a:cubicBezTo>
+                <a:cubicBezTo>
+                  <a:pt x="9844" y="494736"/>
+                  <a:pt x="255948" y="280597"/>
+                  <a:pt x="374078" y="167374"/>
+                </a:cubicBezTo>
+                <a:close/>
+              </a:path>
+            </a:pathLst>
+          </a:custGeom>
+          <a:solidFill>
+            <a:srgbClr val="92D050"/>
+          </a:solidFill>
+          <a:ln>
+            <a:solidFill>
+              <a:srgbClr val="FF0000"/>
+            </a:solidFill>
+          </a:ln>
+        </p:spPr>
+        <p:style>
+          <a:lnRef idx="1">
+            <a:schemeClr val="accent1"/>
+          </a:lnRef>
+          <a:fillRef idx="3">
+            <a:schemeClr val="accent1"/>
+          </a:fillRef>
+          <a:effectRef idx="2">
+            <a:schemeClr val="accent1"/>
+          </a:effectRef>
+          <a:fontRef idx="minor">
+            <a:schemeClr val="lt1"/>
+          </a:fontRef>
+        </p:style>
+        <p:txBody>
+          <a:bodyPr rtlCol="0" anchor="ctr"/>
+          <a:lstStyle/>
+          <a:p>
+            <a:pPr algn="ctr"/>
+            <a:endParaRPr lang="en-US"/>
+          </a:p>
+        </p:txBody>
+      </p:sp>
+      <p:sp>
+        <p:nvSpPr>
+          <p:cNvPr id="2" name="Title 1"/>
+          <p:cNvSpPr>
+            <a:spLocks noGrp="1"/>
+          </p:cNvSpPr>
+          <p:nvPr>
+            <p:ph type="title"/>
+          </p:nvPr>
+        </p:nvSpPr>
+        <p:spPr>
+          <a:xfrm>
+            <a:off x="2209800" y="228600"/>
+            <a:ext cx="7772400" cy="1143000"/>
+          </a:xfrm>
+        </p:spPr>
+        <p:txBody>
+          <a:bodyPr/>
+          <a:lstStyle/>
+          <a:p>
+            <a:r>
+              <a:rPr lang="en-US" dirty="0"/>
+              <a:t>Separation (inter-cluster)</a:t>
+            </a:r>
+          </a:p>
+        </p:txBody>
+      </p:sp>
+      <p:sp>
+        <p:nvSpPr>
+          <p:cNvPr id="6" name="Oval 5"/>
+          <p:cNvSpPr/>
+          <p:nvPr/>
+        </p:nvSpPr>
+        <p:spPr>
+          <a:xfrm>
+            <a:off x="413721" y="3277925"/>
+            <a:ext cx="158737" cy="158737"/>
+          </a:xfrm>
+          <a:prstGeom prst="ellipse">
+            <a:avLst/>
+          </a:prstGeom>
+          <a:solidFill>
+            <a:schemeClr val="tx1"/>
+          </a:solidFill>
+          <a:ln>
+            <a:solidFill>
+              <a:schemeClr val="tx1"/>
+            </a:solidFill>
+          </a:ln>
+        </p:spPr>
+        <p:style>
+          <a:lnRef idx="1">
+            <a:schemeClr val="accent1"/>
+          </a:lnRef>
+          <a:fillRef idx="3">
+            <a:schemeClr val="accent1"/>
+          </a:fillRef>
+          <a:effectRef idx="2">
+            <a:schemeClr val="accent1"/>
+          </a:effectRef>
+          <a:fontRef idx="minor">
+            <a:schemeClr val="lt1"/>
+          </a:fontRef>
+        </p:style>
+        <p:txBody>
+          <a:bodyPr rtlCol="0" anchor="ctr"/>
+          <a:lstStyle/>
+          <a:p>
+            <a:pPr algn="ctr"/>
+            <a:endParaRPr lang="en-US"/>
+          </a:p>
+        </p:txBody>
+      </p:sp>
+      <p:sp>
+        <p:nvSpPr>
+          <p:cNvPr id="7" name="Oval 6"/>
+          <p:cNvSpPr/>
+          <p:nvPr/>
+        </p:nvSpPr>
+        <p:spPr>
+          <a:xfrm>
+            <a:off x="1339687" y="3674767"/>
+            <a:ext cx="158737" cy="158737"/>
+          </a:xfrm>
+          <a:prstGeom prst="ellipse">
+            <a:avLst/>
+          </a:prstGeom>
+          <a:solidFill>
+            <a:srgbClr val="0000FF"/>
+          </a:solidFill>
+          <a:ln>
+            <a:solidFill>
+              <a:srgbClr val="0000FF"/>
+            </a:solidFill>
+          </a:ln>
+        </p:spPr>
+        <p:style>
+          <a:lnRef idx="1">
+            <a:schemeClr val="accent1"/>
+          </a:lnRef>
+          <a:fillRef idx="3">
+            <a:schemeClr val="accent1"/>
+          </a:fillRef>
+          <a:effectRef idx="2">
+            <a:schemeClr val="accent1"/>
+          </a:effectRef>
+          <a:fontRef idx="minor">
+            <a:schemeClr val="lt1"/>
+          </a:fontRef>
+        </p:style>
+        <p:txBody>
+          <a:bodyPr rtlCol="0" anchor="ctr"/>
+          <a:lstStyle/>
+          <a:p>
+            <a:pPr algn="ctr"/>
+            <a:endParaRPr lang="en-US"/>
+          </a:p>
+        </p:txBody>
+      </p:sp>
+      <p:sp>
+        <p:nvSpPr>
+          <p:cNvPr id="8" name="Oval 7"/>
+          <p:cNvSpPr/>
+          <p:nvPr/>
+        </p:nvSpPr>
+        <p:spPr>
+          <a:xfrm>
+            <a:off x="2397932" y="3145644"/>
+            <a:ext cx="158737" cy="158737"/>
+          </a:xfrm>
+          <a:prstGeom prst="ellipse">
+            <a:avLst/>
+          </a:prstGeom>
+          <a:solidFill>
+            <a:schemeClr val="tx1"/>
+          </a:solidFill>
+          <a:ln>
+            <a:solidFill>
+              <a:schemeClr val="tx1"/>
+            </a:solidFill>
+          </a:ln>
+        </p:spPr>
+        <p:style>
+          <a:lnRef idx="1">
+            <a:schemeClr val="accent1"/>
+          </a:lnRef>
+          <a:fillRef idx="3">
+            <a:schemeClr val="accent1"/>
+          </a:fillRef>
+          <a:effectRef idx="2">
+            <a:schemeClr val="accent1"/>
+          </a:effectRef>
+          <a:fontRef idx="minor">
+            <a:schemeClr val="lt1"/>
+          </a:fontRef>
+        </p:style>
+        <p:txBody>
+          <a:bodyPr rtlCol="0" anchor="ctr"/>
+          <a:lstStyle/>
+          <a:p>
+            <a:pPr algn="ctr"/>
+            <a:endParaRPr lang="en-US"/>
+          </a:p>
+        </p:txBody>
+      </p:sp>
+      <p:sp>
+        <p:nvSpPr>
+          <p:cNvPr id="9" name="Oval 8"/>
+          <p:cNvSpPr/>
+          <p:nvPr/>
+        </p:nvSpPr>
+        <p:spPr>
+          <a:xfrm>
+            <a:off x="678283" y="4309715"/>
+            <a:ext cx="158737" cy="158737"/>
+          </a:xfrm>
+          <a:prstGeom prst="ellipse">
+            <a:avLst/>
+          </a:prstGeom>
+          <a:solidFill>
+            <a:schemeClr val="tx1"/>
+          </a:solidFill>
+          <a:ln>
+            <a:solidFill>
+              <a:schemeClr val="tx1"/>
+            </a:solidFill>
+          </a:ln>
+        </p:spPr>
+        <p:style>
+          <a:lnRef idx="1">
+            <a:schemeClr val="accent1"/>
+          </a:lnRef>
+          <a:fillRef idx="3">
+            <a:schemeClr val="accent1"/>
+          </a:fillRef>
+          <a:effectRef idx="2">
+            <a:schemeClr val="accent1"/>
+          </a:effectRef>
+          <a:fontRef idx="minor">
+            <a:schemeClr val="lt1"/>
+          </a:fontRef>
+        </p:style>
+        <p:txBody>
+          <a:bodyPr rtlCol="0" anchor="ctr"/>
+          <a:lstStyle/>
+          <a:p>
+            <a:pPr algn="ctr"/>
+            <a:endParaRPr lang="en-US"/>
+          </a:p>
+        </p:txBody>
+      </p:sp>
+      <p:sp>
+        <p:nvSpPr>
+          <p:cNvPr id="13" name="Freeform 12"/>
+          <p:cNvSpPr/>
+          <p:nvPr/>
+        </p:nvSpPr>
+        <p:spPr>
+          <a:xfrm>
+            <a:off x="-311500" y="2484242"/>
+            <a:ext cx="3370836" cy="2811544"/>
+          </a:xfrm>
+          <a:custGeom>
+            <a:avLst/>
+            <a:gdLst>
+              <a:gd name="connsiteX0" fmla="*/ 172273 w 1941762"/>
+              <a:gd name="connsiteY0" fmla="*/ 369206 h 1619583"/>
+              <a:gd name="connsiteX1" fmla="*/ 881053 w 1941762"/>
+              <a:gd name="connsiteY1" fmla="*/ 44305 h 1619583"/>
+              <a:gd name="connsiteX2" fmla="*/ 1663665 w 1941762"/>
+              <a:gd name="connsiteY2" fmla="*/ 103378 h 1619583"/>
+              <a:gd name="connsiteX3" fmla="*/ 1929457 w 1941762"/>
+              <a:gd name="connsiteY3" fmla="*/ 605498 h 1619583"/>
+              <a:gd name="connsiteX4" fmla="*/ 1737496 w 1941762"/>
+              <a:gd name="connsiteY4" fmla="*/ 1196227 h 1619583"/>
+              <a:gd name="connsiteX5" fmla="*/ 1220677 w 1941762"/>
+              <a:gd name="connsiteY5" fmla="*/ 1521129 h 1619583"/>
+              <a:gd name="connsiteX6" fmla="*/ 615261 w 1941762"/>
+              <a:gd name="connsiteY6" fmla="*/ 1565433 h 1619583"/>
+              <a:gd name="connsiteX7" fmla="*/ 98442 w 1941762"/>
+              <a:gd name="connsiteY7" fmla="*/ 1196227 h 1619583"/>
+              <a:gd name="connsiteX8" fmla="*/ 24611 w 1941762"/>
+              <a:gd name="connsiteY8" fmla="*/ 767949 h 1619583"/>
+              <a:gd name="connsiteX9" fmla="*/ 172273 w 1941762"/>
+              <a:gd name="connsiteY9" fmla="*/ 369206 h 1619583"/>
+            </a:gdLst>
+            <a:ahLst/>
+            <a:cxnLst>
+              <a:cxn ang="0">
+                <a:pos x="connsiteX0" y="connsiteY0"/>
+              </a:cxn>
+              <a:cxn ang="0">
+                <a:pos x="connsiteX1" y="connsiteY1"/>
+              </a:cxn>
+              <a:cxn ang="0">
+                <a:pos x="connsiteX2" y="connsiteY2"/>
+              </a:cxn>
+              <a:cxn ang="0">
+                <a:pos x="connsiteX3" y="connsiteY3"/>
+              </a:cxn>
+              <a:cxn ang="0">
+                <a:pos x="connsiteX4" y="connsiteY4"/>
+              </a:cxn>
+              <a:cxn ang="0">
+                <a:pos x="connsiteX5" y="connsiteY5"/>
+              </a:cxn>
+              <a:cxn ang="0">
+                <a:pos x="connsiteX6" y="connsiteY6"/>
+              </a:cxn>
+              <a:cxn ang="0">
+                <a:pos x="connsiteX7" y="connsiteY7"/>
+              </a:cxn>
+              <a:cxn ang="0">
+                <a:pos x="connsiteX8" y="connsiteY8"/>
+              </a:cxn>
+              <a:cxn ang="0">
+                <a:pos x="connsiteX9" y="connsiteY9"/>
+              </a:cxn>
+            </a:cxnLst>
+            <a:rect l="l" t="t" r="r" b="b"/>
+            <a:pathLst>
+              <a:path w="1941762" h="1619583">
+                <a:moveTo>
+                  <a:pt x="172273" y="369206"/>
+                </a:moveTo>
+                <a:cubicBezTo>
+                  <a:pt x="315013" y="248599"/>
+                  <a:pt x="632488" y="88610"/>
+                  <a:pt x="881053" y="44305"/>
+                </a:cubicBezTo>
+                <a:cubicBezTo>
+                  <a:pt x="1129618" y="0"/>
+                  <a:pt x="1488931" y="9846"/>
+                  <a:pt x="1663665" y="103378"/>
+                </a:cubicBezTo>
+                <a:cubicBezTo>
+                  <a:pt x="1838399" y="196910"/>
+                  <a:pt x="1917152" y="423356"/>
+                  <a:pt x="1929457" y="605498"/>
+                </a:cubicBezTo>
+                <a:cubicBezTo>
+                  <a:pt x="1941762" y="787640"/>
+                  <a:pt x="1855626" y="1043622"/>
+                  <a:pt x="1737496" y="1196227"/>
+                </a:cubicBezTo>
+                <a:cubicBezTo>
+                  <a:pt x="1619366" y="1348832"/>
+                  <a:pt x="1407716" y="1459595"/>
+                  <a:pt x="1220677" y="1521129"/>
+                </a:cubicBezTo>
+                <a:cubicBezTo>
+                  <a:pt x="1033638" y="1582663"/>
+                  <a:pt x="802300" y="1619583"/>
+                  <a:pt x="615261" y="1565433"/>
+                </a:cubicBezTo>
+                <a:cubicBezTo>
+                  <a:pt x="428222" y="1511283"/>
+                  <a:pt x="196884" y="1329141"/>
+                  <a:pt x="98442" y="1196227"/>
+                </a:cubicBezTo>
+                <a:cubicBezTo>
+                  <a:pt x="0" y="1063313"/>
+                  <a:pt x="9845" y="903324"/>
+                  <a:pt x="24611" y="767949"/>
+                </a:cubicBezTo>
+                <a:cubicBezTo>
+                  <a:pt x="39377" y="632574"/>
+                  <a:pt x="29533" y="489813"/>
+                  <a:pt x="172273" y="369206"/>
+                </a:cubicBezTo>
+                <a:close/>
+              </a:path>
+            </a:pathLst>
+          </a:custGeom>
+          <a:solidFill>
+            <a:srgbClr val="3366FF">
+              <a:alpha val="25000"/>
+            </a:srgbClr>
+          </a:solidFill>
+          <a:ln>
+            <a:solidFill>
+              <a:srgbClr val="3366FF"/>
+            </a:solidFill>
+          </a:ln>
+        </p:spPr>
+        <p:style>
+          <a:lnRef idx="1">
+            <a:schemeClr val="accent1"/>
+          </a:lnRef>
+          <a:fillRef idx="3">
+            <a:schemeClr val="accent1"/>
+          </a:fillRef>
+          <a:effectRef idx="2">
+            <a:schemeClr val="accent1"/>
+          </a:effectRef>
+          <a:fontRef idx="minor">
+            <a:schemeClr val="lt1"/>
+          </a:fontRef>
+        </p:style>
+        <p:txBody>
+          <a:bodyPr rtlCol="0" anchor="ctr"/>
+          <a:lstStyle/>
+          <a:p>
+            <a:pPr algn="ctr"/>
+            <a:endParaRPr lang="en-US"/>
+          </a:p>
+        </p:txBody>
+      </p:sp>
+      <p:sp>
+        <p:nvSpPr>
+          <p:cNvPr id="14" name="Oval 13"/>
+          <p:cNvSpPr/>
+          <p:nvPr/>
+        </p:nvSpPr>
+        <p:spPr>
+          <a:xfrm>
+            <a:off x="6472179" y="2914731"/>
+            <a:ext cx="158737" cy="158737"/>
+          </a:xfrm>
+          <a:prstGeom prst="ellipse">
+            <a:avLst/>
+          </a:prstGeom>
+          <a:solidFill>
+            <a:schemeClr val="tx1"/>
+          </a:solidFill>
+          <a:ln>
+            <a:solidFill>
+              <a:schemeClr val="tx1"/>
+            </a:solidFill>
+          </a:ln>
+        </p:spPr>
+        <p:style>
+          <a:lnRef idx="1">
+            <a:schemeClr val="accent1"/>
+          </a:lnRef>
+          <a:fillRef idx="3">
+            <a:schemeClr val="accent1"/>
+          </a:fillRef>
+          <a:effectRef idx="2">
+            <a:schemeClr val="accent1"/>
+          </a:effectRef>
+          <a:fontRef idx="minor">
+            <a:schemeClr val="lt1"/>
+          </a:fontRef>
+        </p:style>
+        <p:txBody>
+          <a:bodyPr rtlCol="0" anchor="ctr"/>
+          <a:lstStyle/>
+          <a:p>
+            <a:pPr algn="ctr"/>
+            <a:endParaRPr lang="en-US"/>
+          </a:p>
+        </p:txBody>
+      </p:sp>
+      <p:sp>
+        <p:nvSpPr>
+          <p:cNvPr id="15" name="Oval 14"/>
+          <p:cNvSpPr/>
+          <p:nvPr/>
+        </p:nvSpPr>
+        <p:spPr>
+          <a:xfrm>
+            <a:off x="7001302" y="3840696"/>
+            <a:ext cx="158737" cy="158737"/>
+          </a:xfrm>
+          <a:prstGeom prst="ellipse">
+            <a:avLst/>
+          </a:prstGeom>
+          <a:solidFill>
+            <a:srgbClr val="FF0000"/>
+          </a:solidFill>
+          <a:ln>
+            <a:solidFill>
+              <a:srgbClr val="FF0000"/>
+            </a:solidFill>
+          </a:ln>
+        </p:spPr>
+        <p:style>
+          <a:lnRef idx="1">
+            <a:schemeClr val="accent1"/>
+          </a:lnRef>
+          <a:fillRef idx="3">
+            <a:schemeClr val="accent1"/>
+          </a:fillRef>
+          <a:effectRef idx="2">
+            <a:schemeClr val="accent1"/>
+          </a:effectRef>
+          <a:fontRef idx="minor">
+            <a:schemeClr val="lt1"/>
+          </a:fontRef>
+        </p:style>
+        <p:txBody>
+          <a:bodyPr rtlCol="0" anchor="ctr"/>
+          <a:lstStyle/>
+          <a:p>
+            <a:pPr algn="ctr"/>
+            <a:endParaRPr lang="en-US"/>
+          </a:p>
+        </p:txBody>
+      </p:sp>
+      <p:sp>
+        <p:nvSpPr>
+          <p:cNvPr id="16" name="Oval 15"/>
+          <p:cNvSpPr/>
+          <p:nvPr/>
+        </p:nvSpPr>
+        <p:spPr>
+          <a:xfrm>
+            <a:off x="7424601" y="3311573"/>
+            <a:ext cx="158737" cy="158737"/>
+          </a:xfrm>
+          <a:prstGeom prst="ellipse">
+            <a:avLst/>
+          </a:prstGeom>
+          <a:solidFill>
+            <a:schemeClr val="tx1"/>
+          </a:solidFill>
+          <a:ln>
+            <a:solidFill>
+              <a:schemeClr val="tx1"/>
+            </a:solidFill>
+          </a:ln>
+        </p:spPr>
+        <p:style>
+          <a:lnRef idx="1">
+            <a:schemeClr val="accent1"/>
+          </a:lnRef>
+          <a:fillRef idx="3">
+            <a:schemeClr val="accent1"/>
+          </a:fillRef>
+          <a:effectRef idx="2">
+            <a:schemeClr val="accent1"/>
+          </a:effectRef>
+          <a:fontRef idx="minor">
+            <a:schemeClr val="lt1"/>
+          </a:fontRef>
+        </p:style>
+        <p:txBody>
+          <a:bodyPr rtlCol="0" anchor="ctr"/>
+          <a:lstStyle/>
+          <a:p>
+            <a:pPr algn="ctr"/>
+            <a:endParaRPr lang="en-US"/>
+          </a:p>
+        </p:txBody>
+      </p:sp>
+      <p:cxnSp>
+        <p:nvCxnSpPr>
+          <p:cNvPr id="26" name="Straight Connector 25"/>
+          <p:cNvCxnSpPr/>
+          <p:nvPr/>
+        </p:nvCxnSpPr>
+        <p:spPr>
+          <a:xfrm rot="10800000" flipV="1">
+            <a:off x="1339687" y="3047012"/>
+            <a:ext cx="5158949" cy="793684"/>
+          </a:xfrm>
+          <a:prstGeom prst="line">
+            <a:avLst/>
+          </a:prstGeom>
+          <a:ln>
+            <a:solidFill>
+              <a:srgbClr val="FFFF00"/>
+            </a:solidFill>
+          </a:ln>
+        </p:spPr>
+        <p:style>
+          <a:lnRef idx="2">
+            <a:schemeClr val="accent1"/>
+          </a:lnRef>
+          <a:fillRef idx="0">
+            <a:schemeClr val="accent1"/>
+          </a:fillRef>
+          <a:effectRef idx="1">
+            <a:schemeClr val="accent1"/>
+          </a:effectRef>
+          <a:fontRef idx="minor">
+            <a:schemeClr val="tx1"/>
+          </a:fontRef>
+        </p:style>
+      </p:cxnSp>
+      <p:cxnSp>
+        <p:nvCxnSpPr>
+          <p:cNvPr id="28" name="Straight Connector 27"/>
+          <p:cNvCxnSpPr/>
+          <p:nvPr/>
+        </p:nvCxnSpPr>
+        <p:spPr>
+          <a:xfrm rot="10800000" flipV="1">
+            <a:off x="1339687" y="3443854"/>
+            <a:ext cx="6217195" cy="396842"/>
+          </a:xfrm>
+          <a:prstGeom prst="line">
+            <a:avLst/>
+          </a:prstGeom>
+          <a:ln>
+            <a:solidFill>
+              <a:srgbClr val="FFFF00"/>
+            </a:solidFill>
+          </a:ln>
+        </p:spPr>
+        <p:style>
+          <a:lnRef idx="2">
+            <a:schemeClr val="accent1"/>
+          </a:lnRef>
+          <a:fillRef idx="0">
+            <a:schemeClr val="accent1"/>
+          </a:fillRef>
+          <a:effectRef idx="1">
+            <a:schemeClr val="accent1"/>
+          </a:effectRef>
+          <a:fontRef idx="minor">
+            <a:schemeClr val="tx1"/>
+          </a:fontRef>
+        </p:style>
+      </p:cxnSp>
+      <p:cxnSp>
+        <p:nvCxnSpPr>
+          <p:cNvPr id="30" name="Straight Connector 29"/>
+          <p:cNvCxnSpPr/>
+          <p:nvPr/>
+        </p:nvCxnSpPr>
+        <p:spPr>
+          <a:xfrm rot="10800000">
+            <a:off x="1339687" y="3840696"/>
+            <a:ext cx="5688072" cy="132281"/>
+          </a:xfrm>
+          <a:prstGeom prst="line">
+            <a:avLst/>
+          </a:prstGeom>
+          <a:ln>
+            <a:solidFill>
+              <a:srgbClr val="FFFF00"/>
+            </a:solidFill>
+          </a:ln>
+        </p:spPr>
+        <p:style>
+          <a:lnRef idx="2">
+            <a:schemeClr val="accent1"/>
+          </a:lnRef>
+          <a:fillRef idx="0">
+            <a:schemeClr val="accent1"/>
+          </a:fillRef>
+          <a:effectRef idx="1">
+            <a:schemeClr val="accent1"/>
+          </a:effectRef>
+          <a:fontRef idx="minor">
+            <a:schemeClr val="tx1"/>
+          </a:fontRef>
+        </p:style>
+      </p:cxnSp>
+      <p:sp>
+        <p:nvSpPr>
+          <p:cNvPr id="34" name="Freeform 33"/>
+          <p:cNvSpPr/>
+          <p:nvPr/>
+        </p:nvSpPr>
+        <p:spPr>
+          <a:xfrm>
+            <a:off x="5331661" y="2060515"/>
+            <a:ext cx="3041870" cy="3093555"/>
+          </a:xfrm>
+          <a:custGeom>
+            <a:avLst/>
+            <a:gdLst>
+              <a:gd name="connsiteX0" fmla="*/ 374078 w 1752262"/>
+              <a:gd name="connsiteY0" fmla="*/ 167374 h 1782035"/>
+              <a:gd name="connsiteX1" fmla="*/ 713702 w 1752262"/>
+              <a:gd name="connsiteY1" fmla="*/ 4923 h 1782035"/>
+              <a:gd name="connsiteX2" fmla="*/ 1481547 w 1752262"/>
+              <a:gd name="connsiteY2" fmla="*/ 196910 h 1782035"/>
+              <a:gd name="connsiteX3" fmla="*/ 1717807 w 1752262"/>
+              <a:gd name="connsiteY3" fmla="*/ 935322 h 1782035"/>
+              <a:gd name="connsiteX4" fmla="*/ 1274819 w 1752262"/>
+              <a:gd name="connsiteY4" fmla="*/ 1718039 h 1782035"/>
+              <a:gd name="connsiteX5" fmla="*/ 344545 w 1752262"/>
+              <a:gd name="connsiteY5" fmla="*/ 1319296 h 1782035"/>
+              <a:gd name="connsiteX6" fmla="*/ 4922 w 1752262"/>
+              <a:gd name="connsiteY6" fmla="*/ 684262 h 1782035"/>
+              <a:gd name="connsiteX7" fmla="*/ 374078 w 1752262"/>
+              <a:gd name="connsiteY7" fmla="*/ 167374 h 1782035"/>
+            </a:gdLst>
+            <a:ahLst/>
+            <a:cxnLst>
+              <a:cxn ang="0">
+                <a:pos x="connsiteX0" y="connsiteY0"/>
+              </a:cxn>
+              <a:cxn ang="0">
+                <a:pos x="connsiteX1" y="connsiteY1"/>
+              </a:cxn>
+              <a:cxn ang="0">
+                <a:pos x="connsiteX2" y="connsiteY2"/>
+              </a:cxn>
+              <a:cxn ang="0">
+                <a:pos x="connsiteX3" y="connsiteY3"/>
+              </a:cxn>
+              <a:cxn ang="0">
+                <a:pos x="connsiteX4" y="connsiteY4"/>
+              </a:cxn>
+              <a:cxn ang="0">
+                <a:pos x="connsiteX5" y="connsiteY5"/>
+              </a:cxn>
+              <a:cxn ang="0">
+                <a:pos x="connsiteX6" y="connsiteY6"/>
+              </a:cxn>
+              <a:cxn ang="0">
+                <a:pos x="connsiteX7" y="connsiteY7"/>
+              </a:cxn>
+            </a:cxnLst>
+            <a:rect l="l" t="t" r="r" b="b"/>
+            <a:pathLst>
+              <a:path w="1752262" h="1782035">
+                <a:moveTo>
+                  <a:pt x="374078" y="167374"/>
+                </a:moveTo>
+                <a:cubicBezTo>
+                  <a:pt x="492208" y="54151"/>
+                  <a:pt x="529124" y="0"/>
+                  <a:pt x="713702" y="4923"/>
+                </a:cubicBezTo>
+                <a:cubicBezTo>
+                  <a:pt x="898280" y="9846"/>
+                  <a:pt x="1314196" y="41844"/>
+                  <a:pt x="1481547" y="196910"/>
+                </a:cubicBezTo>
+                <a:cubicBezTo>
+                  <a:pt x="1648898" y="351976"/>
+                  <a:pt x="1752262" y="681801"/>
+                  <a:pt x="1717807" y="935322"/>
+                </a:cubicBezTo>
+                <a:cubicBezTo>
+                  <a:pt x="1683352" y="1188844"/>
+                  <a:pt x="1503696" y="1654043"/>
+                  <a:pt x="1274819" y="1718039"/>
+                </a:cubicBezTo>
+                <a:cubicBezTo>
+                  <a:pt x="1045942" y="1782035"/>
+                  <a:pt x="556194" y="1491592"/>
+                  <a:pt x="344545" y="1319296"/>
+                </a:cubicBezTo>
+                <a:cubicBezTo>
+                  <a:pt x="132896" y="1147000"/>
+                  <a:pt x="0" y="873788"/>
+                  <a:pt x="4922" y="684262"/>
+                </a:cubicBezTo>
+                <a:cubicBezTo>
+                  <a:pt x="9844" y="494736"/>
+                  <a:pt x="255948" y="280597"/>
+                  <a:pt x="374078" y="167374"/>
+                </a:cubicBezTo>
+                <a:close/>
+              </a:path>
+            </a:pathLst>
+          </a:custGeom>
+          <a:solidFill>
+            <a:srgbClr val="FF0000">
+              <a:alpha val="30000"/>
+            </a:srgbClr>
+          </a:solidFill>
+          <a:ln>
+            <a:solidFill>
+              <a:srgbClr val="FF0000"/>
+            </a:solidFill>
+          </a:ln>
+        </p:spPr>
+        <p:style>
+          <a:lnRef idx="1">
+            <a:schemeClr val="accent1"/>
+          </a:lnRef>
+          <a:fillRef idx="3">
+            <a:schemeClr val="accent1"/>
+          </a:fillRef>
+          <a:effectRef idx="2">
+            <a:schemeClr val="accent1"/>
+          </a:effectRef>
+          <a:fontRef idx="minor">
+            <a:schemeClr val="lt1"/>
+          </a:fontRef>
+        </p:style>
+        <p:txBody>
+          <a:bodyPr rtlCol="0" anchor="ctr"/>
+          <a:lstStyle/>
+          <a:p>
+            <a:pPr algn="ctr"/>
+            <a:endParaRPr lang="en-US"/>
+          </a:p>
+        </p:txBody>
+      </p:sp>
+      <p:cxnSp>
+        <p:nvCxnSpPr>
+          <p:cNvPr id="36" name="Straight Connector 35"/>
+          <p:cNvCxnSpPr/>
+          <p:nvPr/>
+        </p:nvCxnSpPr>
+        <p:spPr>
+          <a:xfrm>
+            <a:off x="2530213" y="3179292"/>
+            <a:ext cx="4497545" cy="793684"/>
+          </a:xfrm>
+          <a:prstGeom prst="line">
+            <a:avLst/>
+          </a:prstGeom>
+        </p:spPr>
+        <p:style>
+          <a:lnRef idx="2">
+            <a:schemeClr val="accent1"/>
+          </a:lnRef>
+          <a:fillRef idx="0">
+            <a:schemeClr val="accent1"/>
+          </a:fillRef>
+          <a:effectRef idx="1">
+            <a:schemeClr val="accent1"/>
+          </a:effectRef>
+          <a:fontRef idx="minor">
+            <a:schemeClr val="tx1"/>
+          </a:fontRef>
+        </p:style>
+      </p:cxnSp>
+      <p:cxnSp>
+        <p:nvCxnSpPr>
+          <p:cNvPr id="40" name="Straight Connector 39"/>
+          <p:cNvCxnSpPr/>
+          <p:nvPr/>
+        </p:nvCxnSpPr>
+        <p:spPr>
+          <a:xfrm>
+            <a:off x="413721" y="3311573"/>
+            <a:ext cx="6746318" cy="661404"/>
+          </a:xfrm>
+          <a:prstGeom prst="line">
+            <a:avLst/>
+          </a:prstGeom>
+        </p:spPr>
+        <p:style>
+          <a:lnRef idx="2">
+            <a:schemeClr val="accent1"/>
+          </a:lnRef>
+          <a:fillRef idx="0">
+            <a:schemeClr val="accent1"/>
+          </a:fillRef>
+          <a:effectRef idx="1">
+            <a:schemeClr val="accent1"/>
+          </a:effectRef>
+          <a:fontRef idx="minor">
+            <a:schemeClr val="tx1"/>
+          </a:fontRef>
+        </p:style>
+      </p:cxnSp>
+      <p:cxnSp>
+        <p:nvCxnSpPr>
+          <p:cNvPr id="42" name="Straight Connector 41"/>
+          <p:cNvCxnSpPr/>
+          <p:nvPr/>
+        </p:nvCxnSpPr>
+        <p:spPr>
+          <a:xfrm flipV="1">
+            <a:off x="810564" y="3972977"/>
             <a:ext cx="6217195" cy="396842"/>
           </a:xfrm>
           <a:prstGeom prst="line">
@@ -20757,1783 +22844,8 @@
           </p:sp>
         </mc:Fallback>
       </mc:AlternateContent>
-      <mc:AlternateContent xmlns:mc="http://schemas.openxmlformats.org/markup-compatibility/2006">
-        <mc:Choice xmlns:a14="http://schemas.microsoft.com/office/drawing/2010/main" Requires="a14">
-          <p:sp>
-            <p:nvSpPr>
-              <p:cNvPr id="3" name="TextBox 2">
-                <a:extLst>
-                  <a:ext uri="{FF2B5EF4-FFF2-40B4-BE49-F238E27FC236}">
-                    <a16:creationId xmlns:a16="http://schemas.microsoft.com/office/drawing/2014/main" id="{D87499D7-9033-43C1-9767-AA00B9F2F76E}"/>
-                  </a:ext>
-                </a:extLst>
-              </p:cNvPr>
-              <p:cNvSpPr txBox="1"/>
-              <p:nvPr/>
-            </p:nvSpPr>
-            <p:spPr>
-              <a:xfrm>
-                <a:off x="2485927" y="1911866"/>
-                <a:ext cx="1337505" cy="461665"/>
-              </a:xfrm>
-              <a:prstGeom prst="rect">
-                <a:avLst/>
-              </a:prstGeom>
-              <a:noFill/>
-            </p:spPr>
-            <p:txBody>
-              <a:bodyPr wrap="square" rtlCol="0">
-                <a:spAutoFit/>
-              </a:bodyPr>
-              <a:lstStyle/>
-              <a:p>
-                <a14:m>
-                  <m:oMath xmlns:m="http://schemas.openxmlformats.org/officeDocument/2006/math">
-                    <m:r>
-                      <a:rPr lang="en-US" sz="2400" b="0" i="1" smtClean="0">
-                        <a:latin typeface="Cambria Math" panose="02040503050406030204" pitchFamily="18" charset="0"/>
-                      </a:rPr>
-                      <m:t>𝑖</m:t>
-                    </m:r>
-                  </m:oMath>
-                </a14:m>
-                <a:r>
-                  <a:rPr lang="en-US" sz="2400" dirty="0"/>
-                  <a:t> = 1</a:t>
-                </a:r>
-              </a:p>
-            </p:txBody>
-          </p:sp>
-        </mc:Choice>
-        <mc:Fallback>
-          <p:sp>
-            <p:nvSpPr>
-              <p:cNvPr id="3" name="TextBox 2">
-                <a:extLst>
-                  <a:ext uri="{FF2B5EF4-FFF2-40B4-BE49-F238E27FC236}">
-                    <a16:creationId xmlns:a16="http://schemas.microsoft.com/office/drawing/2014/main" id="{D87499D7-9033-43C1-9767-AA00B9F2F76E}"/>
-                  </a:ext>
-                </a:extLst>
-              </p:cNvPr>
-              <p:cNvSpPr txBox="1">
-                <a:spLocks noRot="1" noChangeAspect="1" noMove="1" noResize="1" noEditPoints="1" noAdjustHandles="1" noChangeArrowheads="1" noChangeShapeType="1" noTextEdit="1"/>
-              </p:cNvSpPr>
-              <p:nvPr/>
-            </p:nvSpPr>
-            <p:spPr>
-              <a:xfrm>
-                <a:off x="2485927" y="1911866"/>
-                <a:ext cx="1337505" cy="461665"/>
-              </a:xfrm>
-              <a:prstGeom prst="rect">
-                <a:avLst/>
-              </a:prstGeom>
-              <a:blipFill>
-                <a:blip r:embed="rId4"/>
-                <a:stretch>
-                  <a:fillRect l="-1370" t="-10667" b="-30667"/>
-                </a:stretch>
-              </a:blipFill>
-            </p:spPr>
-            <p:txBody>
-              <a:bodyPr/>
-              <a:lstStyle/>
-              <a:p>
-                <a:r>
-                  <a:rPr lang="en-US">
-                    <a:noFill/>
-                  </a:rPr>
-                  <a:t> </a:t>
-                </a:r>
-              </a:p>
-            </p:txBody>
-          </p:sp>
-        </mc:Fallback>
-      </mc:AlternateContent>
-      <mc:AlternateContent xmlns:mc="http://schemas.openxmlformats.org/markup-compatibility/2006">
-        <mc:Choice xmlns:a14="http://schemas.microsoft.com/office/drawing/2010/main" Requires="a14">
-          <p:sp>
-            <p:nvSpPr>
-              <p:cNvPr id="20" name="TextBox 19">
-                <a:extLst>
-                  <a:ext uri="{FF2B5EF4-FFF2-40B4-BE49-F238E27FC236}">
-                    <a16:creationId xmlns:a16="http://schemas.microsoft.com/office/drawing/2014/main" id="{6EE04C5E-B4C7-4812-976A-79C60784016B}"/>
-                  </a:ext>
-                </a:extLst>
-              </p:cNvPr>
-              <p:cNvSpPr txBox="1"/>
-              <p:nvPr/>
-            </p:nvSpPr>
-            <p:spPr>
-              <a:xfrm>
-                <a:off x="7969693" y="1642720"/>
-                <a:ext cx="1337505" cy="461665"/>
-              </a:xfrm>
-              <a:prstGeom prst="rect">
-                <a:avLst/>
-              </a:prstGeom>
-              <a:noFill/>
-            </p:spPr>
-            <p:txBody>
-              <a:bodyPr wrap="square" rtlCol="0">
-                <a:spAutoFit/>
-              </a:bodyPr>
-              <a:lstStyle/>
-              <a:p>
-                <a14:m>
-                  <m:oMath xmlns:m="http://schemas.openxmlformats.org/officeDocument/2006/math">
-                    <m:r>
-                      <a:rPr lang="en-US" sz="2400" b="0" i="1" smtClean="0">
-                        <a:latin typeface="Cambria Math" panose="02040503050406030204" pitchFamily="18" charset="0"/>
-                      </a:rPr>
-                      <m:t>𝑘</m:t>
-                    </m:r>
-                  </m:oMath>
-                </a14:m>
-                <a:r>
-                  <a:rPr lang="en-US" sz="2400" dirty="0"/>
-                  <a:t> = 2</a:t>
-                </a:r>
-              </a:p>
-            </p:txBody>
-          </p:sp>
-        </mc:Choice>
-        <mc:Fallback>
-          <p:sp>
-            <p:nvSpPr>
-              <p:cNvPr id="20" name="TextBox 19">
-                <a:extLst>
-                  <a:ext uri="{FF2B5EF4-FFF2-40B4-BE49-F238E27FC236}">
-                    <a16:creationId xmlns:a16="http://schemas.microsoft.com/office/drawing/2014/main" id="{6EE04C5E-B4C7-4812-976A-79C60784016B}"/>
-                  </a:ext>
-                </a:extLst>
-              </p:cNvPr>
-              <p:cNvSpPr txBox="1">
-                <a:spLocks noRot="1" noChangeAspect="1" noMove="1" noResize="1" noEditPoints="1" noAdjustHandles="1" noChangeArrowheads="1" noChangeShapeType="1" noTextEdit="1"/>
-              </p:cNvSpPr>
-              <p:nvPr/>
-            </p:nvSpPr>
-            <p:spPr>
-              <a:xfrm>
-                <a:off x="7969693" y="1642720"/>
-                <a:ext cx="1337505" cy="461665"/>
-              </a:xfrm>
-              <a:prstGeom prst="rect">
-                <a:avLst/>
-              </a:prstGeom>
-              <a:blipFill>
-                <a:blip r:embed="rId5"/>
-                <a:stretch>
-                  <a:fillRect l="-1364" t="-10526" b="-28947"/>
-                </a:stretch>
-              </a:blipFill>
-            </p:spPr>
-            <p:txBody>
-              <a:bodyPr/>
-              <a:lstStyle/>
-              <a:p>
-                <a:r>
-                  <a:rPr lang="en-US">
-                    <a:noFill/>
-                  </a:rPr>
-                  <a:t> </a:t>
-                </a:r>
-              </a:p>
-            </p:txBody>
-          </p:sp>
-        </mc:Fallback>
-      </mc:AlternateContent>
-      <mc:AlternateContent xmlns:mc="http://schemas.openxmlformats.org/markup-compatibility/2006">
-        <mc:Choice xmlns:a14="http://schemas.microsoft.com/office/drawing/2010/main" Requires="a14">
-          <p:sp>
-            <p:nvSpPr>
-              <p:cNvPr id="21" name="TextBox 20">
-                <a:extLst>
-                  <a:ext uri="{FF2B5EF4-FFF2-40B4-BE49-F238E27FC236}">
-                    <a16:creationId xmlns:a16="http://schemas.microsoft.com/office/drawing/2014/main" id="{3224926C-0842-4221-B0A1-73A04ACC07CE}"/>
-                  </a:ext>
-                </a:extLst>
-              </p:cNvPr>
-              <p:cNvSpPr txBox="1"/>
-              <p:nvPr/>
-            </p:nvSpPr>
-            <p:spPr>
-              <a:xfrm>
-                <a:off x="9764626" y="430768"/>
-                <a:ext cx="1337505" cy="400110"/>
-              </a:xfrm>
-              <a:prstGeom prst="rect">
-                <a:avLst/>
-              </a:prstGeom>
-              <a:noFill/>
-            </p:spPr>
-            <p:txBody>
-              <a:bodyPr wrap="square" rtlCol="0">
-                <a:spAutoFit/>
-              </a:bodyPr>
-              <a:lstStyle/>
-              <a:p>
-                <a14:m>
-                  <m:oMath xmlns:m="http://schemas.openxmlformats.org/officeDocument/2006/math">
-                    <m:r>
-                      <a:rPr lang="en-US" sz="2000" b="0" i="1" smtClean="0">
-                        <a:latin typeface="Cambria Math" panose="02040503050406030204" pitchFamily="18" charset="0"/>
-                      </a:rPr>
-                      <m:t>𝐾</m:t>
-                    </m:r>
-                  </m:oMath>
-                </a14:m>
-                <a:r>
-                  <a:rPr lang="en-US" sz="2000" dirty="0"/>
-                  <a:t> = 2</a:t>
-                </a:r>
-              </a:p>
-            </p:txBody>
-          </p:sp>
-        </mc:Choice>
-        <mc:Fallback>
-          <p:sp>
-            <p:nvSpPr>
-              <p:cNvPr id="21" name="TextBox 20">
-                <a:extLst>
-                  <a:ext uri="{FF2B5EF4-FFF2-40B4-BE49-F238E27FC236}">
-                    <a16:creationId xmlns:a16="http://schemas.microsoft.com/office/drawing/2014/main" id="{3224926C-0842-4221-B0A1-73A04ACC07CE}"/>
-                  </a:ext>
-                </a:extLst>
-              </p:cNvPr>
-              <p:cNvSpPr txBox="1">
-                <a:spLocks noRot="1" noChangeAspect="1" noMove="1" noResize="1" noEditPoints="1" noAdjustHandles="1" noChangeArrowheads="1" noChangeShapeType="1" noTextEdit="1"/>
-              </p:cNvSpPr>
-              <p:nvPr/>
-            </p:nvSpPr>
-            <p:spPr>
-              <a:xfrm>
-                <a:off x="9764626" y="430768"/>
-                <a:ext cx="1337505" cy="400110"/>
-              </a:xfrm>
-              <a:prstGeom prst="rect">
-                <a:avLst/>
-              </a:prstGeom>
-              <a:blipFill>
-                <a:blip r:embed="rId6"/>
-                <a:stretch>
-                  <a:fillRect t="-9231" b="-27692"/>
-                </a:stretch>
-              </a:blipFill>
-            </p:spPr>
-            <p:txBody>
-              <a:bodyPr/>
-              <a:lstStyle/>
-              <a:p>
-                <a:r>
-                  <a:rPr lang="en-US">
-                    <a:noFill/>
-                  </a:rPr>
-                  <a:t> </a:t>
-                </a:r>
-              </a:p>
-            </p:txBody>
-          </p:sp>
-        </mc:Fallback>
-      </mc:AlternateContent>
-    </p:spTree>
-    <p:extLst>
-      <p:ext uri="{BB962C8B-B14F-4D97-AF65-F5344CB8AC3E}">
-        <p14:creationId xmlns:p14="http://schemas.microsoft.com/office/powerpoint/2010/main" val="4117030005"/>
-      </p:ext>
-    </p:extLst>
-  </p:cSld>
-  <p:clrMapOvr>
-    <a:masterClrMapping/>
-  </p:clrMapOvr>
-</p:sld>
-</file>
-
-<file path=ppt/slides/slide3.xml><?xml version="1.0" encoding="utf-8"?>
-<p:sld xmlns:a="http://schemas.openxmlformats.org/drawingml/2006/main" xmlns:r="http://schemas.openxmlformats.org/officeDocument/2006/relationships" xmlns:p="http://schemas.openxmlformats.org/presentationml/2006/main">
-  <p:cSld>
-    <p:spTree>
-      <p:nvGrpSpPr>
-        <p:cNvPr id="1" name=""/>
-        <p:cNvGrpSpPr/>
-        <p:nvPr/>
-      </p:nvGrpSpPr>
-      <p:grpSpPr>
-        <a:xfrm>
-          <a:off x="0" y="0"/>
-          <a:ext cx="0" cy="0"/>
-          <a:chOff x="0" y="0"/>
-          <a:chExt cx="0" cy="0"/>
-        </a:xfrm>
-      </p:grpSpPr>
-      <p:pic>
-        <p:nvPicPr>
-          <p:cNvPr id="4" name="Picture 3">
-            <a:extLst>
-              <a:ext uri="{FF2B5EF4-FFF2-40B4-BE49-F238E27FC236}">
-                <a16:creationId xmlns:a16="http://schemas.microsoft.com/office/drawing/2014/main" id="{9440ECD0-0D0C-448F-B0DF-439E5DB5FD3E}"/>
-              </a:ext>
-            </a:extLst>
-          </p:cNvPr>
-          <p:cNvPicPr>
-            <a:picLocks noChangeAspect="1"/>
-          </p:cNvPicPr>
-          <p:nvPr/>
-        </p:nvPicPr>
-        <p:blipFill rotWithShape="1">
-          <a:blip r:embed="rId2"/>
-          <a:srcRect l="31452" t="20411" r="29476" b="3633"/>
-          <a:stretch/>
-        </p:blipFill>
-        <p:spPr>
-          <a:xfrm>
-            <a:off x="6548283" y="1336431"/>
-            <a:ext cx="4950757" cy="5410956"/>
-          </a:xfrm>
-          <a:prstGeom prst="rect">
-            <a:avLst/>
-          </a:prstGeom>
-        </p:spPr>
-      </p:pic>
-      <p:sp>
-        <p:nvSpPr>
-          <p:cNvPr id="2" name="Title 1">
-            <a:extLst>
-              <a:ext uri="{FF2B5EF4-FFF2-40B4-BE49-F238E27FC236}">
-                <a16:creationId xmlns:a16="http://schemas.microsoft.com/office/drawing/2014/main" id="{0044DD4C-C4ED-43F6-9447-7A4160CBD6E1}"/>
-              </a:ext>
-            </a:extLst>
-          </p:cNvPr>
-          <p:cNvSpPr>
-            <a:spLocks noGrp="1"/>
-          </p:cNvSpPr>
-          <p:nvPr>
-            <p:ph type="title"/>
-          </p:nvPr>
-        </p:nvSpPr>
-        <p:spPr/>
-        <p:txBody>
-          <a:bodyPr/>
-          <a:lstStyle/>
-          <a:p>
-            <a:r>
-              <a:rPr lang="en-US" dirty="0"/>
-              <a:t>Supervised Vs Unsupervised learning</a:t>
-            </a:r>
-          </a:p>
-        </p:txBody>
-      </p:sp>
-      <p:sp>
-        <p:nvSpPr>
-          <p:cNvPr id="5" name="Rectangle 4">
-            <a:extLst>
-              <a:ext uri="{FF2B5EF4-FFF2-40B4-BE49-F238E27FC236}">
-                <a16:creationId xmlns:a16="http://schemas.microsoft.com/office/drawing/2014/main" id="{6543E227-66DA-4787-B9EC-380EFD9E2C09}"/>
-              </a:ext>
-            </a:extLst>
-          </p:cNvPr>
-          <p:cNvSpPr/>
-          <p:nvPr/>
-        </p:nvSpPr>
-        <p:spPr>
-          <a:xfrm>
-            <a:off x="37331" y="6288570"/>
-            <a:ext cx="4598118" cy="369332"/>
-          </a:xfrm>
-          <a:prstGeom prst="rect">
-            <a:avLst/>
-          </a:prstGeom>
-        </p:spPr>
-        <p:txBody>
-          <a:bodyPr wrap="none">
-            <a:spAutoFit/>
-          </a:bodyPr>
-          <a:lstStyle/>
-          <a:p>
-            <a:r>
-              <a:rPr lang="en-US" dirty="0">
-                <a:hlinkClick r:id="rId3"/>
-              </a:rPr>
-              <a:t>https://www.leouieda.com/talks/tgif2018.html</a:t>
-            </a:r>
-            <a:endParaRPr lang="en-US" dirty="0"/>
-          </a:p>
-        </p:txBody>
-      </p:sp>
-    </p:spTree>
-    <p:extLst>
-      <p:ext uri="{BB962C8B-B14F-4D97-AF65-F5344CB8AC3E}">
-        <p14:creationId xmlns:p14="http://schemas.microsoft.com/office/powerpoint/2010/main" val="1729916953"/>
-      </p:ext>
-    </p:extLst>
-  </p:cSld>
-  <p:clrMapOvr>
-    <a:masterClrMapping/>
-  </p:clrMapOvr>
-</p:sld>
-</file>
-
-<file path=ppt/slides/slide30.xml><?xml version="1.0" encoding="utf-8"?>
-<p:sld xmlns:a="http://schemas.openxmlformats.org/drawingml/2006/main" xmlns:r="http://schemas.openxmlformats.org/officeDocument/2006/relationships" xmlns:p="http://schemas.openxmlformats.org/presentationml/2006/main">
-  <p:cSld>
-    <p:spTree>
-      <p:nvGrpSpPr>
-        <p:cNvPr id="1" name=""/>
-        <p:cNvGrpSpPr/>
-        <p:nvPr/>
-      </p:nvGrpSpPr>
-      <p:grpSpPr>
-        <a:xfrm>
-          <a:off x="0" y="0"/>
-          <a:ext cx="0" cy="0"/>
-          <a:chOff x="0" y="0"/>
-          <a:chExt cx="0" cy="0"/>
-        </a:xfrm>
-      </p:grpSpPr>
-      <p:sp>
-        <p:nvSpPr>
-          <p:cNvPr id="4" name="Rectangle 3">
-            <a:extLst>
-              <a:ext uri="{FF2B5EF4-FFF2-40B4-BE49-F238E27FC236}">
-                <a16:creationId xmlns:a16="http://schemas.microsoft.com/office/drawing/2014/main" id="{83767390-03E7-4586-A347-6DA8A1BFE63A}"/>
-              </a:ext>
-            </a:extLst>
-          </p:cNvPr>
-          <p:cNvSpPr/>
-          <p:nvPr/>
-        </p:nvSpPr>
-        <p:spPr>
-          <a:xfrm>
-            <a:off x="6299200" y="5295786"/>
-            <a:ext cx="2074331" cy="1333614"/>
-          </a:xfrm>
-          <a:prstGeom prst="rect">
-            <a:avLst/>
-          </a:prstGeom>
-        </p:spPr>
-        <p:style>
-          <a:lnRef idx="2">
-            <a:schemeClr val="accent1">
-              <a:shade val="50000"/>
-            </a:schemeClr>
-          </a:lnRef>
-          <a:fillRef idx="1">
-            <a:schemeClr val="accent1"/>
-          </a:fillRef>
-          <a:effectRef idx="0">
-            <a:schemeClr val="accent1"/>
-          </a:effectRef>
-          <a:fontRef idx="minor">
-            <a:schemeClr val="lt1"/>
-          </a:fontRef>
-        </p:style>
-        <p:txBody>
-          <a:bodyPr rtlCol="0" anchor="ctr"/>
-          <a:lstStyle/>
-          <a:p>
-            <a:pPr algn="ctr"/>
-            <a:endParaRPr lang="en-US"/>
-          </a:p>
-        </p:txBody>
-      </p:sp>
-      <p:sp>
-        <p:nvSpPr>
-          <p:cNvPr id="29" name="Freeform 33">
-            <a:extLst>
-              <a:ext uri="{FF2B5EF4-FFF2-40B4-BE49-F238E27FC236}">
-                <a16:creationId xmlns:a16="http://schemas.microsoft.com/office/drawing/2014/main" id="{D7F593E7-C6EC-43E1-8A61-0C405F868A16}"/>
-              </a:ext>
-            </a:extLst>
-          </p:cNvPr>
-          <p:cNvSpPr/>
-          <p:nvPr/>
-        </p:nvSpPr>
-        <p:spPr>
-          <a:xfrm>
-            <a:off x="9244409" y="2127989"/>
-            <a:ext cx="3041870" cy="3093555"/>
-          </a:xfrm>
-          <a:custGeom>
-            <a:avLst/>
-            <a:gdLst>
-              <a:gd name="connsiteX0" fmla="*/ 374078 w 1752262"/>
-              <a:gd name="connsiteY0" fmla="*/ 167374 h 1782035"/>
-              <a:gd name="connsiteX1" fmla="*/ 713702 w 1752262"/>
-              <a:gd name="connsiteY1" fmla="*/ 4923 h 1782035"/>
-              <a:gd name="connsiteX2" fmla="*/ 1481547 w 1752262"/>
-              <a:gd name="connsiteY2" fmla="*/ 196910 h 1782035"/>
-              <a:gd name="connsiteX3" fmla="*/ 1717807 w 1752262"/>
-              <a:gd name="connsiteY3" fmla="*/ 935322 h 1782035"/>
-              <a:gd name="connsiteX4" fmla="*/ 1274819 w 1752262"/>
-              <a:gd name="connsiteY4" fmla="*/ 1718039 h 1782035"/>
-              <a:gd name="connsiteX5" fmla="*/ 344545 w 1752262"/>
-              <a:gd name="connsiteY5" fmla="*/ 1319296 h 1782035"/>
-              <a:gd name="connsiteX6" fmla="*/ 4922 w 1752262"/>
-              <a:gd name="connsiteY6" fmla="*/ 684262 h 1782035"/>
-              <a:gd name="connsiteX7" fmla="*/ 374078 w 1752262"/>
-              <a:gd name="connsiteY7" fmla="*/ 167374 h 1782035"/>
-            </a:gdLst>
-            <a:ahLst/>
-            <a:cxnLst>
-              <a:cxn ang="0">
-                <a:pos x="connsiteX0" y="connsiteY0"/>
-              </a:cxn>
-              <a:cxn ang="0">
-                <a:pos x="connsiteX1" y="connsiteY1"/>
-              </a:cxn>
-              <a:cxn ang="0">
-                <a:pos x="connsiteX2" y="connsiteY2"/>
-              </a:cxn>
-              <a:cxn ang="0">
-                <a:pos x="connsiteX3" y="connsiteY3"/>
-              </a:cxn>
-              <a:cxn ang="0">
-                <a:pos x="connsiteX4" y="connsiteY4"/>
-              </a:cxn>
-              <a:cxn ang="0">
-                <a:pos x="connsiteX5" y="connsiteY5"/>
-              </a:cxn>
-              <a:cxn ang="0">
-                <a:pos x="connsiteX6" y="connsiteY6"/>
-              </a:cxn>
-              <a:cxn ang="0">
-                <a:pos x="connsiteX7" y="connsiteY7"/>
-              </a:cxn>
-            </a:cxnLst>
-            <a:rect l="l" t="t" r="r" b="b"/>
-            <a:pathLst>
-              <a:path w="1752262" h="1782035">
-                <a:moveTo>
-                  <a:pt x="374078" y="167374"/>
-                </a:moveTo>
-                <a:cubicBezTo>
-                  <a:pt x="492208" y="54151"/>
-                  <a:pt x="529124" y="0"/>
-                  <a:pt x="713702" y="4923"/>
-                </a:cubicBezTo>
-                <a:cubicBezTo>
-                  <a:pt x="898280" y="9846"/>
-                  <a:pt x="1314196" y="41844"/>
-                  <a:pt x="1481547" y="196910"/>
-                </a:cubicBezTo>
-                <a:cubicBezTo>
-                  <a:pt x="1648898" y="351976"/>
-                  <a:pt x="1752262" y="681801"/>
-                  <a:pt x="1717807" y="935322"/>
-                </a:cubicBezTo>
-                <a:cubicBezTo>
-                  <a:pt x="1683352" y="1188844"/>
-                  <a:pt x="1503696" y="1654043"/>
-                  <a:pt x="1274819" y="1718039"/>
-                </a:cubicBezTo>
-                <a:cubicBezTo>
-                  <a:pt x="1045942" y="1782035"/>
-                  <a:pt x="556194" y="1491592"/>
-                  <a:pt x="344545" y="1319296"/>
-                </a:cubicBezTo>
-                <a:cubicBezTo>
-                  <a:pt x="132896" y="1147000"/>
-                  <a:pt x="0" y="873788"/>
-                  <a:pt x="4922" y="684262"/>
-                </a:cubicBezTo>
-                <a:cubicBezTo>
-                  <a:pt x="9844" y="494736"/>
-                  <a:pt x="255948" y="280597"/>
-                  <a:pt x="374078" y="167374"/>
-                </a:cubicBezTo>
-                <a:close/>
-              </a:path>
-            </a:pathLst>
-          </a:custGeom>
-          <a:solidFill>
-            <a:srgbClr val="92D050"/>
-          </a:solidFill>
-          <a:ln>
-            <a:solidFill>
-              <a:srgbClr val="FF0000"/>
-            </a:solidFill>
-          </a:ln>
-        </p:spPr>
-        <p:style>
-          <a:lnRef idx="1">
-            <a:schemeClr val="accent1"/>
-          </a:lnRef>
-          <a:fillRef idx="3">
-            <a:schemeClr val="accent1"/>
-          </a:fillRef>
-          <a:effectRef idx="2">
-            <a:schemeClr val="accent1"/>
-          </a:effectRef>
-          <a:fontRef idx="minor">
-            <a:schemeClr val="lt1"/>
-          </a:fontRef>
-        </p:style>
-        <p:txBody>
-          <a:bodyPr rtlCol="0" anchor="ctr"/>
-          <a:lstStyle/>
-          <a:p>
-            <a:pPr algn="ctr"/>
-            <a:endParaRPr lang="en-US"/>
-          </a:p>
-        </p:txBody>
-      </p:sp>
-      <p:sp>
-        <p:nvSpPr>
-          <p:cNvPr id="2" name="Title 1"/>
-          <p:cNvSpPr>
-            <a:spLocks noGrp="1"/>
-          </p:cNvSpPr>
-          <p:nvPr>
-            <p:ph type="title"/>
-          </p:nvPr>
-        </p:nvSpPr>
-        <p:spPr>
-          <a:xfrm>
-            <a:off x="2209800" y="228600"/>
-            <a:ext cx="7772400" cy="1143000"/>
-          </a:xfrm>
-        </p:spPr>
-        <p:txBody>
-          <a:bodyPr/>
-          <a:lstStyle/>
-          <a:p>
-            <a:r>
-              <a:rPr lang="en-US" dirty="0"/>
-              <a:t>Separation (inter-cluster)</a:t>
-            </a:r>
-          </a:p>
-        </p:txBody>
-      </p:sp>
-      <p:sp>
-        <p:nvSpPr>
-          <p:cNvPr id="6" name="Oval 5"/>
-          <p:cNvSpPr/>
-          <p:nvPr/>
-        </p:nvSpPr>
-        <p:spPr>
-          <a:xfrm>
-            <a:off x="413721" y="3277925"/>
-            <a:ext cx="158737" cy="158737"/>
-          </a:xfrm>
-          <a:prstGeom prst="ellipse">
-            <a:avLst/>
-          </a:prstGeom>
-          <a:solidFill>
-            <a:schemeClr val="tx1"/>
-          </a:solidFill>
-          <a:ln>
-            <a:solidFill>
-              <a:schemeClr val="tx1"/>
-            </a:solidFill>
-          </a:ln>
-        </p:spPr>
-        <p:style>
-          <a:lnRef idx="1">
-            <a:schemeClr val="accent1"/>
-          </a:lnRef>
-          <a:fillRef idx="3">
-            <a:schemeClr val="accent1"/>
-          </a:fillRef>
-          <a:effectRef idx="2">
-            <a:schemeClr val="accent1"/>
-          </a:effectRef>
-          <a:fontRef idx="minor">
-            <a:schemeClr val="lt1"/>
-          </a:fontRef>
-        </p:style>
-        <p:txBody>
-          <a:bodyPr rtlCol="0" anchor="ctr"/>
-          <a:lstStyle/>
-          <a:p>
-            <a:pPr algn="ctr"/>
-            <a:endParaRPr lang="en-US"/>
-          </a:p>
-        </p:txBody>
-      </p:sp>
-      <p:sp>
-        <p:nvSpPr>
-          <p:cNvPr id="7" name="Oval 6"/>
-          <p:cNvSpPr/>
-          <p:nvPr/>
-        </p:nvSpPr>
-        <p:spPr>
-          <a:xfrm>
-            <a:off x="1339687" y="3674767"/>
-            <a:ext cx="158737" cy="158737"/>
-          </a:xfrm>
-          <a:prstGeom prst="ellipse">
-            <a:avLst/>
-          </a:prstGeom>
-          <a:solidFill>
-            <a:srgbClr val="0000FF"/>
-          </a:solidFill>
-          <a:ln>
-            <a:solidFill>
-              <a:srgbClr val="0000FF"/>
-            </a:solidFill>
-          </a:ln>
-        </p:spPr>
-        <p:style>
-          <a:lnRef idx="1">
-            <a:schemeClr val="accent1"/>
-          </a:lnRef>
-          <a:fillRef idx="3">
-            <a:schemeClr val="accent1"/>
-          </a:fillRef>
-          <a:effectRef idx="2">
-            <a:schemeClr val="accent1"/>
-          </a:effectRef>
-          <a:fontRef idx="minor">
-            <a:schemeClr val="lt1"/>
-          </a:fontRef>
-        </p:style>
-        <p:txBody>
-          <a:bodyPr rtlCol="0" anchor="ctr"/>
-          <a:lstStyle/>
-          <a:p>
-            <a:pPr algn="ctr"/>
-            <a:endParaRPr lang="en-US"/>
-          </a:p>
-        </p:txBody>
-      </p:sp>
-      <p:sp>
-        <p:nvSpPr>
-          <p:cNvPr id="8" name="Oval 7"/>
-          <p:cNvSpPr/>
-          <p:nvPr/>
-        </p:nvSpPr>
-        <p:spPr>
-          <a:xfrm>
-            <a:off x="2397932" y="3145644"/>
-            <a:ext cx="158737" cy="158737"/>
-          </a:xfrm>
-          <a:prstGeom prst="ellipse">
-            <a:avLst/>
-          </a:prstGeom>
-          <a:solidFill>
-            <a:schemeClr val="tx1"/>
-          </a:solidFill>
-          <a:ln>
-            <a:solidFill>
-              <a:schemeClr val="tx1"/>
-            </a:solidFill>
-          </a:ln>
-        </p:spPr>
-        <p:style>
-          <a:lnRef idx="1">
-            <a:schemeClr val="accent1"/>
-          </a:lnRef>
-          <a:fillRef idx="3">
-            <a:schemeClr val="accent1"/>
-          </a:fillRef>
-          <a:effectRef idx="2">
-            <a:schemeClr val="accent1"/>
-          </a:effectRef>
-          <a:fontRef idx="minor">
-            <a:schemeClr val="lt1"/>
-          </a:fontRef>
-        </p:style>
-        <p:txBody>
-          <a:bodyPr rtlCol="0" anchor="ctr"/>
-          <a:lstStyle/>
-          <a:p>
-            <a:pPr algn="ctr"/>
-            <a:endParaRPr lang="en-US"/>
-          </a:p>
-        </p:txBody>
-      </p:sp>
-      <p:sp>
-        <p:nvSpPr>
-          <p:cNvPr id="9" name="Oval 8"/>
-          <p:cNvSpPr/>
-          <p:nvPr/>
-        </p:nvSpPr>
-        <p:spPr>
-          <a:xfrm>
-            <a:off x="678283" y="4309715"/>
-            <a:ext cx="158737" cy="158737"/>
-          </a:xfrm>
-          <a:prstGeom prst="ellipse">
-            <a:avLst/>
-          </a:prstGeom>
-          <a:solidFill>
-            <a:schemeClr val="tx1"/>
-          </a:solidFill>
-          <a:ln>
-            <a:solidFill>
-              <a:schemeClr val="tx1"/>
-            </a:solidFill>
-          </a:ln>
-        </p:spPr>
-        <p:style>
-          <a:lnRef idx="1">
-            <a:schemeClr val="accent1"/>
-          </a:lnRef>
-          <a:fillRef idx="3">
-            <a:schemeClr val="accent1"/>
-          </a:fillRef>
-          <a:effectRef idx="2">
-            <a:schemeClr val="accent1"/>
-          </a:effectRef>
-          <a:fontRef idx="minor">
-            <a:schemeClr val="lt1"/>
-          </a:fontRef>
-        </p:style>
-        <p:txBody>
-          <a:bodyPr rtlCol="0" anchor="ctr"/>
-          <a:lstStyle/>
-          <a:p>
-            <a:pPr algn="ctr"/>
-            <a:endParaRPr lang="en-US"/>
-          </a:p>
-        </p:txBody>
-      </p:sp>
-      <p:sp>
-        <p:nvSpPr>
-          <p:cNvPr id="13" name="Freeform 12"/>
-          <p:cNvSpPr/>
-          <p:nvPr/>
-        </p:nvSpPr>
-        <p:spPr>
-          <a:xfrm>
-            <a:off x="-311500" y="2484242"/>
-            <a:ext cx="3370836" cy="2811544"/>
-          </a:xfrm>
-          <a:custGeom>
-            <a:avLst/>
-            <a:gdLst>
-              <a:gd name="connsiteX0" fmla="*/ 172273 w 1941762"/>
-              <a:gd name="connsiteY0" fmla="*/ 369206 h 1619583"/>
-              <a:gd name="connsiteX1" fmla="*/ 881053 w 1941762"/>
-              <a:gd name="connsiteY1" fmla="*/ 44305 h 1619583"/>
-              <a:gd name="connsiteX2" fmla="*/ 1663665 w 1941762"/>
-              <a:gd name="connsiteY2" fmla="*/ 103378 h 1619583"/>
-              <a:gd name="connsiteX3" fmla="*/ 1929457 w 1941762"/>
-              <a:gd name="connsiteY3" fmla="*/ 605498 h 1619583"/>
-              <a:gd name="connsiteX4" fmla="*/ 1737496 w 1941762"/>
-              <a:gd name="connsiteY4" fmla="*/ 1196227 h 1619583"/>
-              <a:gd name="connsiteX5" fmla="*/ 1220677 w 1941762"/>
-              <a:gd name="connsiteY5" fmla="*/ 1521129 h 1619583"/>
-              <a:gd name="connsiteX6" fmla="*/ 615261 w 1941762"/>
-              <a:gd name="connsiteY6" fmla="*/ 1565433 h 1619583"/>
-              <a:gd name="connsiteX7" fmla="*/ 98442 w 1941762"/>
-              <a:gd name="connsiteY7" fmla="*/ 1196227 h 1619583"/>
-              <a:gd name="connsiteX8" fmla="*/ 24611 w 1941762"/>
-              <a:gd name="connsiteY8" fmla="*/ 767949 h 1619583"/>
-              <a:gd name="connsiteX9" fmla="*/ 172273 w 1941762"/>
-              <a:gd name="connsiteY9" fmla="*/ 369206 h 1619583"/>
-            </a:gdLst>
-            <a:ahLst/>
-            <a:cxnLst>
-              <a:cxn ang="0">
-                <a:pos x="connsiteX0" y="connsiteY0"/>
-              </a:cxn>
-              <a:cxn ang="0">
-                <a:pos x="connsiteX1" y="connsiteY1"/>
-              </a:cxn>
-              <a:cxn ang="0">
-                <a:pos x="connsiteX2" y="connsiteY2"/>
-              </a:cxn>
-              <a:cxn ang="0">
-                <a:pos x="connsiteX3" y="connsiteY3"/>
-              </a:cxn>
-              <a:cxn ang="0">
-                <a:pos x="connsiteX4" y="connsiteY4"/>
-              </a:cxn>
-              <a:cxn ang="0">
-                <a:pos x="connsiteX5" y="connsiteY5"/>
-              </a:cxn>
-              <a:cxn ang="0">
-                <a:pos x="connsiteX6" y="connsiteY6"/>
-              </a:cxn>
-              <a:cxn ang="0">
-                <a:pos x="connsiteX7" y="connsiteY7"/>
-              </a:cxn>
-              <a:cxn ang="0">
-                <a:pos x="connsiteX8" y="connsiteY8"/>
-              </a:cxn>
-              <a:cxn ang="0">
-                <a:pos x="connsiteX9" y="connsiteY9"/>
-              </a:cxn>
-            </a:cxnLst>
-            <a:rect l="l" t="t" r="r" b="b"/>
-            <a:pathLst>
-              <a:path w="1941762" h="1619583">
-                <a:moveTo>
-                  <a:pt x="172273" y="369206"/>
-                </a:moveTo>
-                <a:cubicBezTo>
-                  <a:pt x="315013" y="248599"/>
-                  <a:pt x="632488" y="88610"/>
-                  <a:pt x="881053" y="44305"/>
-                </a:cubicBezTo>
-                <a:cubicBezTo>
-                  <a:pt x="1129618" y="0"/>
-                  <a:pt x="1488931" y="9846"/>
-                  <a:pt x="1663665" y="103378"/>
-                </a:cubicBezTo>
-                <a:cubicBezTo>
-                  <a:pt x="1838399" y="196910"/>
-                  <a:pt x="1917152" y="423356"/>
-                  <a:pt x="1929457" y="605498"/>
-                </a:cubicBezTo>
-                <a:cubicBezTo>
-                  <a:pt x="1941762" y="787640"/>
-                  <a:pt x="1855626" y="1043622"/>
-                  <a:pt x="1737496" y="1196227"/>
-                </a:cubicBezTo>
-                <a:cubicBezTo>
-                  <a:pt x="1619366" y="1348832"/>
-                  <a:pt x="1407716" y="1459595"/>
-                  <a:pt x="1220677" y="1521129"/>
-                </a:cubicBezTo>
-                <a:cubicBezTo>
-                  <a:pt x="1033638" y="1582663"/>
-                  <a:pt x="802300" y="1619583"/>
-                  <a:pt x="615261" y="1565433"/>
-                </a:cubicBezTo>
-                <a:cubicBezTo>
-                  <a:pt x="428222" y="1511283"/>
-                  <a:pt x="196884" y="1329141"/>
-                  <a:pt x="98442" y="1196227"/>
-                </a:cubicBezTo>
-                <a:cubicBezTo>
-                  <a:pt x="0" y="1063313"/>
-                  <a:pt x="9845" y="903324"/>
-                  <a:pt x="24611" y="767949"/>
-                </a:cubicBezTo>
-                <a:cubicBezTo>
-                  <a:pt x="39377" y="632574"/>
-                  <a:pt x="29533" y="489813"/>
-                  <a:pt x="172273" y="369206"/>
-                </a:cubicBezTo>
-                <a:close/>
-              </a:path>
-            </a:pathLst>
-          </a:custGeom>
-          <a:solidFill>
-            <a:srgbClr val="3366FF">
-              <a:alpha val="25000"/>
-            </a:srgbClr>
-          </a:solidFill>
-          <a:ln>
-            <a:solidFill>
-              <a:srgbClr val="3366FF"/>
-            </a:solidFill>
-          </a:ln>
-        </p:spPr>
-        <p:style>
-          <a:lnRef idx="1">
-            <a:schemeClr val="accent1"/>
-          </a:lnRef>
-          <a:fillRef idx="3">
-            <a:schemeClr val="accent1"/>
-          </a:fillRef>
-          <a:effectRef idx="2">
-            <a:schemeClr val="accent1"/>
-          </a:effectRef>
-          <a:fontRef idx="minor">
-            <a:schemeClr val="lt1"/>
-          </a:fontRef>
-        </p:style>
-        <p:txBody>
-          <a:bodyPr rtlCol="0" anchor="ctr"/>
-          <a:lstStyle/>
-          <a:p>
-            <a:pPr algn="ctr"/>
-            <a:endParaRPr lang="en-US"/>
-          </a:p>
-        </p:txBody>
-      </p:sp>
-      <p:sp>
-        <p:nvSpPr>
-          <p:cNvPr id="14" name="Oval 13"/>
-          <p:cNvSpPr/>
-          <p:nvPr/>
-        </p:nvSpPr>
-        <p:spPr>
-          <a:xfrm>
-            <a:off x="6472179" y="2914731"/>
-            <a:ext cx="158737" cy="158737"/>
-          </a:xfrm>
-          <a:prstGeom prst="ellipse">
-            <a:avLst/>
-          </a:prstGeom>
-          <a:solidFill>
-            <a:schemeClr val="tx1"/>
-          </a:solidFill>
-          <a:ln>
-            <a:solidFill>
-              <a:schemeClr val="tx1"/>
-            </a:solidFill>
-          </a:ln>
-        </p:spPr>
-        <p:style>
-          <a:lnRef idx="1">
-            <a:schemeClr val="accent1"/>
-          </a:lnRef>
-          <a:fillRef idx="3">
-            <a:schemeClr val="accent1"/>
-          </a:fillRef>
-          <a:effectRef idx="2">
-            <a:schemeClr val="accent1"/>
-          </a:effectRef>
-          <a:fontRef idx="minor">
-            <a:schemeClr val="lt1"/>
-          </a:fontRef>
-        </p:style>
-        <p:txBody>
-          <a:bodyPr rtlCol="0" anchor="ctr"/>
-          <a:lstStyle/>
-          <a:p>
-            <a:pPr algn="ctr"/>
-            <a:endParaRPr lang="en-US"/>
-          </a:p>
-        </p:txBody>
-      </p:sp>
-      <p:sp>
-        <p:nvSpPr>
-          <p:cNvPr id="15" name="Oval 14"/>
-          <p:cNvSpPr/>
-          <p:nvPr/>
-        </p:nvSpPr>
-        <p:spPr>
-          <a:xfrm>
-            <a:off x="7001302" y="3840696"/>
-            <a:ext cx="158737" cy="158737"/>
-          </a:xfrm>
-          <a:prstGeom prst="ellipse">
-            <a:avLst/>
-          </a:prstGeom>
-          <a:solidFill>
-            <a:srgbClr val="FF0000"/>
-          </a:solidFill>
-          <a:ln>
-            <a:solidFill>
-              <a:srgbClr val="FF0000"/>
-            </a:solidFill>
-          </a:ln>
-        </p:spPr>
-        <p:style>
-          <a:lnRef idx="1">
-            <a:schemeClr val="accent1"/>
-          </a:lnRef>
-          <a:fillRef idx="3">
-            <a:schemeClr val="accent1"/>
-          </a:fillRef>
-          <a:effectRef idx="2">
-            <a:schemeClr val="accent1"/>
-          </a:effectRef>
-          <a:fontRef idx="minor">
-            <a:schemeClr val="lt1"/>
-          </a:fontRef>
-        </p:style>
-        <p:txBody>
-          <a:bodyPr rtlCol="0" anchor="ctr"/>
-          <a:lstStyle/>
-          <a:p>
-            <a:pPr algn="ctr"/>
-            <a:endParaRPr lang="en-US"/>
-          </a:p>
-        </p:txBody>
-      </p:sp>
-      <p:sp>
-        <p:nvSpPr>
-          <p:cNvPr id="16" name="Oval 15"/>
-          <p:cNvSpPr/>
-          <p:nvPr/>
-        </p:nvSpPr>
-        <p:spPr>
-          <a:xfrm>
-            <a:off x="7424601" y="3311573"/>
-            <a:ext cx="158737" cy="158737"/>
-          </a:xfrm>
-          <a:prstGeom prst="ellipse">
-            <a:avLst/>
-          </a:prstGeom>
-          <a:solidFill>
-            <a:schemeClr val="tx1"/>
-          </a:solidFill>
-          <a:ln>
-            <a:solidFill>
-              <a:schemeClr val="tx1"/>
-            </a:solidFill>
-          </a:ln>
-        </p:spPr>
-        <p:style>
-          <a:lnRef idx="1">
-            <a:schemeClr val="accent1"/>
-          </a:lnRef>
-          <a:fillRef idx="3">
-            <a:schemeClr val="accent1"/>
-          </a:fillRef>
-          <a:effectRef idx="2">
-            <a:schemeClr val="accent1"/>
-          </a:effectRef>
-          <a:fontRef idx="minor">
-            <a:schemeClr val="lt1"/>
-          </a:fontRef>
-        </p:style>
-        <p:txBody>
-          <a:bodyPr rtlCol="0" anchor="ctr"/>
-          <a:lstStyle/>
-          <a:p>
-            <a:pPr algn="ctr"/>
-            <a:endParaRPr lang="en-US"/>
-          </a:p>
-        </p:txBody>
-      </p:sp>
-      <p:cxnSp>
-        <p:nvCxnSpPr>
-          <p:cNvPr id="26" name="Straight Connector 25"/>
-          <p:cNvCxnSpPr/>
-          <p:nvPr/>
-        </p:nvCxnSpPr>
-        <p:spPr>
-          <a:xfrm rot="10800000" flipV="1">
-            <a:off x="1339687" y="3047012"/>
-            <a:ext cx="5158949" cy="793684"/>
-          </a:xfrm>
-          <a:prstGeom prst="line">
-            <a:avLst/>
-          </a:prstGeom>
-          <a:ln>
-            <a:solidFill>
-              <a:srgbClr val="FFFF00"/>
-            </a:solidFill>
-          </a:ln>
-        </p:spPr>
-        <p:style>
-          <a:lnRef idx="2">
-            <a:schemeClr val="accent1"/>
-          </a:lnRef>
-          <a:fillRef idx="0">
-            <a:schemeClr val="accent1"/>
-          </a:fillRef>
-          <a:effectRef idx="1">
-            <a:schemeClr val="accent1"/>
-          </a:effectRef>
-          <a:fontRef idx="minor">
-            <a:schemeClr val="tx1"/>
-          </a:fontRef>
-        </p:style>
-      </p:cxnSp>
-      <p:cxnSp>
-        <p:nvCxnSpPr>
-          <p:cNvPr id="28" name="Straight Connector 27"/>
-          <p:cNvCxnSpPr/>
-          <p:nvPr/>
-        </p:nvCxnSpPr>
-        <p:spPr>
-          <a:xfrm rot="10800000" flipV="1">
-            <a:off x="1339687" y="3443854"/>
-            <a:ext cx="6217195" cy="396842"/>
-          </a:xfrm>
-          <a:prstGeom prst="line">
-            <a:avLst/>
-          </a:prstGeom>
-          <a:ln>
-            <a:solidFill>
-              <a:srgbClr val="FFFF00"/>
-            </a:solidFill>
-          </a:ln>
-        </p:spPr>
-        <p:style>
-          <a:lnRef idx="2">
-            <a:schemeClr val="accent1"/>
-          </a:lnRef>
-          <a:fillRef idx="0">
-            <a:schemeClr val="accent1"/>
-          </a:fillRef>
-          <a:effectRef idx="1">
-            <a:schemeClr val="accent1"/>
-          </a:effectRef>
-          <a:fontRef idx="minor">
-            <a:schemeClr val="tx1"/>
-          </a:fontRef>
-        </p:style>
-      </p:cxnSp>
-      <p:cxnSp>
-        <p:nvCxnSpPr>
-          <p:cNvPr id="30" name="Straight Connector 29"/>
-          <p:cNvCxnSpPr/>
-          <p:nvPr/>
-        </p:nvCxnSpPr>
-        <p:spPr>
-          <a:xfrm rot="10800000">
-            <a:off x="1339687" y="3840696"/>
-            <a:ext cx="5688072" cy="132281"/>
-          </a:xfrm>
-          <a:prstGeom prst="line">
-            <a:avLst/>
-          </a:prstGeom>
-          <a:ln>
-            <a:solidFill>
-              <a:srgbClr val="FFFF00"/>
-            </a:solidFill>
-          </a:ln>
-        </p:spPr>
-        <p:style>
-          <a:lnRef idx="2">
-            <a:schemeClr val="accent1"/>
-          </a:lnRef>
-          <a:fillRef idx="0">
-            <a:schemeClr val="accent1"/>
-          </a:fillRef>
-          <a:effectRef idx="1">
-            <a:schemeClr val="accent1"/>
-          </a:effectRef>
-          <a:fontRef idx="minor">
-            <a:schemeClr val="tx1"/>
-          </a:fontRef>
-        </p:style>
-      </p:cxnSp>
-      <p:sp>
-        <p:nvSpPr>
-          <p:cNvPr id="34" name="Freeform 33"/>
-          <p:cNvSpPr/>
-          <p:nvPr/>
-        </p:nvSpPr>
-        <p:spPr>
-          <a:xfrm>
-            <a:off x="5331661" y="2060515"/>
-            <a:ext cx="3041870" cy="3093555"/>
-          </a:xfrm>
-          <a:custGeom>
-            <a:avLst/>
-            <a:gdLst>
-              <a:gd name="connsiteX0" fmla="*/ 374078 w 1752262"/>
-              <a:gd name="connsiteY0" fmla="*/ 167374 h 1782035"/>
-              <a:gd name="connsiteX1" fmla="*/ 713702 w 1752262"/>
-              <a:gd name="connsiteY1" fmla="*/ 4923 h 1782035"/>
-              <a:gd name="connsiteX2" fmla="*/ 1481547 w 1752262"/>
-              <a:gd name="connsiteY2" fmla="*/ 196910 h 1782035"/>
-              <a:gd name="connsiteX3" fmla="*/ 1717807 w 1752262"/>
-              <a:gd name="connsiteY3" fmla="*/ 935322 h 1782035"/>
-              <a:gd name="connsiteX4" fmla="*/ 1274819 w 1752262"/>
-              <a:gd name="connsiteY4" fmla="*/ 1718039 h 1782035"/>
-              <a:gd name="connsiteX5" fmla="*/ 344545 w 1752262"/>
-              <a:gd name="connsiteY5" fmla="*/ 1319296 h 1782035"/>
-              <a:gd name="connsiteX6" fmla="*/ 4922 w 1752262"/>
-              <a:gd name="connsiteY6" fmla="*/ 684262 h 1782035"/>
-              <a:gd name="connsiteX7" fmla="*/ 374078 w 1752262"/>
-              <a:gd name="connsiteY7" fmla="*/ 167374 h 1782035"/>
-            </a:gdLst>
-            <a:ahLst/>
-            <a:cxnLst>
-              <a:cxn ang="0">
-                <a:pos x="connsiteX0" y="connsiteY0"/>
-              </a:cxn>
-              <a:cxn ang="0">
-                <a:pos x="connsiteX1" y="connsiteY1"/>
-              </a:cxn>
-              <a:cxn ang="0">
-                <a:pos x="connsiteX2" y="connsiteY2"/>
-              </a:cxn>
-              <a:cxn ang="0">
-                <a:pos x="connsiteX3" y="connsiteY3"/>
-              </a:cxn>
-              <a:cxn ang="0">
-                <a:pos x="connsiteX4" y="connsiteY4"/>
-              </a:cxn>
-              <a:cxn ang="0">
-                <a:pos x="connsiteX5" y="connsiteY5"/>
-              </a:cxn>
-              <a:cxn ang="0">
-                <a:pos x="connsiteX6" y="connsiteY6"/>
-              </a:cxn>
-              <a:cxn ang="0">
-                <a:pos x="connsiteX7" y="connsiteY7"/>
-              </a:cxn>
-            </a:cxnLst>
-            <a:rect l="l" t="t" r="r" b="b"/>
-            <a:pathLst>
-              <a:path w="1752262" h="1782035">
-                <a:moveTo>
-                  <a:pt x="374078" y="167374"/>
-                </a:moveTo>
-                <a:cubicBezTo>
-                  <a:pt x="492208" y="54151"/>
-                  <a:pt x="529124" y="0"/>
-                  <a:pt x="713702" y="4923"/>
-                </a:cubicBezTo>
-                <a:cubicBezTo>
-                  <a:pt x="898280" y="9846"/>
-                  <a:pt x="1314196" y="41844"/>
-                  <a:pt x="1481547" y="196910"/>
-                </a:cubicBezTo>
-                <a:cubicBezTo>
-                  <a:pt x="1648898" y="351976"/>
-                  <a:pt x="1752262" y="681801"/>
-                  <a:pt x="1717807" y="935322"/>
-                </a:cubicBezTo>
-                <a:cubicBezTo>
-                  <a:pt x="1683352" y="1188844"/>
-                  <a:pt x="1503696" y="1654043"/>
-                  <a:pt x="1274819" y="1718039"/>
-                </a:cubicBezTo>
-                <a:cubicBezTo>
-                  <a:pt x="1045942" y="1782035"/>
-                  <a:pt x="556194" y="1491592"/>
-                  <a:pt x="344545" y="1319296"/>
-                </a:cubicBezTo>
-                <a:cubicBezTo>
-                  <a:pt x="132896" y="1147000"/>
-                  <a:pt x="0" y="873788"/>
-                  <a:pt x="4922" y="684262"/>
-                </a:cubicBezTo>
-                <a:cubicBezTo>
-                  <a:pt x="9844" y="494736"/>
-                  <a:pt x="255948" y="280597"/>
-                  <a:pt x="374078" y="167374"/>
-                </a:cubicBezTo>
-                <a:close/>
-              </a:path>
-            </a:pathLst>
-          </a:custGeom>
-          <a:solidFill>
-            <a:srgbClr val="FF0000">
-              <a:alpha val="30000"/>
-            </a:srgbClr>
-          </a:solidFill>
-          <a:ln>
-            <a:solidFill>
-              <a:srgbClr val="FF0000"/>
-            </a:solidFill>
-          </a:ln>
-        </p:spPr>
-        <p:style>
-          <a:lnRef idx="1">
-            <a:schemeClr val="accent1"/>
-          </a:lnRef>
-          <a:fillRef idx="3">
-            <a:schemeClr val="accent1"/>
-          </a:fillRef>
-          <a:effectRef idx="2">
-            <a:schemeClr val="accent1"/>
-          </a:effectRef>
-          <a:fontRef idx="minor">
-            <a:schemeClr val="lt1"/>
-          </a:fontRef>
-        </p:style>
-        <p:txBody>
-          <a:bodyPr rtlCol="0" anchor="ctr"/>
-          <a:lstStyle/>
-          <a:p>
-            <a:pPr algn="ctr"/>
-            <a:endParaRPr lang="en-US"/>
-          </a:p>
-        </p:txBody>
-      </p:sp>
-      <p:cxnSp>
-        <p:nvCxnSpPr>
-          <p:cNvPr id="36" name="Straight Connector 35"/>
-          <p:cNvCxnSpPr/>
-          <p:nvPr/>
-        </p:nvCxnSpPr>
-        <p:spPr>
-          <a:xfrm>
-            <a:off x="2530213" y="3179292"/>
-            <a:ext cx="4497545" cy="793684"/>
-          </a:xfrm>
-          <a:prstGeom prst="line">
-            <a:avLst/>
-          </a:prstGeom>
-        </p:spPr>
-        <p:style>
-          <a:lnRef idx="2">
-            <a:schemeClr val="accent1"/>
-          </a:lnRef>
-          <a:fillRef idx="0">
-            <a:schemeClr val="accent1"/>
-          </a:fillRef>
-          <a:effectRef idx="1">
-            <a:schemeClr val="accent1"/>
-          </a:effectRef>
-          <a:fontRef idx="minor">
-            <a:schemeClr val="tx1"/>
-          </a:fontRef>
-        </p:style>
-      </p:cxnSp>
-      <p:cxnSp>
-        <p:nvCxnSpPr>
-          <p:cNvPr id="40" name="Straight Connector 39"/>
-          <p:cNvCxnSpPr/>
-          <p:nvPr/>
-        </p:nvCxnSpPr>
-        <p:spPr>
-          <a:xfrm>
-            <a:off x="413721" y="3311573"/>
-            <a:ext cx="6746318" cy="661404"/>
-          </a:xfrm>
-          <a:prstGeom prst="line">
-            <a:avLst/>
-          </a:prstGeom>
-        </p:spPr>
-        <p:style>
-          <a:lnRef idx="2">
-            <a:schemeClr val="accent1"/>
-          </a:lnRef>
-          <a:fillRef idx="0">
-            <a:schemeClr val="accent1"/>
-          </a:fillRef>
-          <a:effectRef idx="1">
-            <a:schemeClr val="accent1"/>
-          </a:effectRef>
-          <a:fontRef idx="minor">
-            <a:schemeClr val="tx1"/>
-          </a:fontRef>
-        </p:style>
-      </p:cxnSp>
-      <p:cxnSp>
-        <p:nvCxnSpPr>
-          <p:cNvPr id="42" name="Straight Connector 41"/>
-          <p:cNvCxnSpPr/>
-          <p:nvPr/>
-        </p:nvCxnSpPr>
-        <p:spPr>
-          <a:xfrm flipV="1">
-            <a:off x="810564" y="3972977"/>
-            <a:ext cx="6217195" cy="396842"/>
-          </a:xfrm>
-          <a:prstGeom prst="line">
-            <a:avLst/>
-          </a:prstGeom>
-        </p:spPr>
-        <p:style>
-          <a:lnRef idx="2">
-            <a:schemeClr val="accent1"/>
-          </a:lnRef>
-          <a:fillRef idx="0">
-            <a:schemeClr val="accent1"/>
-          </a:fillRef>
-          <a:effectRef idx="1">
-            <a:schemeClr val="accent1"/>
-          </a:effectRef>
-          <a:fontRef idx="minor">
-            <a:schemeClr val="tx1"/>
-          </a:fontRef>
-        </p:style>
-      </p:cxnSp>
       <mc:AlternateContent xmlns:mc="http://schemas.openxmlformats.org/markup-compatibility/2006" xmlns:a14="http://schemas.microsoft.com/office/drawing/2010/main">
         <mc:Choice Requires="a14">
-          <p:sp>
-            <p:nvSpPr>
-              <p:cNvPr id="24" name="TextBox 23">
-                <a:extLst>
-                  <a:ext uri="{FF2B5EF4-FFF2-40B4-BE49-F238E27FC236}">
-                    <a16:creationId xmlns:a16="http://schemas.microsoft.com/office/drawing/2014/main" id="{233CDC5C-8211-4A2B-843A-08317A5581D6}"/>
-                  </a:ext>
-                </a:extLst>
-              </p:cNvPr>
-              <p:cNvSpPr txBox="1"/>
-              <p:nvPr/>
-            </p:nvSpPr>
-            <p:spPr>
-              <a:xfrm>
-                <a:off x="3929257" y="5473157"/>
-                <a:ext cx="5245851" cy="1035155"/>
-              </a:xfrm>
-              <a:prstGeom prst="rect">
-                <a:avLst/>
-              </a:prstGeom>
-              <a:noFill/>
-            </p:spPr>
-            <p:txBody>
-              <a:bodyPr wrap="square" rtlCol="0">
-                <a:spAutoFit/>
-              </a:bodyPr>
-              <a:lstStyle/>
-              <a:p>
-                <a:pPr/>
-                <a14:m>
-                  <m:oMathPara xmlns:m="http://schemas.openxmlformats.org/officeDocument/2006/math">
-                    <m:oMathParaPr>
-                      <m:jc m:val="centerGroup"/>
-                    </m:oMathParaPr>
-                    <m:oMath xmlns:m="http://schemas.openxmlformats.org/officeDocument/2006/math">
-                      <m:r>
-                        <a:rPr lang="en-US" sz="2400" b="0" i="1" smtClean="0">
-                          <a:latin typeface="Cambria Math" panose="02040503050406030204" pitchFamily="18" charset="0"/>
-                        </a:rPr>
-                        <m:t>𝑏</m:t>
-                      </m:r>
-                      <m:d>
-                        <m:dPr>
-                          <m:ctrlPr>
-                            <a:rPr lang="en-US" sz="2400" b="0" i="1" smtClean="0">
-                              <a:latin typeface="Cambria Math" panose="02040503050406030204" pitchFamily="18" charset="0"/>
-                            </a:rPr>
-                          </m:ctrlPr>
-                        </m:dPr>
-                        <m:e>
-                          <m:r>
-                            <a:rPr lang="en-US" sz="2400" b="0" i="1" smtClean="0">
-                              <a:latin typeface="Cambria Math" panose="02040503050406030204" pitchFamily="18" charset="0"/>
-                            </a:rPr>
-                            <m:t>𝑖</m:t>
-                          </m:r>
-                        </m:e>
-                      </m:d>
-                      <m:r>
-                        <a:rPr lang="en-US" sz="2400" b="0" i="1" smtClean="0">
-                          <a:latin typeface="Cambria Math" panose="02040503050406030204" pitchFamily="18" charset="0"/>
-                        </a:rPr>
-                        <m:t>=</m:t>
-                      </m:r>
-                      <m:func>
-                        <m:funcPr>
-                          <m:ctrlPr>
-                            <a:rPr lang="en-US" sz="2400" b="0" i="1" smtClean="0">
-                              <a:latin typeface="Cambria Math" panose="02040503050406030204" pitchFamily="18" charset="0"/>
-                            </a:rPr>
-                          </m:ctrlPr>
-                        </m:funcPr>
-                        <m:fName>
-                          <m:limLow>
-                            <m:limLowPr>
-                              <m:ctrlPr>
-                                <a:rPr lang="en-US" sz="2400" b="0" i="1" smtClean="0">
-                                  <a:latin typeface="Cambria Math" panose="02040503050406030204" pitchFamily="18" charset="0"/>
-                                </a:rPr>
-                              </m:ctrlPr>
-                            </m:limLowPr>
-                            <m:e>
-                              <m:r>
-                                <m:rPr>
-                                  <m:sty m:val="p"/>
-                                </m:rPr>
-                                <a:rPr lang="en-US" sz="2400" b="0" i="0" smtClean="0">
-                                  <a:latin typeface="Cambria Math" panose="02040503050406030204" pitchFamily="18" charset="0"/>
-                                </a:rPr>
-                                <m:t>min</m:t>
-                              </m:r>
-                            </m:e>
-                            <m:lim>
-                              <m:r>
-                                <a:rPr lang="en-US" sz="2400" b="0" i="1" smtClean="0">
-                                  <a:latin typeface="Cambria Math" panose="02040503050406030204" pitchFamily="18" charset="0"/>
-                                </a:rPr>
-                                <m:t>𝑘</m:t>
-                              </m:r>
-                              <m:r>
-                                <a:rPr lang="en-US" sz="2400" b="0" i="1" smtClean="0">
-                                  <a:latin typeface="Cambria Math" panose="02040503050406030204" pitchFamily="18" charset="0"/>
-                                </a:rPr>
-                                <m:t>≠</m:t>
-                              </m:r>
-                              <m:r>
-                                <a:rPr lang="en-US" sz="2400" b="0" i="1" smtClean="0">
-                                  <a:latin typeface="Cambria Math" panose="02040503050406030204" pitchFamily="18" charset="0"/>
-                                </a:rPr>
-                                <m:t>𝑖</m:t>
-                              </m:r>
-                            </m:lim>
-                          </m:limLow>
-                        </m:fName>
-                        <m:e>
-                          <m:f>
-                            <m:fPr>
-                              <m:ctrlPr>
-                                <a:rPr lang="en-US" sz="2400" i="1">
-                                  <a:latin typeface="Cambria Math" panose="02040503050406030204" pitchFamily="18" charset="0"/>
-                                </a:rPr>
-                              </m:ctrlPr>
-                            </m:fPr>
-                            <m:num>
-                              <m:r>
-                                <a:rPr lang="en-US" sz="2400" i="1">
-                                  <a:latin typeface="Cambria Math" panose="02040503050406030204" pitchFamily="18" charset="0"/>
-                                </a:rPr>
-                                <m:t>1</m:t>
-                              </m:r>
-                            </m:num>
-                            <m:den>
-                              <m:d>
-                                <m:dPr>
-                                  <m:begChr m:val="|"/>
-                                  <m:endChr m:val="|"/>
-                                  <m:ctrlPr>
-                                    <a:rPr lang="en-US" sz="2400" i="1">
-                                      <a:latin typeface="Cambria Math" panose="02040503050406030204" pitchFamily="18" charset="0"/>
-                                    </a:rPr>
-                                  </m:ctrlPr>
-                                </m:dPr>
-                                <m:e>
-                                  <m:sSub>
-                                    <m:sSubPr>
-                                      <m:ctrlPr>
-                                        <a:rPr lang="en-US" sz="2400" i="1">
-                                          <a:latin typeface="Cambria Math" panose="02040503050406030204" pitchFamily="18" charset="0"/>
-                                        </a:rPr>
-                                      </m:ctrlPr>
-                                    </m:sSubPr>
-                                    <m:e>
-                                      <m:r>
-                                        <a:rPr lang="en-US" sz="2400" i="1">
-                                          <a:latin typeface="Cambria Math" panose="02040503050406030204" pitchFamily="18" charset="0"/>
-                                        </a:rPr>
-                                        <m:t>𝐶</m:t>
-                                      </m:r>
-                                    </m:e>
-                                    <m:sub>
-                                      <m:r>
-                                        <a:rPr lang="en-US" sz="2400" i="1">
-                                          <a:latin typeface="Cambria Math" panose="02040503050406030204" pitchFamily="18" charset="0"/>
-                                        </a:rPr>
-                                        <m:t>𝑘</m:t>
-                                      </m:r>
-                                    </m:sub>
-                                  </m:sSub>
-                                </m:e>
-                              </m:d>
-                            </m:den>
-                          </m:f>
-                          <m:nary>
-                            <m:naryPr>
-                              <m:chr m:val="∑"/>
-                              <m:supHide m:val="on"/>
-                              <m:ctrlPr>
-                                <a:rPr lang="en-US" sz="2400" i="1">
-                                  <a:latin typeface="Cambria Math" panose="02040503050406030204" pitchFamily="18" charset="0"/>
-                                </a:rPr>
-                              </m:ctrlPr>
-                            </m:naryPr>
-                            <m:sub>
-                              <m:r>
-                                <a:rPr lang="en-US" sz="2400" i="1">
-                                  <a:latin typeface="Cambria Math" panose="02040503050406030204" pitchFamily="18" charset="0"/>
-                                </a:rPr>
-                                <m:t>𝑗</m:t>
-                              </m:r>
-                              <m:r>
-                                <a:rPr lang="en-US" sz="2400" i="1">
-                                  <a:latin typeface="Cambria Math" panose="02040503050406030204" pitchFamily="18" charset="0"/>
-                                </a:rPr>
-                                <m:t>∈</m:t>
-                              </m:r>
-                              <m:sSub>
-                                <m:sSubPr>
-                                  <m:ctrlPr>
-                                    <a:rPr lang="en-US" sz="2400" i="1">
-                                      <a:latin typeface="Cambria Math" panose="02040503050406030204" pitchFamily="18" charset="0"/>
-                                    </a:rPr>
-                                  </m:ctrlPr>
-                                </m:sSubPr>
-                                <m:e>
-                                  <m:r>
-                                    <a:rPr lang="en-US" sz="2400" i="1">
-                                      <a:latin typeface="Cambria Math" panose="02040503050406030204" pitchFamily="18" charset="0"/>
-                                    </a:rPr>
-                                    <m:t>𝐶</m:t>
-                                  </m:r>
-                                </m:e>
-                                <m:sub>
-                                  <m:r>
-                                    <a:rPr lang="en-US" sz="2400" i="1">
-                                      <a:latin typeface="Cambria Math" panose="02040503050406030204" pitchFamily="18" charset="0"/>
-                                    </a:rPr>
-                                    <m:t>𝑘</m:t>
-                                  </m:r>
-                                </m:sub>
-                              </m:sSub>
-                            </m:sub>
-                            <m:sup/>
-                            <m:e>
-                              <m:r>
-                                <a:rPr lang="en-US" sz="2400" i="1">
-                                  <a:latin typeface="Cambria Math" panose="02040503050406030204" pitchFamily="18" charset="0"/>
-                                </a:rPr>
-                                <m:t>𝑑</m:t>
-                              </m:r>
-                              <m:d>
-                                <m:dPr>
-                                  <m:ctrlPr>
-                                    <a:rPr lang="en-US" sz="2400" i="1">
-                                      <a:latin typeface="Cambria Math" panose="02040503050406030204" pitchFamily="18" charset="0"/>
-                                    </a:rPr>
-                                  </m:ctrlPr>
-                                </m:dPr>
-                                <m:e>
-                                  <m:r>
-                                    <a:rPr lang="en-US" sz="2400" i="1">
-                                      <a:latin typeface="Cambria Math" panose="02040503050406030204" pitchFamily="18" charset="0"/>
-                                    </a:rPr>
-                                    <m:t>𝑖</m:t>
-                                  </m:r>
-                                  <m:r>
-                                    <a:rPr lang="en-US" sz="2400" i="1">
-                                      <a:latin typeface="Cambria Math" panose="02040503050406030204" pitchFamily="18" charset="0"/>
-                                    </a:rPr>
-                                    <m:t>,</m:t>
-                                  </m:r>
-                                  <m:r>
-                                    <a:rPr lang="en-US" sz="2400" i="1">
-                                      <a:latin typeface="Cambria Math" panose="02040503050406030204" pitchFamily="18" charset="0"/>
-                                    </a:rPr>
-                                    <m:t>𝑗</m:t>
-                                  </m:r>
-                                </m:e>
-                              </m:d>
-                            </m:e>
-                          </m:nary>
-                        </m:e>
-                      </m:func>
-                    </m:oMath>
-                  </m:oMathPara>
-                </a14:m>
-                <a:endParaRPr lang="en-US" sz="2400" dirty="0"/>
-              </a:p>
-            </p:txBody>
-          </p:sp>
-        </mc:Choice>
-        <mc:Fallback xmlns="">
-          <p:sp>
-            <p:nvSpPr>
-              <p:cNvPr id="24" name="TextBox 23">
-                <a:extLst>
-                  <a:ext uri="{FF2B5EF4-FFF2-40B4-BE49-F238E27FC236}">
-                    <a16:creationId xmlns:a16="http://schemas.microsoft.com/office/drawing/2014/main" id="{233CDC5C-8211-4A2B-843A-08317A5581D6}"/>
-                  </a:ext>
-                </a:extLst>
-              </p:cNvPr>
-              <p:cNvSpPr txBox="1">
-                <a:spLocks noRot="1" noChangeAspect="1" noMove="1" noResize="1" noEditPoints="1" noAdjustHandles="1" noChangeArrowheads="1" noChangeShapeType="1" noTextEdit="1"/>
-              </p:cNvSpPr>
-              <p:nvPr/>
-            </p:nvSpPr>
-            <p:spPr>
-              <a:xfrm>
-                <a:off x="3929257" y="5473157"/>
-                <a:ext cx="5245851" cy="1035155"/>
-              </a:xfrm>
-              <a:prstGeom prst="rect">
-                <a:avLst/>
-              </a:prstGeom>
-              <a:blipFill>
-                <a:blip r:embed="rId3"/>
-                <a:stretch>
-                  <a:fillRect/>
-                </a:stretch>
-              </a:blipFill>
-            </p:spPr>
-            <p:txBody>
-              <a:bodyPr/>
-              <a:lstStyle/>
-              <a:p>
-                <a:r>
-                  <a:rPr lang="en-US">
-                    <a:noFill/>
-                  </a:rPr>
-                  <a:t> </a:t>
-                </a:r>
-              </a:p>
-            </p:txBody>
-          </p:sp>
-        </mc:Fallback>
-      </mc:AlternateContent>
-      <mc:AlternateContent xmlns:mc="http://schemas.openxmlformats.org/markup-compatibility/2006">
-        <mc:Choice xmlns:a14="http://schemas.microsoft.com/office/drawing/2010/main" Requires="a14">
           <p:sp>
             <p:nvSpPr>
               <p:cNvPr id="3" name="TextBox 2">
@@ -22580,7 +22892,7 @@
             </p:txBody>
           </p:sp>
         </mc:Choice>
-        <mc:Fallback>
+        <mc:Fallback xmlns="">
           <p:sp>
             <p:nvSpPr>
               <p:cNvPr id="3" name="TextBox 2">
@@ -22625,8 +22937,8 @@
           </p:sp>
         </mc:Fallback>
       </mc:AlternateContent>
-      <mc:AlternateContent xmlns:mc="http://schemas.openxmlformats.org/markup-compatibility/2006">
-        <mc:Choice xmlns:a14="http://schemas.microsoft.com/office/drawing/2010/main" Requires="a14">
+      <mc:AlternateContent xmlns:mc="http://schemas.openxmlformats.org/markup-compatibility/2006" xmlns:a14="http://schemas.microsoft.com/office/drawing/2010/main">
+        <mc:Choice Requires="a14">
           <p:sp>
             <p:nvSpPr>
               <p:cNvPr id="20" name="TextBox 19">
@@ -22673,7 +22985,7 @@
             </p:txBody>
           </p:sp>
         </mc:Choice>
-        <mc:Fallback>
+        <mc:Fallback xmlns="">
           <p:sp>
             <p:nvSpPr>
               <p:cNvPr id="20" name="TextBox 19">
@@ -22718,8 +23030,8 @@
           </p:sp>
         </mc:Fallback>
       </mc:AlternateContent>
-      <mc:AlternateContent xmlns:mc="http://schemas.openxmlformats.org/markup-compatibility/2006">
-        <mc:Choice xmlns:a14="http://schemas.microsoft.com/office/drawing/2010/main" Requires="a14">
+      <mc:AlternateContent xmlns:mc="http://schemas.openxmlformats.org/markup-compatibility/2006" xmlns:a14="http://schemas.microsoft.com/office/drawing/2010/main">
+        <mc:Choice Requires="a14">
           <p:sp>
             <p:nvSpPr>
               <p:cNvPr id="21" name="TextBox 20">
@@ -22766,7 +23078,7 @@
             </p:txBody>
           </p:sp>
         </mc:Choice>
-        <mc:Fallback>
+        <mc:Fallback xmlns="">
           <p:sp>
             <p:nvSpPr>
               <p:cNvPr id="21" name="TextBox 20">
@@ -22967,8 +23279,8 @@
           </a:p>
         </p:txBody>
       </p:sp>
-      <mc:AlternateContent xmlns:mc="http://schemas.openxmlformats.org/markup-compatibility/2006">
-        <mc:Choice xmlns:a14="http://schemas.microsoft.com/office/drawing/2010/main" Requires="a14">
+      <mc:AlternateContent xmlns:mc="http://schemas.openxmlformats.org/markup-compatibility/2006" xmlns:a14="http://schemas.microsoft.com/office/drawing/2010/main">
+        <mc:Choice Requires="a14">
           <p:sp>
             <p:nvSpPr>
               <p:cNvPr id="31" name="TextBox 30">
@@ -23015,7 +23327,7 @@
             </p:txBody>
           </p:sp>
         </mc:Choice>
-        <mc:Fallback>
+        <mc:Fallback xmlns="">
           <p:sp>
             <p:nvSpPr>
               <p:cNvPr id="31" name="TextBox 30">
@@ -23074,6 +23386,174 @@
 </file>
 
 <file path=ppt/slides/slide31.xml><?xml version="1.0" encoding="utf-8"?>
+<p:sld xmlns:a="http://schemas.openxmlformats.org/drawingml/2006/main" xmlns:r="http://schemas.openxmlformats.org/officeDocument/2006/relationships" xmlns:p="http://schemas.openxmlformats.org/presentationml/2006/main">
+  <p:cSld>
+    <p:spTree>
+      <p:nvGrpSpPr>
+        <p:cNvPr id="1" name=""/>
+        <p:cNvGrpSpPr/>
+        <p:nvPr/>
+      </p:nvGrpSpPr>
+      <p:grpSpPr>
+        <a:xfrm>
+          <a:off x="0" y="0"/>
+          <a:ext cx="0" cy="0"/>
+          <a:chOff x="0" y="0"/>
+          <a:chExt cx="0" cy="0"/>
+        </a:xfrm>
+      </p:grpSpPr>
+      <p:sp>
+        <p:nvSpPr>
+          <p:cNvPr id="4" name="Rectangle 3">
+            <a:extLst>
+              <a:ext uri="{FF2B5EF4-FFF2-40B4-BE49-F238E27FC236}">
+                <a16:creationId xmlns:a16="http://schemas.microsoft.com/office/drawing/2014/main" id="{CC566A04-2178-4469-87A8-C37BBC5F3AE1}"/>
+              </a:ext>
+            </a:extLst>
+          </p:cNvPr>
+          <p:cNvSpPr/>
+          <p:nvPr/>
+        </p:nvSpPr>
+        <p:spPr>
+          <a:xfrm>
+            <a:off x="1693333" y="1557868"/>
+            <a:ext cx="3123184" cy="2692400"/>
+          </a:xfrm>
+          <a:prstGeom prst="rect">
+            <a:avLst/>
+          </a:prstGeom>
+        </p:spPr>
+        <p:style>
+          <a:lnRef idx="2">
+            <a:schemeClr val="accent1">
+              <a:shade val="50000"/>
+            </a:schemeClr>
+          </a:lnRef>
+          <a:fillRef idx="1">
+            <a:schemeClr val="accent1"/>
+          </a:fillRef>
+          <a:effectRef idx="0">
+            <a:schemeClr val="accent1"/>
+          </a:effectRef>
+          <a:fontRef idx="minor">
+            <a:schemeClr val="lt1"/>
+          </a:fontRef>
+        </p:style>
+        <p:txBody>
+          <a:bodyPr rtlCol="0" anchor="ctr"/>
+          <a:lstStyle/>
+          <a:p>
+            <a:pPr algn="ctr"/>
+            <a:endParaRPr lang="en-US"/>
+          </a:p>
+        </p:txBody>
+      </p:sp>
+      <p:sp>
+        <p:nvSpPr>
+          <p:cNvPr id="6" name="Isosceles Triangle 5">
+            <a:extLst>
+              <a:ext uri="{FF2B5EF4-FFF2-40B4-BE49-F238E27FC236}">
+                <a16:creationId xmlns:a16="http://schemas.microsoft.com/office/drawing/2014/main" id="{31EAB9E5-A425-4F8C-8D58-5E8A7B924E37}"/>
+              </a:ext>
+            </a:extLst>
+          </p:cNvPr>
+          <p:cNvSpPr/>
+          <p:nvPr/>
+        </p:nvSpPr>
+        <p:spPr>
+          <a:xfrm>
+            <a:off x="5147732" y="2455334"/>
+            <a:ext cx="3123184" cy="2692400"/>
+          </a:xfrm>
+          <a:prstGeom prst="triangle">
+            <a:avLst/>
+          </a:prstGeom>
+        </p:spPr>
+        <p:style>
+          <a:lnRef idx="2">
+            <a:schemeClr val="accent1">
+              <a:shade val="50000"/>
+            </a:schemeClr>
+          </a:lnRef>
+          <a:fillRef idx="1">
+            <a:schemeClr val="accent1"/>
+          </a:fillRef>
+          <a:effectRef idx="0">
+            <a:schemeClr val="accent1"/>
+          </a:effectRef>
+          <a:fontRef idx="minor">
+            <a:schemeClr val="lt1"/>
+          </a:fontRef>
+        </p:style>
+        <p:txBody>
+          <a:bodyPr rtlCol="0" anchor="ctr"/>
+          <a:lstStyle/>
+          <a:p>
+            <a:pPr algn="ctr"/>
+            <a:endParaRPr lang="en-US"/>
+          </a:p>
+        </p:txBody>
+      </p:sp>
+      <p:sp>
+        <p:nvSpPr>
+          <p:cNvPr id="7" name="Oval 6">
+            <a:extLst>
+              <a:ext uri="{FF2B5EF4-FFF2-40B4-BE49-F238E27FC236}">
+                <a16:creationId xmlns:a16="http://schemas.microsoft.com/office/drawing/2014/main" id="{811EC2C1-4373-4163-BB78-9004CDB04AEC}"/>
+              </a:ext>
+            </a:extLst>
+          </p:cNvPr>
+          <p:cNvSpPr/>
+          <p:nvPr/>
+        </p:nvSpPr>
+        <p:spPr>
+          <a:xfrm>
+            <a:off x="9372600" y="220134"/>
+            <a:ext cx="2692400" cy="2692400"/>
+          </a:xfrm>
+          <a:prstGeom prst="ellipse">
+            <a:avLst/>
+          </a:prstGeom>
+        </p:spPr>
+        <p:style>
+          <a:lnRef idx="2">
+            <a:schemeClr val="accent1">
+              <a:shade val="50000"/>
+            </a:schemeClr>
+          </a:lnRef>
+          <a:fillRef idx="1">
+            <a:schemeClr val="accent1"/>
+          </a:fillRef>
+          <a:effectRef idx="0">
+            <a:schemeClr val="accent1"/>
+          </a:effectRef>
+          <a:fontRef idx="minor">
+            <a:schemeClr val="lt1"/>
+          </a:fontRef>
+        </p:style>
+        <p:txBody>
+          <a:bodyPr rtlCol="0" anchor="ctr"/>
+          <a:lstStyle/>
+          <a:p>
+            <a:pPr algn="ctr"/>
+            <a:endParaRPr lang="en-US"/>
+          </a:p>
+        </p:txBody>
+      </p:sp>
+    </p:spTree>
+    <p:extLst>
+      <p:ext uri="{BB962C8B-B14F-4D97-AF65-F5344CB8AC3E}">
+        <p14:creationId xmlns:p14="http://schemas.microsoft.com/office/powerpoint/2010/main" val="3070952625"/>
+      </p:ext>
+    </p:extLst>
+  </p:cSld>
+  <p:clrMapOvr>
+    <a:masterClrMapping/>
+  </p:clrMapOvr>
+</p:sld>
+</file>
+
+<file path=ppt/slides/slide32.xml><?xml version="1.0" encoding="utf-8"?>
 <p:sld xmlns:a="http://schemas.openxmlformats.org/drawingml/2006/main" xmlns:r="http://schemas.openxmlformats.org/officeDocument/2006/relationships" xmlns:p="http://schemas.openxmlformats.org/presentationml/2006/main">
   <p:cSld>
     <p:spTree>
@@ -23920,7 +24400,7 @@
 </p:sld>
 </file>
 
-<file path=ppt/slides/slide32.xml><?xml version="1.0" encoding="utf-8"?>
+<file path=ppt/slides/slide33.xml><?xml version="1.0" encoding="utf-8"?>
 <p:sld xmlns:a="http://schemas.openxmlformats.org/drawingml/2006/main" xmlns:r="http://schemas.openxmlformats.org/officeDocument/2006/relationships" xmlns:p="http://schemas.openxmlformats.org/presentationml/2006/main">
   <p:cSld>
     <p:spTree>
@@ -26323,7 +26803,7 @@
 </p:sld>
 </file>
 
-<file path=ppt/slides/slide33.xml><?xml version="1.0" encoding="utf-8"?>
+<file path=ppt/slides/slide34.xml><?xml version="1.0" encoding="utf-8"?>
 <p:sld xmlns:a="http://schemas.openxmlformats.org/drawingml/2006/main" xmlns:r="http://schemas.openxmlformats.org/officeDocument/2006/relationships" xmlns:p="http://schemas.openxmlformats.org/presentationml/2006/main">
   <p:cSld>
     <p:spTree>
@@ -26463,7 +26943,7 @@
 </p:sld>
 </file>
 
-<file path=ppt/slides/slide34.xml><?xml version="1.0" encoding="utf-8"?>
+<file path=ppt/slides/slide35.xml><?xml version="1.0" encoding="utf-8"?>
 <p:sld xmlns:a="http://schemas.openxmlformats.org/drawingml/2006/main" xmlns:r="http://schemas.openxmlformats.org/officeDocument/2006/relationships" xmlns:p="http://schemas.openxmlformats.org/presentationml/2006/main">
   <p:cSld>
     <p:spTree>
@@ -26674,7 +27154,7 @@
 </p:sld>
 </file>
 
-<file path=ppt/slides/slide35.xml><?xml version="1.0" encoding="utf-8"?>
+<file path=ppt/slides/slide36.xml><?xml version="1.0" encoding="utf-8"?>
 <p:sld xmlns:a="http://schemas.openxmlformats.org/drawingml/2006/main" xmlns:r="http://schemas.openxmlformats.org/officeDocument/2006/relationships" xmlns:p="http://schemas.openxmlformats.org/presentationml/2006/main">
   <p:cSld>
     <p:spTree>
@@ -26719,8 +27199,8 @@
           </a:p>
         </p:txBody>
       </p:sp>
-      <mc:AlternateContent xmlns:mc="http://schemas.openxmlformats.org/markup-compatibility/2006">
-        <mc:Choice xmlns:a14="http://schemas.microsoft.com/office/drawing/2010/main" Requires="a14">
+      <mc:AlternateContent xmlns:mc="http://schemas.openxmlformats.org/markup-compatibility/2006" xmlns:a14="http://schemas.microsoft.com/office/drawing/2010/main">
+        <mc:Choice Requires="a14">
           <p:sp>
             <p:nvSpPr>
               <p:cNvPr id="3" name="Content Placeholder 2">
@@ -26800,7 +27280,7 @@
             </p:txBody>
           </p:sp>
         </mc:Choice>
-        <mc:Fallback>
+        <mc:Fallback xmlns="">
           <p:sp>
             <p:nvSpPr>
               <p:cNvPr id="3" name="Content Placeholder 2">
@@ -27989,7 +28469,7 @@
                 <a:avLst/>
               </a:prstGeom>
               <a:blipFill>
-                <a:blip r:embed="rId2"/>
+                <a:blip r:embed="rId3"/>
                 <a:stretch>
                   <a:fillRect/>
                 </a:stretch>
@@ -28092,7 +28572,7 @@
                 <a:avLst/>
               </a:prstGeom>
               <a:blipFill>
-                <a:blip r:embed="rId3"/>
+                <a:blip r:embed="rId4"/>
                 <a:stretch>
                   <a:fillRect/>
                 </a:stretch>
@@ -28195,7 +28675,7 @@
                 <a:avLst/>
               </a:prstGeom>
               <a:blipFill>
-                <a:blip r:embed="rId4"/>
+                <a:blip r:embed="rId5"/>
                 <a:stretch>
                   <a:fillRect/>
                 </a:stretch>
@@ -28349,7 +28829,7 @@
             </p:nvSpPr>
             <p:spPr>
               <a:blipFill>
-                <a:blip r:embed="rId5"/>
+                <a:blip r:embed="rId6"/>
                 <a:stretch>
                   <a:fillRect l="-1043" t="-3081"/>
                 </a:stretch>

--- a/slides/04_ML_K-Means.pptx
+++ b/slides/04_ML_K-Means.pptx
@@ -232,7 +232,7 @@
           <a:p>
             <a:fld id="{7B6EC019-8BE9-4716-A045-AB4F46EC50AD}" type="datetimeFigureOut">
               <a:rPr lang="en-US" smtClean="0"/>
-              <a:t>3/31/2020</a:t>
+              <a:t>6/1/2020</a:t>
             </a:fld>
             <a:endParaRPr lang="en-US"/>
           </a:p>
@@ -1235,8 +1235,8 @@
         </p:nvSpPr>
         <p:spPr/>
       </p:sp>
-      <mc:AlternateContent xmlns:mc="http://schemas.openxmlformats.org/markup-compatibility/2006">
-        <mc:Choice xmlns:a14="http://schemas.microsoft.com/office/drawing/2010/main" Requires="a14">
+      <mc:AlternateContent xmlns:mc="http://schemas.openxmlformats.org/markup-compatibility/2006" xmlns:a14="http://schemas.microsoft.com/office/drawing/2010/main">
+        <mc:Choice Requires="a14">
           <p:sp>
             <p:nvSpPr>
               <p:cNvPr id="3" name="Notes Placeholder 2"/>
@@ -1367,7 +1367,7 @@
             </p:txBody>
           </p:sp>
         </mc:Choice>
-        <mc:Fallback>
+        <mc:Fallback xmlns="">
           <p:sp>
             <p:nvSpPr>
               <p:cNvPr id="3" name="Notes Placeholder 2"/>
@@ -3205,7 +3205,7 @@
           <a:p>
             <a:fld id="{5F6D1571-7249-4A7C-B463-A862308C856B}" type="datetimeFigureOut">
               <a:rPr lang="en-US" smtClean="0"/>
-              <a:t>3/31/2020</a:t>
+              <a:t>6/1/2020</a:t>
             </a:fld>
             <a:endParaRPr lang="en-US"/>
           </a:p>
@@ -3403,7 +3403,7 @@
           <a:p>
             <a:fld id="{5F6D1571-7249-4A7C-B463-A862308C856B}" type="datetimeFigureOut">
               <a:rPr lang="en-US" smtClean="0"/>
-              <a:t>3/31/2020</a:t>
+              <a:t>6/1/2020</a:t>
             </a:fld>
             <a:endParaRPr lang="en-US"/>
           </a:p>
@@ -3611,7 +3611,7 @@
           <a:p>
             <a:fld id="{5F6D1571-7249-4A7C-B463-A862308C856B}" type="datetimeFigureOut">
               <a:rPr lang="en-US" smtClean="0"/>
-              <a:t>3/31/2020</a:t>
+              <a:t>6/1/2020</a:t>
             </a:fld>
             <a:endParaRPr lang="en-US"/>
           </a:p>
@@ -3809,7 +3809,7 @@
           <a:p>
             <a:fld id="{5F6D1571-7249-4A7C-B463-A862308C856B}" type="datetimeFigureOut">
               <a:rPr lang="en-US" smtClean="0"/>
-              <a:t>3/31/2020</a:t>
+              <a:t>6/1/2020</a:t>
             </a:fld>
             <a:endParaRPr lang="en-US"/>
           </a:p>
@@ -4084,7 +4084,7 @@
           <a:p>
             <a:fld id="{5F6D1571-7249-4A7C-B463-A862308C856B}" type="datetimeFigureOut">
               <a:rPr lang="en-US" smtClean="0"/>
-              <a:t>3/31/2020</a:t>
+              <a:t>6/1/2020</a:t>
             </a:fld>
             <a:endParaRPr lang="en-US"/>
           </a:p>
@@ -4349,7 +4349,7 @@
           <a:p>
             <a:fld id="{5F6D1571-7249-4A7C-B463-A862308C856B}" type="datetimeFigureOut">
               <a:rPr lang="en-US" smtClean="0"/>
-              <a:t>3/31/2020</a:t>
+              <a:t>6/1/2020</a:t>
             </a:fld>
             <a:endParaRPr lang="en-US"/>
           </a:p>
@@ -4761,7 +4761,7 @@
           <a:p>
             <a:fld id="{5F6D1571-7249-4A7C-B463-A862308C856B}" type="datetimeFigureOut">
               <a:rPr lang="en-US" smtClean="0"/>
-              <a:t>3/31/2020</a:t>
+              <a:t>6/1/2020</a:t>
             </a:fld>
             <a:endParaRPr lang="en-US"/>
           </a:p>
@@ -4902,7 +4902,7 @@
           <a:p>
             <a:fld id="{5F6D1571-7249-4A7C-B463-A862308C856B}" type="datetimeFigureOut">
               <a:rPr lang="en-US" smtClean="0"/>
-              <a:t>3/31/2020</a:t>
+              <a:t>6/1/2020</a:t>
             </a:fld>
             <a:endParaRPr lang="en-US"/>
           </a:p>
@@ -5015,7 +5015,7 @@
           <a:p>
             <a:fld id="{5F6D1571-7249-4A7C-B463-A862308C856B}" type="datetimeFigureOut">
               <a:rPr lang="en-US" smtClean="0"/>
-              <a:t>3/31/2020</a:t>
+              <a:t>6/1/2020</a:t>
             </a:fld>
             <a:endParaRPr lang="en-US"/>
           </a:p>
@@ -5326,7 +5326,7 @@
           <a:p>
             <a:fld id="{5F6D1571-7249-4A7C-B463-A862308C856B}" type="datetimeFigureOut">
               <a:rPr lang="en-US" smtClean="0"/>
-              <a:t>3/31/2020</a:t>
+              <a:t>6/1/2020</a:t>
             </a:fld>
             <a:endParaRPr lang="en-US"/>
           </a:p>
@@ -5614,7 +5614,7 @@
           <a:p>
             <a:fld id="{5F6D1571-7249-4A7C-B463-A862308C856B}" type="datetimeFigureOut">
               <a:rPr lang="en-US" smtClean="0"/>
-              <a:t>3/31/2020</a:t>
+              <a:t>6/1/2020</a:t>
             </a:fld>
             <a:endParaRPr lang="en-US"/>
           </a:p>
@@ -5855,7 +5855,7 @@
           <a:p>
             <a:fld id="{5F6D1571-7249-4A7C-B463-A862308C856B}" type="datetimeFigureOut">
               <a:rPr lang="en-US" smtClean="0"/>
-              <a:t>3/31/2020</a:t>
+              <a:t>6/1/2020</a:t>
             </a:fld>
             <a:endParaRPr lang="en-US"/>
           </a:p>
@@ -24392,6 +24392,65 @@
           </p:sp>
         </mc:Fallback>
       </mc:AlternateContent>
+      <p:sp>
+        <p:nvSpPr>
+          <p:cNvPr id="4" name="Rectangle 3">
+            <a:extLst>
+              <a:ext uri="{FF2B5EF4-FFF2-40B4-BE49-F238E27FC236}">
+                <a16:creationId xmlns:a16="http://schemas.microsoft.com/office/drawing/2014/main" id="{D61ED8B4-1382-455A-9C96-5894F49823C1}"/>
+              </a:ext>
+            </a:extLst>
+          </p:cNvPr>
+          <p:cNvSpPr/>
+          <p:nvPr/>
+        </p:nvSpPr>
+        <p:spPr>
+          <a:xfrm>
+            <a:off x="2641601" y="6311900"/>
+            <a:ext cx="9550400" cy="369332"/>
+          </a:xfrm>
+          <a:prstGeom prst="rect">
+            <a:avLst/>
+          </a:prstGeom>
+        </p:spPr>
+        <p:txBody>
+          <a:bodyPr wrap="square">
+            <a:spAutoFit/>
+          </a:bodyPr>
+          <a:lstStyle/>
+          <a:p>
+            <a:r>
+              <a:rPr lang="en-US" dirty="0" err="1">
+                <a:hlinkClick r:id="rId3"/>
+              </a:rPr>
+              <a:t>Rousseeuw</a:t>
+            </a:r>
+            <a:r>
+              <a:rPr lang="en-US" dirty="0">
+                <a:hlinkClick r:id="rId3"/>
+              </a:rPr>
+              <a:t>, </a:t>
+            </a:r>
+            <a:r>
+              <a:rPr lang="en-US" dirty="0">
+                <a:solidFill>
+                  <a:srgbClr val="505050"/>
+                </a:solidFill>
+                <a:latin typeface="NexusSerif"/>
+                <a:hlinkClick r:id="rId3"/>
+              </a:rPr>
+              <a:t>1987. Silhouettes: A graphical aid to the interpretation and validation of cluster analysis</a:t>
+            </a:r>
+            <a:endParaRPr lang="en-US" b="0" i="0" dirty="0">
+              <a:solidFill>
+                <a:srgbClr val="505050"/>
+              </a:solidFill>
+              <a:effectLst/>
+              <a:latin typeface="NexusSerif"/>
+            </a:endParaRPr>
+          </a:p>
+        </p:txBody>
+      </p:sp>
     </p:spTree>
   </p:cSld>
   <p:clrMapOvr>

--- a/slides/04_ML_K-Means.pptx
+++ b/slides/04_ML_K-Means.pptx
@@ -232,7 +232,7 @@
           <a:p>
             <a:fld id="{7B6EC019-8BE9-4716-A045-AB4F46EC50AD}" type="datetimeFigureOut">
               <a:rPr lang="en-US" smtClean="0"/>
-              <a:t>6/1/2020</a:t>
+              <a:t>6/2/2020</a:t>
             </a:fld>
             <a:endParaRPr lang="en-US"/>
           </a:p>
@@ -3205,7 +3205,7 @@
           <a:p>
             <a:fld id="{5F6D1571-7249-4A7C-B463-A862308C856B}" type="datetimeFigureOut">
               <a:rPr lang="en-US" smtClean="0"/>
-              <a:t>6/1/2020</a:t>
+              <a:t>6/2/2020</a:t>
             </a:fld>
             <a:endParaRPr lang="en-US"/>
           </a:p>
@@ -3403,7 +3403,7 @@
           <a:p>
             <a:fld id="{5F6D1571-7249-4A7C-B463-A862308C856B}" type="datetimeFigureOut">
               <a:rPr lang="en-US" smtClean="0"/>
-              <a:t>6/1/2020</a:t>
+              <a:t>6/2/2020</a:t>
             </a:fld>
             <a:endParaRPr lang="en-US"/>
           </a:p>
@@ -3611,7 +3611,7 @@
           <a:p>
             <a:fld id="{5F6D1571-7249-4A7C-B463-A862308C856B}" type="datetimeFigureOut">
               <a:rPr lang="en-US" smtClean="0"/>
-              <a:t>6/1/2020</a:t>
+              <a:t>6/2/2020</a:t>
             </a:fld>
             <a:endParaRPr lang="en-US"/>
           </a:p>
@@ -3809,7 +3809,7 @@
           <a:p>
             <a:fld id="{5F6D1571-7249-4A7C-B463-A862308C856B}" type="datetimeFigureOut">
               <a:rPr lang="en-US" smtClean="0"/>
-              <a:t>6/1/2020</a:t>
+              <a:t>6/2/2020</a:t>
             </a:fld>
             <a:endParaRPr lang="en-US"/>
           </a:p>
@@ -4084,7 +4084,7 @@
           <a:p>
             <a:fld id="{5F6D1571-7249-4A7C-B463-A862308C856B}" type="datetimeFigureOut">
               <a:rPr lang="en-US" smtClean="0"/>
-              <a:t>6/1/2020</a:t>
+              <a:t>6/2/2020</a:t>
             </a:fld>
             <a:endParaRPr lang="en-US"/>
           </a:p>
@@ -4349,7 +4349,7 @@
           <a:p>
             <a:fld id="{5F6D1571-7249-4A7C-B463-A862308C856B}" type="datetimeFigureOut">
               <a:rPr lang="en-US" smtClean="0"/>
-              <a:t>6/1/2020</a:t>
+              <a:t>6/2/2020</a:t>
             </a:fld>
             <a:endParaRPr lang="en-US"/>
           </a:p>
@@ -4761,7 +4761,7 @@
           <a:p>
             <a:fld id="{5F6D1571-7249-4A7C-B463-A862308C856B}" type="datetimeFigureOut">
               <a:rPr lang="en-US" smtClean="0"/>
-              <a:t>6/1/2020</a:t>
+              <a:t>6/2/2020</a:t>
             </a:fld>
             <a:endParaRPr lang="en-US"/>
           </a:p>
@@ -4902,7 +4902,7 @@
           <a:p>
             <a:fld id="{5F6D1571-7249-4A7C-B463-A862308C856B}" type="datetimeFigureOut">
               <a:rPr lang="en-US" smtClean="0"/>
-              <a:t>6/1/2020</a:t>
+              <a:t>6/2/2020</a:t>
             </a:fld>
             <a:endParaRPr lang="en-US"/>
           </a:p>
@@ -5015,7 +5015,7 @@
           <a:p>
             <a:fld id="{5F6D1571-7249-4A7C-B463-A862308C856B}" type="datetimeFigureOut">
               <a:rPr lang="en-US" smtClean="0"/>
-              <a:t>6/1/2020</a:t>
+              <a:t>6/2/2020</a:t>
             </a:fld>
             <a:endParaRPr lang="en-US"/>
           </a:p>
@@ -5326,7 +5326,7 @@
           <a:p>
             <a:fld id="{5F6D1571-7249-4A7C-B463-A862308C856B}" type="datetimeFigureOut">
               <a:rPr lang="en-US" smtClean="0"/>
-              <a:t>6/1/2020</a:t>
+              <a:t>6/2/2020</a:t>
             </a:fld>
             <a:endParaRPr lang="en-US"/>
           </a:p>
@@ -5614,7 +5614,7 @@
           <a:p>
             <a:fld id="{5F6D1571-7249-4A7C-B463-A862308C856B}" type="datetimeFigureOut">
               <a:rPr lang="en-US" smtClean="0"/>
-              <a:t>6/1/2020</a:t>
+              <a:t>6/2/2020</a:t>
             </a:fld>
             <a:endParaRPr lang="en-US"/>
           </a:p>
@@ -5855,7 +5855,7 @@
           <a:p>
             <a:fld id="{5F6D1571-7249-4A7C-B463-A862308C856B}" type="datetimeFigureOut">
               <a:rPr lang="en-US" smtClean="0"/>
-              <a:t>6/1/2020</a:t>
+              <a:t>6/2/2020</a:t>
             </a:fld>
             <a:endParaRPr lang="en-US"/>
           </a:p>
@@ -27040,6 +27040,10 @@
           <a:bodyPr/>
           <a:lstStyle/>
           <a:p>
+            <a:r>
+              <a:rPr lang="en-US"/>
+              <a:t>Exercise</a:t>
+            </a:r>
             <a:endParaRPr lang="en-US" dirty="0"/>
           </a:p>
         </p:txBody>

--- a/slides/04_ML_K-Means.pptx
+++ b/slides/04_ML_K-Means.pptx
@@ -5,7 +5,7 @@
     <p:sldMasterId id="2147483648" r:id="rId1"/>
   </p:sldMasterIdLst>
   <p:notesMasterIdLst>
-    <p:notesMasterId r:id="rId38"/>
+    <p:notesMasterId r:id="rId40"/>
   </p:notesMasterIdLst>
   <p:sldIdLst>
     <p:sldId id="281" r:id="rId2"/>
@@ -44,6 +44,8 @@
     <p:sldId id="306" r:id="rId35"/>
     <p:sldId id="304" r:id="rId36"/>
     <p:sldId id="305" r:id="rId37"/>
+    <p:sldId id="309" r:id="rId38"/>
+    <p:sldId id="310" r:id="rId39"/>
   </p:sldIdLst>
   <p:sldSz cx="12192000" cy="6858000"/>
   <p:notesSz cx="6858000" cy="9144000"/>
@@ -232,7 +234,7 @@
           <a:p>
             <a:fld id="{7B6EC019-8BE9-4716-A045-AB4F46EC50AD}" type="datetimeFigureOut">
               <a:rPr lang="en-US" smtClean="0"/>
-              <a:t>6/2/2020</a:t>
+              <a:t>1/12/2021</a:t>
             </a:fld>
             <a:endParaRPr lang="en-US"/>
           </a:p>
@@ -3205,7 +3207,7 @@
           <a:p>
             <a:fld id="{5F6D1571-7249-4A7C-B463-A862308C856B}" type="datetimeFigureOut">
               <a:rPr lang="en-US" smtClean="0"/>
-              <a:t>6/2/2020</a:t>
+              <a:t>1/12/2021</a:t>
             </a:fld>
             <a:endParaRPr lang="en-US"/>
           </a:p>
@@ -3403,7 +3405,7 @@
           <a:p>
             <a:fld id="{5F6D1571-7249-4A7C-B463-A862308C856B}" type="datetimeFigureOut">
               <a:rPr lang="en-US" smtClean="0"/>
-              <a:t>6/2/2020</a:t>
+              <a:t>1/12/2021</a:t>
             </a:fld>
             <a:endParaRPr lang="en-US"/>
           </a:p>
@@ -3611,7 +3613,7 @@
           <a:p>
             <a:fld id="{5F6D1571-7249-4A7C-B463-A862308C856B}" type="datetimeFigureOut">
               <a:rPr lang="en-US" smtClean="0"/>
-              <a:t>6/2/2020</a:t>
+              <a:t>1/12/2021</a:t>
             </a:fld>
             <a:endParaRPr lang="en-US"/>
           </a:p>
@@ -3809,7 +3811,7 @@
           <a:p>
             <a:fld id="{5F6D1571-7249-4A7C-B463-A862308C856B}" type="datetimeFigureOut">
               <a:rPr lang="en-US" smtClean="0"/>
-              <a:t>6/2/2020</a:t>
+              <a:t>1/12/2021</a:t>
             </a:fld>
             <a:endParaRPr lang="en-US"/>
           </a:p>
@@ -4084,7 +4086,7 @@
           <a:p>
             <a:fld id="{5F6D1571-7249-4A7C-B463-A862308C856B}" type="datetimeFigureOut">
               <a:rPr lang="en-US" smtClean="0"/>
-              <a:t>6/2/2020</a:t>
+              <a:t>1/12/2021</a:t>
             </a:fld>
             <a:endParaRPr lang="en-US"/>
           </a:p>
@@ -4349,7 +4351,7 @@
           <a:p>
             <a:fld id="{5F6D1571-7249-4A7C-B463-A862308C856B}" type="datetimeFigureOut">
               <a:rPr lang="en-US" smtClean="0"/>
-              <a:t>6/2/2020</a:t>
+              <a:t>1/12/2021</a:t>
             </a:fld>
             <a:endParaRPr lang="en-US"/>
           </a:p>
@@ -4761,7 +4763,7 @@
           <a:p>
             <a:fld id="{5F6D1571-7249-4A7C-B463-A862308C856B}" type="datetimeFigureOut">
               <a:rPr lang="en-US" smtClean="0"/>
-              <a:t>6/2/2020</a:t>
+              <a:t>1/12/2021</a:t>
             </a:fld>
             <a:endParaRPr lang="en-US"/>
           </a:p>
@@ -4902,7 +4904,7 @@
           <a:p>
             <a:fld id="{5F6D1571-7249-4A7C-B463-A862308C856B}" type="datetimeFigureOut">
               <a:rPr lang="en-US" smtClean="0"/>
-              <a:t>6/2/2020</a:t>
+              <a:t>1/12/2021</a:t>
             </a:fld>
             <a:endParaRPr lang="en-US"/>
           </a:p>
@@ -5015,7 +5017,7 @@
           <a:p>
             <a:fld id="{5F6D1571-7249-4A7C-B463-A862308C856B}" type="datetimeFigureOut">
               <a:rPr lang="en-US" smtClean="0"/>
-              <a:t>6/2/2020</a:t>
+              <a:t>1/12/2021</a:t>
             </a:fld>
             <a:endParaRPr lang="en-US"/>
           </a:p>
@@ -5326,7 +5328,7 @@
           <a:p>
             <a:fld id="{5F6D1571-7249-4A7C-B463-A862308C856B}" type="datetimeFigureOut">
               <a:rPr lang="en-US" smtClean="0"/>
-              <a:t>6/2/2020</a:t>
+              <a:t>1/12/2021</a:t>
             </a:fld>
             <a:endParaRPr lang="en-US"/>
           </a:p>
@@ -5614,7 +5616,7 @@
           <a:p>
             <a:fld id="{5F6D1571-7249-4A7C-B463-A862308C856B}" type="datetimeFigureOut">
               <a:rPr lang="en-US" smtClean="0"/>
-              <a:t>6/2/2020</a:t>
+              <a:t>1/12/2021</a:t>
             </a:fld>
             <a:endParaRPr lang="en-US"/>
           </a:p>
@@ -5855,7 +5857,7 @@
           <a:p>
             <a:fld id="{5F6D1571-7249-4A7C-B463-A862308C856B}" type="datetimeFigureOut">
               <a:rPr lang="en-US" smtClean="0"/>
-              <a:t>6/2/2020</a:t>
+              <a:t>1/12/2021</a:t>
             </a:fld>
             <a:endParaRPr lang="en-US"/>
           </a:p>
@@ -27396,6 +27398,484 @@
 </p:sld>
 </file>
 
+<file path=ppt/slides/slide37.xml><?xml version="1.0" encoding="utf-8"?>
+<p:sld xmlns:a="http://schemas.openxmlformats.org/drawingml/2006/main" xmlns:r="http://schemas.openxmlformats.org/officeDocument/2006/relationships" xmlns:p="http://schemas.openxmlformats.org/presentationml/2006/main">
+  <p:cSld>
+    <p:spTree>
+      <p:nvGrpSpPr>
+        <p:cNvPr id="1" name=""/>
+        <p:cNvGrpSpPr/>
+        <p:nvPr/>
+      </p:nvGrpSpPr>
+      <p:grpSpPr>
+        <a:xfrm>
+          <a:off x="0" y="0"/>
+          <a:ext cx="0" cy="0"/>
+          <a:chOff x="0" y="0"/>
+          <a:chExt cx="0" cy="0"/>
+        </a:xfrm>
+      </p:grpSpPr>
+      <p:sp>
+        <p:nvSpPr>
+          <p:cNvPr id="4" name="Title 3">
+            <a:extLst>
+              <a:ext uri="{FF2B5EF4-FFF2-40B4-BE49-F238E27FC236}">
+                <a16:creationId xmlns:a16="http://schemas.microsoft.com/office/drawing/2014/main" id="{C9D9529E-D3C2-47EA-8463-9F716D3F328D}"/>
+              </a:ext>
+            </a:extLst>
+          </p:cNvPr>
+          <p:cNvSpPr>
+            <a:spLocks noGrp="1"/>
+          </p:cNvSpPr>
+          <p:nvPr>
+            <p:ph type="title"/>
+          </p:nvPr>
+        </p:nvSpPr>
+        <p:spPr/>
+        <p:txBody>
+          <a:bodyPr/>
+          <a:lstStyle/>
+          <a:p>
+            <a:r>
+              <a:rPr lang="en-US" dirty="0"/>
+              <a:t>K-Nearest Neighbors</a:t>
+            </a:r>
+          </a:p>
+        </p:txBody>
+      </p:sp>
+      <p:sp>
+        <p:nvSpPr>
+          <p:cNvPr id="5" name="Text Placeholder 4">
+            <a:extLst>
+              <a:ext uri="{FF2B5EF4-FFF2-40B4-BE49-F238E27FC236}">
+                <a16:creationId xmlns:a16="http://schemas.microsoft.com/office/drawing/2014/main" id="{097C5D3B-F6C0-4A8E-B45E-A90EAE06E39F}"/>
+              </a:ext>
+            </a:extLst>
+          </p:cNvPr>
+          <p:cNvSpPr>
+            <a:spLocks noGrp="1"/>
+          </p:cNvSpPr>
+          <p:nvPr>
+            <p:ph type="body" idx="1"/>
+          </p:nvPr>
+        </p:nvSpPr>
+        <p:spPr/>
+        <p:txBody>
+          <a:bodyPr/>
+          <a:lstStyle/>
+          <a:p>
+            <a:endParaRPr lang="en-US"/>
+          </a:p>
+        </p:txBody>
+      </p:sp>
+    </p:spTree>
+    <p:extLst>
+      <p:ext uri="{BB962C8B-B14F-4D97-AF65-F5344CB8AC3E}">
+        <p14:creationId xmlns:p14="http://schemas.microsoft.com/office/powerpoint/2010/main" val="2918483498"/>
+      </p:ext>
+    </p:extLst>
+  </p:cSld>
+  <p:clrMapOvr>
+    <a:masterClrMapping/>
+  </p:clrMapOvr>
+</p:sld>
+</file>
+
+<file path=ppt/slides/slide38.xml><?xml version="1.0" encoding="utf-8"?>
+<p:sld xmlns:a="http://schemas.openxmlformats.org/drawingml/2006/main" xmlns:r="http://schemas.openxmlformats.org/officeDocument/2006/relationships" xmlns:p="http://schemas.openxmlformats.org/presentationml/2006/main">
+  <p:cSld>
+    <p:spTree>
+      <p:nvGrpSpPr>
+        <p:cNvPr id="1" name=""/>
+        <p:cNvGrpSpPr/>
+        <p:nvPr/>
+      </p:nvGrpSpPr>
+      <p:grpSpPr>
+        <a:xfrm>
+          <a:off x="0" y="0"/>
+          <a:ext cx="0" cy="0"/>
+          <a:chOff x="0" y="0"/>
+          <a:chExt cx="0" cy="0"/>
+        </a:xfrm>
+      </p:grpSpPr>
+      <p:sp>
+        <p:nvSpPr>
+          <p:cNvPr id="5" name="TextBox 4">
+            <a:extLst>
+              <a:ext uri="{FF2B5EF4-FFF2-40B4-BE49-F238E27FC236}">
+                <a16:creationId xmlns:a16="http://schemas.microsoft.com/office/drawing/2014/main" id="{1AF04FE2-C4ED-497F-B1E3-FB30648C25DD}"/>
+              </a:ext>
+            </a:extLst>
+          </p:cNvPr>
+          <p:cNvSpPr txBox="1"/>
+          <p:nvPr/>
+        </p:nvSpPr>
+        <p:spPr>
+          <a:xfrm>
+            <a:off x="0" y="6488668"/>
+            <a:ext cx="10176933" cy="369332"/>
+          </a:xfrm>
+          <a:prstGeom prst="rect">
+            <a:avLst/>
+          </a:prstGeom>
+          <a:noFill/>
+        </p:spPr>
+        <p:txBody>
+          <a:bodyPr wrap="square">
+            <a:spAutoFit/>
+          </a:bodyPr>
+          <a:lstStyle/>
+          <a:p>
+            <a:r>
+              <a:rPr lang="en-US" dirty="0">
+                <a:hlinkClick r:id="rId2"/>
+              </a:rPr>
+              <a:t>https://www.analyticsvidhya.com/blog/2018/08/k-nearest-neighbor-introduction-regression-python/</a:t>
+            </a:r>
+            <a:endParaRPr lang="en-US" dirty="0"/>
+          </a:p>
+        </p:txBody>
+      </p:sp>
+      <p:pic>
+        <p:nvPicPr>
+          <p:cNvPr id="1028" name="Picture 4">
+            <a:extLst>
+              <a:ext uri="{FF2B5EF4-FFF2-40B4-BE49-F238E27FC236}">
+                <a16:creationId xmlns:a16="http://schemas.microsoft.com/office/drawing/2014/main" id="{92E0A149-F640-4D3E-A9EB-D1761ED0A41A}"/>
+              </a:ext>
+            </a:extLst>
+          </p:cNvPr>
+          <p:cNvPicPr>
+            <a:picLocks noChangeAspect="1" noChangeArrowheads="1"/>
+          </p:cNvPicPr>
+          <p:nvPr/>
+        </p:nvPicPr>
+        <p:blipFill>
+          <a:blip r:embed="rId3">
+            <a:extLst>
+              <a:ext uri="{28A0092B-C50C-407E-A947-70E740481C1C}">
+                <a14:useLocalDpi xmlns:a14="http://schemas.microsoft.com/office/drawing/2010/main" val="0"/>
+              </a:ext>
+            </a:extLst>
+          </a:blip>
+          <a:srcRect/>
+          <a:stretch>
+            <a:fillRect/>
+          </a:stretch>
+        </p:blipFill>
+        <p:spPr bwMode="auto">
+          <a:xfrm>
+            <a:off x="118533" y="3169540"/>
+            <a:ext cx="5164667" cy="2835376"/>
+          </a:xfrm>
+          <a:prstGeom prst="rect">
+            <a:avLst/>
+          </a:prstGeom>
+          <a:noFill/>
+          <a:extLst>
+            <a:ext uri="{909E8E84-426E-40DD-AFC4-6F175D3DCCD1}">
+              <a14:hiddenFill xmlns:a14="http://schemas.microsoft.com/office/drawing/2010/main">
+                <a:solidFill>
+                  <a:srgbClr val="FFFFFF"/>
+                </a:solidFill>
+              </a14:hiddenFill>
+            </a:ext>
+          </a:extLst>
+        </p:spPr>
+      </p:pic>
+      <mc:AlternateContent xmlns:mc="http://schemas.openxmlformats.org/markup-compatibility/2006">
+        <mc:Choice xmlns:a14="http://schemas.microsoft.com/office/drawing/2010/main" Requires="a14">
+          <p:sp>
+            <p:nvSpPr>
+              <p:cNvPr id="6" name="TextBox 5">
+                <a:extLst>
+                  <a:ext uri="{FF2B5EF4-FFF2-40B4-BE49-F238E27FC236}">
+                    <a16:creationId xmlns:a16="http://schemas.microsoft.com/office/drawing/2014/main" id="{C684FE79-2B18-45CD-84F9-1DBAC3452AE0}"/>
+                  </a:ext>
+                </a:extLst>
+              </p:cNvPr>
+              <p:cNvSpPr txBox="1"/>
+              <p:nvPr/>
+            </p:nvSpPr>
+            <p:spPr>
+              <a:xfrm>
+                <a:off x="525990" y="422743"/>
+                <a:ext cx="4367743" cy="1200329"/>
+              </a:xfrm>
+              <a:prstGeom prst="rect">
+                <a:avLst/>
+              </a:prstGeom>
+              <a:noFill/>
+            </p:spPr>
+            <p:txBody>
+              <a:bodyPr wrap="square" rtlCol="0">
+                <a:spAutoFit/>
+              </a:bodyPr>
+              <a:lstStyle/>
+              <a:p>
+                <a:r>
+                  <a:rPr lang="en-US" dirty="0"/>
+                  <a:t>Just estimate the desired instance by using the </a:t>
+                </a:r>
+                <a14:m>
+                  <m:oMath xmlns:m="http://schemas.openxmlformats.org/officeDocument/2006/math">
+                    <m:r>
+                      <a:rPr lang="en-US" b="0" i="1" smtClean="0">
+                        <a:latin typeface="Cambria Math" panose="02040503050406030204" pitchFamily="18" charset="0"/>
+                      </a:rPr>
+                      <m:t>𝑘</m:t>
+                    </m:r>
+                    <m:r>
+                      <a:rPr lang="en-US" b="0" i="0" smtClean="0">
+                        <a:latin typeface="Cambria Math" panose="02040503050406030204" pitchFamily="18" charset="0"/>
+                      </a:rPr>
+                      <m:t>−</m:t>
+                    </m:r>
+                  </m:oMath>
+                </a14:m>
+                <a:r>
+                  <a:rPr lang="en-US" dirty="0"/>
+                  <a:t> nearest neighbors. For regression,  use (maybe distance weighted) average, for classification use voting</a:t>
+                </a:r>
+              </a:p>
+            </p:txBody>
+          </p:sp>
+        </mc:Choice>
+        <mc:Fallback>
+          <p:sp>
+            <p:nvSpPr>
+              <p:cNvPr id="6" name="TextBox 5">
+                <a:extLst>
+                  <a:ext uri="{FF2B5EF4-FFF2-40B4-BE49-F238E27FC236}">
+                    <a16:creationId xmlns:a16="http://schemas.microsoft.com/office/drawing/2014/main" id="{C684FE79-2B18-45CD-84F9-1DBAC3452AE0}"/>
+                  </a:ext>
+                </a:extLst>
+              </p:cNvPr>
+              <p:cNvSpPr txBox="1">
+                <a:spLocks noRot="1" noChangeAspect="1" noMove="1" noResize="1" noEditPoints="1" noAdjustHandles="1" noChangeArrowheads="1" noChangeShapeType="1" noTextEdit="1"/>
+              </p:cNvSpPr>
+              <p:nvPr/>
+            </p:nvSpPr>
+            <p:spPr>
+              <a:xfrm>
+                <a:off x="525990" y="422743"/>
+                <a:ext cx="4367743" cy="1200329"/>
+              </a:xfrm>
+              <a:prstGeom prst="rect">
+                <a:avLst/>
+              </a:prstGeom>
+              <a:blipFill>
+                <a:blip r:embed="rId4"/>
+                <a:stretch>
+                  <a:fillRect l="-1116" t="-2538" b="-7107"/>
+                </a:stretch>
+              </a:blipFill>
+            </p:spPr>
+            <p:txBody>
+              <a:bodyPr/>
+              <a:lstStyle/>
+              <a:p>
+                <a:r>
+                  <a:rPr lang="en-US">
+                    <a:noFill/>
+                  </a:rPr>
+                  <a:t> </a:t>
+                </a:r>
+              </a:p>
+            </p:txBody>
+          </p:sp>
+        </mc:Fallback>
+      </mc:AlternateContent>
+      <p:pic>
+        <p:nvPicPr>
+          <p:cNvPr id="1030" name="Picture 6">
+            <a:extLst>
+              <a:ext uri="{FF2B5EF4-FFF2-40B4-BE49-F238E27FC236}">
+                <a16:creationId xmlns:a16="http://schemas.microsoft.com/office/drawing/2014/main" id="{6B88DCBD-5740-4EF1-A756-8ABEC50E87CD}"/>
+              </a:ext>
+            </a:extLst>
+          </p:cNvPr>
+          <p:cNvPicPr>
+            <a:picLocks noChangeAspect="1" noChangeArrowheads="1"/>
+          </p:cNvPicPr>
+          <p:nvPr/>
+        </p:nvPicPr>
+        <p:blipFill>
+          <a:blip r:embed="rId5">
+            <a:extLst>
+              <a:ext uri="{28A0092B-C50C-407E-A947-70E740481C1C}">
+                <a14:useLocalDpi xmlns:a14="http://schemas.microsoft.com/office/drawing/2010/main" val="0"/>
+              </a:ext>
+            </a:extLst>
+          </a:blip>
+          <a:srcRect/>
+          <a:stretch>
+            <a:fillRect/>
+          </a:stretch>
+        </p:blipFill>
+        <p:spPr bwMode="auto">
+          <a:xfrm>
+            <a:off x="5641744" y="25087"/>
+            <a:ext cx="5959845" cy="3657600"/>
+          </a:xfrm>
+          <a:prstGeom prst="rect">
+            <a:avLst/>
+          </a:prstGeom>
+          <a:noFill/>
+          <a:extLst>
+            <a:ext uri="{909E8E84-426E-40DD-AFC4-6F175D3DCCD1}">
+              <a14:hiddenFill xmlns:a14="http://schemas.microsoft.com/office/drawing/2010/main">
+                <a:solidFill>
+                  <a:srgbClr val="FFFFFF"/>
+                </a:solidFill>
+              </a14:hiddenFill>
+            </a:ext>
+          </a:extLst>
+        </p:spPr>
+      </p:pic>
+      <p:pic>
+        <p:nvPicPr>
+          <p:cNvPr id="1026" name="Picture 2">
+            <a:extLst>
+              <a:ext uri="{FF2B5EF4-FFF2-40B4-BE49-F238E27FC236}">
+                <a16:creationId xmlns:a16="http://schemas.microsoft.com/office/drawing/2014/main" id="{21531B1E-5F4D-4DED-B6FF-EE9BAEB10749}"/>
+              </a:ext>
+            </a:extLst>
+          </p:cNvPr>
+          <p:cNvPicPr>
+            <a:picLocks noChangeAspect="1" noChangeArrowheads="1"/>
+          </p:cNvPicPr>
+          <p:nvPr/>
+        </p:nvPicPr>
+        <p:blipFill>
+          <a:blip r:embed="rId6">
+            <a:extLst>
+              <a:ext uri="{28A0092B-C50C-407E-A947-70E740481C1C}">
+                <a14:useLocalDpi xmlns:a14="http://schemas.microsoft.com/office/drawing/2010/main" val="0"/>
+              </a:ext>
+            </a:extLst>
+          </a:blip>
+          <a:srcRect/>
+          <a:stretch>
+            <a:fillRect/>
+          </a:stretch>
+        </p:blipFill>
+        <p:spPr bwMode="auto">
+          <a:xfrm>
+            <a:off x="5595149" y="58953"/>
+            <a:ext cx="6070861" cy="3657600"/>
+          </a:xfrm>
+          <a:prstGeom prst="rect">
+            <a:avLst/>
+          </a:prstGeom>
+          <a:noFill/>
+          <a:extLst>
+            <a:ext uri="{909E8E84-426E-40DD-AFC4-6F175D3DCCD1}">
+              <a14:hiddenFill xmlns:a14="http://schemas.microsoft.com/office/drawing/2010/main">
+                <a:solidFill>
+                  <a:srgbClr val="FFFFFF"/>
+                </a:solidFill>
+              </a14:hiddenFill>
+            </a:ext>
+          </a:extLst>
+        </p:spPr>
+      </p:pic>
+    </p:spTree>
+    <p:extLst>
+      <p:ext uri="{BB962C8B-B14F-4D97-AF65-F5344CB8AC3E}">
+        <p14:creationId xmlns:p14="http://schemas.microsoft.com/office/powerpoint/2010/main" val="3899572982"/>
+      </p:ext>
+    </p:extLst>
+  </p:cSld>
+  <p:clrMapOvr>
+    <a:masterClrMapping/>
+  </p:clrMapOvr>
+  <p:timing>
+    <p:tnLst>
+      <p:par>
+        <p:cTn id="1" dur="indefinite" restart="never" nodeType="tmRoot">
+          <p:childTnLst>
+            <p:seq concurrent="1" nextAc="seek">
+              <p:cTn id="2" dur="indefinite" nodeType="mainSeq">
+                <p:childTnLst>
+                  <p:par>
+                    <p:cTn id="3" fill="hold">
+                      <p:stCondLst>
+                        <p:cond delay="indefinite"/>
+                      </p:stCondLst>
+                      <p:childTnLst>
+                        <p:par>
+                          <p:cTn id="4" fill="hold">
+                            <p:stCondLst>
+                              <p:cond delay="0"/>
+                            </p:stCondLst>
+                            <p:childTnLst>
+                              <p:par>
+                                <p:cTn id="5" presetID="10" presetClass="entr" presetSubtype="0" fill="hold" nodeType="clickEffect">
+                                  <p:stCondLst>
+                                    <p:cond delay="0"/>
+                                  </p:stCondLst>
+                                  <p:childTnLst>
+                                    <p:set>
+                                      <p:cBhvr>
+                                        <p:cTn id="6" dur="1" fill="hold">
+                                          <p:stCondLst>
+                                            <p:cond delay="0"/>
+                                          </p:stCondLst>
+                                        </p:cTn>
+                                        <p:tgtEl>
+                                          <p:spTgt spid="1026"/>
+                                        </p:tgtEl>
+                                        <p:attrNameLst>
+                                          <p:attrName>style.visibility</p:attrName>
+                                        </p:attrNameLst>
+                                      </p:cBhvr>
+                                      <p:to>
+                                        <p:strVal val="visible"/>
+                                      </p:to>
+                                    </p:set>
+                                    <p:animEffect transition="in" filter="fade">
+                                      <p:cBhvr>
+                                        <p:cTn id="7" dur="500"/>
+                                        <p:tgtEl>
+                                          <p:spTgt spid="1026"/>
+                                        </p:tgtEl>
+                                      </p:cBhvr>
+                                    </p:animEffect>
+                                  </p:childTnLst>
+                                </p:cTn>
+                              </p:par>
+                            </p:childTnLst>
+                          </p:cTn>
+                        </p:par>
+                      </p:childTnLst>
+                    </p:cTn>
+                  </p:par>
+                </p:childTnLst>
+              </p:cTn>
+              <p:prevCondLst>
+                <p:cond evt="onPrev" delay="0">
+                  <p:tgtEl>
+                    <p:sldTgt/>
+                  </p:tgtEl>
+                </p:cond>
+              </p:prevCondLst>
+              <p:nextCondLst>
+                <p:cond evt="onNext" delay="0">
+                  <p:tgtEl>
+                    <p:sldTgt/>
+                  </p:tgtEl>
+                </p:cond>
+              </p:nextCondLst>
+            </p:seq>
+          </p:childTnLst>
+        </p:cTn>
+      </p:par>
+    </p:tnLst>
+  </p:timing>
+</p:sld>
+</file>
+
 <file path=ppt/slides/slide4.xml><?xml version="1.0" encoding="utf-8"?>
 <p:sld xmlns:a="http://schemas.openxmlformats.org/drawingml/2006/main" xmlns:r="http://schemas.openxmlformats.org/officeDocument/2006/relationships" xmlns:p="http://schemas.openxmlformats.org/presentationml/2006/main">
   <p:cSld>
